--- a/syllabus/27_requête_asynchrone/syllabus_27_async.pptx
+++ b/syllabus/27_requête_asynchrone/syllabus_27_async.pptx
@@ -5,7 +5,7 @@
     <p:sldMasterId id="2147483856" r:id="rId1"/>
   </p:sldMasterIdLst>
   <p:notesMasterIdLst>
-    <p:notesMasterId r:id="rId41"/>
+    <p:notesMasterId r:id="rId61"/>
   </p:notesMasterIdLst>
   <p:sldIdLst>
     <p:sldId id="256" r:id="rId2"/>
@@ -46,7 +46,27 @@
     <p:sldId id="606" r:id="rId37"/>
     <p:sldId id="607" r:id="rId38"/>
     <p:sldId id="608" r:id="rId39"/>
-    <p:sldId id="573" r:id="rId40"/>
+    <p:sldId id="619" r:id="rId40"/>
+    <p:sldId id="609" r:id="rId41"/>
+    <p:sldId id="610" r:id="rId42"/>
+    <p:sldId id="632" r:id="rId43"/>
+    <p:sldId id="617" r:id="rId44"/>
+    <p:sldId id="615" r:id="rId45"/>
+    <p:sldId id="611" r:id="rId46"/>
+    <p:sldId id="612" r:id="rId47"/>
+    <p:sldId id="614" r:id="rId48"/>
+    <p:sldId id="616" r:id="rId49"/>
+    <p:sldId id="613" r:id="rId50"/>
+    <p:sldId id="618" r:id="rId51"/>
+    <p:sldId id="621" r:id="rId52"/>
+    <p:sldId id="622" r:id="rId53"/>
+    <p:sldId id="624" r:id="rId54"/>
+    <p:sldId id="625" r:id="rId55"/>
+    <p:sldId id="626" r:id="rId56"/>
+    <p:sldId id="631" r:id="rId57"/>
+    <p:sldId id="627" r:id="rId58"/>
+    <p:sldId id="630" r:id="rId59"/>
+    <p:sldId id="573" r:id="rId60"/>
   </p:sldIdLst>
   <p:sldSz cx="12192000" cy="6858000"/>
   <p:notesSz cx="6858000" cy="9144000"/>
@@ -205,6 +225,34 @@
             <p14:sldId id="606"/>
             <p14:sldId id="607"/>
             <p14:sldId id="608"/>
+            <p14:sldId id="619"/>
+          </p14:sldIdLst>
+        </p14:section>
+        <p14:section name="Fetch + MVC" id="{1129707E-EE94-44A7-8E4E-5941D23A4362}">
+          <p14:sldIdLst>
+            <p14:sldId id="609"/>
+            <p14:sldId id="610"/>
+            <p14:sldId id="632"/>
+            <p14:sldId id="617"/>
+            <p14:sldId id="615"/>
+            <p14:sldId id="611"/>
+            <p14:sldId id="612"/>
+            <p14:sldId id="614"/>
+            <p14:sldId id="616"/>
+            <p14:sldId id="613"/>
+            <p14:sldId id="618"/>
+          </p14:sldIdLst>
+        </p14:section>
+        <p14:section name="Fetch + MVC + Vue.js" id="{F32BDAE4-C2C3-489C-9F33-EE6616379B23}">
+          <p14:sldIdLst>
+            <p14:sldId id="621"/>
+            <p14:sldId id="622"/>
+            <p14:sldId id="624"/>
+            <p14:sldId id="625"/>
+            <p14:sldId id="626"/>
+            <p14:sldId id="631"/>
+            <p14:sldId id="627"/>
+            <p14:sldId id="630"/>
           </p14:sldIdLst>
         </p14:section>
         <p14:section name="Explicit liber" id="{E8BF3C49-F8B6-4327-B3CF-C72145FC2FD0}">
@@ -340,7 +388,7 @@
           <a:p>
             <a:fld id="{FCE9742F-4DAE-47F5-9244-6ACC3985DD6B}" type="datetimeFigureOut">
               <a:rPr lang="fr-BE" smtClean="0"/>
-              <a:t>09-09-25</a:t>
+              <a:t>19-02-26</a:t>
             </a:fld>
             <a:endParaRPr lang="fr-BE"/>
           </a:p>
@@ -1398,7 +1446,7 @@
           <a:p>
             <a:fld id="{0E3842A0-1A3F-4998-8237-CE5EEE5DFDF0}" type="slidenum">
               <a:rPr lang="fr-BE" smtClean="0"/>
-              <a:t>39</a:t>
+              <a:t>59</a:t>
             </a:fld>
             <a:endParaRPr lang="fr-BE" dirty="0"/>
           </a:p>
@@ -1614,7 +1662,7 @@
           <a:p>
             <a:fld id="{F3953782-D06E-4853-BE3C-64C197273937}" type="datetimeFigureOut">
               <a:rPr lang="fr-BE" smtClean="0"/>
-              <a:t>09-09-25</a:t>
+              <a:t>19-02-26</a:t>
             </a:fld>
             <a:endParaRPr lang="fr-BE"/>
           </a:p>
@@ -3482,7 +3530,7 @@
           <a:p>
             <a:fld id="{F3953782-D06E-4853-BE3C-64C197273937}" type="datetimeFigureOut">
               <a:rPr lang="fr-BE" smtClean="0"/>
-              <a:t>09-09-25</a:t>
+              <a:t>19-02-26</a:t>
             </a:fld>
             <a:endParaRPr lang="fr-BE"/>
           </a:p>
@@ -3798,7 +3846,7 @@
           <a:p>
             <a:fld id="{F3953782-D06E-4853-BE3C-64C197273937}" type="datetimeFigureOut">
               <a:rPr lang="fr-BE" smtClean="0"/>
-              <a:t>09-09-25</a:t>
+              <a:t>19-02-26</a:t>
             </a:fld>
             <a:endParaRPr lang="fr-BE"/>
           </a:p>
@@ -3995,7 +4043,7 @@
           <a:p>
             <a:fld id="{F3953782-D06E-4853-BE3C-64C197273937}" type="datetimeFigureOut">
               <a:rPr lang="fr-BE" smtClean="0"/>
-              <a:t>09-09-25</a:t>
+              <a:t>19-02-26</a:t>
             </a:fld>
             <a:endParaRPr lang="fr-BE"/>
           </a:p>
@@ -4257,7 +4305,7 @@
           <a:p>
             <a:fld id="{F3953782-D06E-4853-BE3C-64C197273937}" type="datetimeFigureOut">
               <a:rPr lang="fr-BE" smtClean="0"/>
-              <a:t>09-09-25</a:t>
+              <a:t>19-02-26</a:t>
             </a:fld>
             <a:endParaRPr lang="fr-BE"/>
           </a:p>
@@ -4668,7 +4716,7 @@
           <a:p>
             <a:fld id="{F3953782-D06E-4853-BE3C-64C197273937}" type="datetimeFigureOut">
               <a:rPr lang="fr-BE" smtClean="0"/>
-              <a:t>09-09-25</a:t>
+              <a:t>19-02-26</a:t>
             </a:fld>
             <a:endParaRPr lang="fr-BE"/>
           </a:p>
@@ -4816,7 +4864,7 @@
           <a:p>
             <a:fld id="{F3953782-D06E-4853-BE3C-64C197273937}" type="datetimeFigureOut">
               <a:rPr lang="fr-BE" smtClean="0"/>
-              <a:t>09-09-25</a:t>
+              <a:t>19-02-26</a:t>
             </a:fld>
             <a:endParaRPr lang="fr-BE"/>
           </a:p>
@@ -5165,7 +5213,7 @@
           <a:p>
             <a:fld id="{F3953782-D06E-4853-BE3C-64C197273937}" type="datetimeFigureOut">
               <a:rPr lang="fr-BE" smtClean="0"/>
-              <a:t>09-09-25</a:t>
+              <a:t>19-02-26</a:t>
             </a:fld>
             <a:endParaRPr lang="fr-BE"/>
           </a:p>
@@ -5491,7 +5539,7 @@
           <a:p>
             <a:fld id="{F3953782-D06E-4853-BE3C-64C197273937}" type="datetimeFigureOut">
               <a:rPr lang="fr-BE" smtClean="0"/>
-              <a:t>09-09-25</a:t>
+              <a:t>19-02-26</a:t>
             </a:fld>
             <a:endParaRPr lang="fr-BE"/>
           </a:p>
@@ -6142,7 +6190,7 @@
         <p14:reveal/>
       </p:transition>
     </mc:Choice>
-    <mc:Fallback xmlns="" xmlns:mv="urn:schemas-microsoft-com:mac:vml" xmlns:c="http://schemas.openxmlformats.org/drawingml/2006/chart" xmlns:dgm="http://schemas.openxmlformats.org/drawingml/2006/diagram" xmlns:o="urn:schemas-microsoft-com:office:office" xmlns:v="urn:schemas-microsoft-com:vml" xmlns:pvml="urn:schemas-microsoft-com:office:powerpoint" xmlns:com="http://schemas.openxmlformats.org/drawingml/2006/compatibility" xmlns:p15="http://schemas.microsoft.com/office/powerpoint/2012/main" xmlns:ahyp="http://schemas.microsoft.com/office/drawing/2018/hyperlinkcolor">
+    <mc:Fallback xmlns:ahyp="http://schemas.microsoft.com/office/drawing/2018/hyperlinkcolor" xmlns:p15="http://schemas.microsoft.com/office/powerpoint/2012/main" xmlns:com="http://schemas.openxmlformats.org/drawingml/2006/compatibility" xmlns:pvml="urn:schemas-microsoft-com:office:powerpoint" xmlns:v="urn:schemas-microsoft-com:vml" xmlns:o="urn:schemas-microsoft-com:office:office" xmlns:dgm="http://schemas.openxmlformats.org/drawingml/2006/diagram" xmlns:c="http://schemas.openxmlformats.org/drawingml/2006/chart" xmlns:mv="urn:schemas-microsoft-com:mac:vml" xmlns="">
       <p:transition spd="med">
         <p:fade/>
       </p:transition>
@@ -6362,7 +6410,7 @@
           <a:p>
             <a:fld id="{D8C58C02-2470-452C-8FD7-48D2369607DA}" type="datetime1">
               <a:rPr lang="fr-BE" smtClean="0"/>
-              <a:t>09-09-25</a:t>
+              <a:t>19-02-26</a:t>
             </a:fld>
             <a:endParaRPr lang="fr-BE"/>
           </a:p>
@@ -6692,7 +6740,7 @@
           <a:p>
             <a:fld id="{5A7E6BF1-684C-4CDC-B855-2D4466F5C157}" type="datetime1">
               <a:rPr lang="fr-BE" smtClean="0"/>
-              <a:t>09-09-25</a:t>
+              <a:t>19-02-26</a:t>
             </a:fld>
             <a:endParaRPr lang="fr-BE"/>
           </a:p>
@@ -7090,7 +7138,7 @@
           <a:p>
             <a:fld id="{EC6CA901-155B-4352-AD5E-7C239337D48D}" type="datetime1">
               <a:rPr lang="fr-BE" smtClean="0"/>
-              <a:t>09-09-25</a:t>
+              <a:t>19-02-26</a:t>
             </a:fld>
             <a:endParaRPr lang="fr-BE"/>
           </a:p>
@@ -7246,7 +7294,7 @@
           <a:p>
             <a:fld id="{47EA6130-C364-45FF-ADCC-7D6C28140105}" type="datetime1">
               <a:rPr lang="fr-BE" smtClean="0"/>
-              <a:t>09-09-25</a:t>
+              <a:t>19-02-26</a:t>
             </a:fld>
             <a:endParaRPr lang="fr-BE"/>
           </a:p>
@@ -9744,7 +9792,7 @@
         <p14:reveal/>
       </p:transition>
     </mc:Choice>
-    <mc:Fallback xmlns:ahyp="http://schemas.microsoft.com/office/drawing/2018/hyperlinkcolor" xmlns:p15="http://schemas.microsoft.com/office/powerpoint/2012/main" xmlns:com="http://schemas.openxmlformats.org/drawingml/2006/compatibility" xmlns:pvml="urn:schemas-microsoft-com:office:powerpoint" xmlns:v="urn:schemas-microsoft-com:vml" xmlns:o="urn:schemas-microsoft-com:office:office" xmlns:dgm="http://schemas.openxmlformats.org/drawingml/2006/diagram" xmlns:c="http://schemas.openxmlformats.org/drawingml/2006/chart" xmlns:mv="urn:schemas-microsoft-com:mac:vml" xmlns="">
+    <mc:Fallback xmlns="" xmlns:mv="urn:schemas-microsoft-com:mac:vml" xmlns:c="http://schemas.openxmlformats.org/drawingml/2006/chart" xmlns:dgm="http://schemas.openxmlformats.org/drawingml/2006/diagram" xmlns:o="urn:schemas-microsoft-com:office:office" xmlns:v="urn:schemas-microsoft-com:vml" xmlns:pvml="urn:schemas-microsoft-com:office:powerpoint" xmlns:com="http://schemas.openxmlformats.org/drawingml/2006/compatibility" xmlns:p15="http://schemas.microsoft.com/office/powerpoint/2012/main" xmlns:ahyp="http://schemas.microsoft.com/office/drawing/2018/hyperlinkcolor">
       <p:transition spd="med">
         <p:fade/>
       </p:transition>
@@ -12534,7 +12582,7 @@
           <a:p>
             <a:r>
               <a:rPr lang="fr-BE"/>
-              <a:t>27. Requête Asychrone</a:t>
+              <a:t>27. Requête Asychrone &amp; API</a:t>
             </a:r>
             <a:endParaRPr lang="fr-BE" dirty="0"/>
           </a:p>
@@ -15863,7 +15911,7 @@
           <a:p>
             <a:fld id="{47EA6130-C364-45FF-ADCC-7D6C28140105}" type="datetime1">
               <a:rPr lang="fr-BE" smtClean="0"/>
-              <a:t>09-09-25</a:t>
+              <a:t>19-02-26</a:t>
             </a:fld>
             <a:endParaRPr lang="fr-BE"/>
           </a:p>
@@ -16515,22 +16563,7 @@
                 </a:solidFill>
                 <a:latin typeface="Consolas" panose="020B0609020204030204" pitchFamily="49" charset="0"/>
               </a:rPr>
-              <a:t>(</a:t>
-            </a:r>
-            <a:r>
-              <a:rPr lang="fr-BE" sz="1800">
-                <a:latin typeface="Consolas" panose="020B0609020204030204" pitchFamily="49" charset="0"/>
-              </a:rPr>
-              <a:t>'maj1</a:t>
-            </a:r>
-            <a:r>
-              <a:rPr lang="fr-BE" sz="1800">
-                <a:solidFill>
-                  <a:srgbClr val="996633"/>
-                </a:solidFill>
-                <a:latin typeface="Consolas" panose="020B0609020204030204" pitchFamily="49" charset="0"/>
-              </a:rPr>
-              <a:t>'));</a:t>
+              <a:t>(…));</a:t>
             </a:r>
           </a:p>
           <a:p>
@@ -16588,7 +16621,7 @@
               <a:rPr lang="fr-BE" sz="1800">
                 <a:latin typeface="Consolas" panose="020B0609020204030204" pitchFamily="49" charset="0"/>
               </a:rPr>
-              <a:t>button_id</a:t>
+              <a:t>button_id, target_id</a:t>
             </a:r>
             <a:r>
               <a:rPr lang="fr-BE" sz="1800">
@@ -16971,7 +17004,7 @@
               <a:rPr lang="fr-BE" sz="1800">
                 <a:latin typeface="Consolas" panose="020B0609020204030204" pitchFamily="49" charset="0"/>
               </a:rPr>
-              <a:t>button_id</a:t>
+              <a:t>target_id</a:t>
             </a:r>
             <a:r>
               <a:rPr lang="fr-BE" sz="1800">
@@ -17559,8 +17592,8 @@
         </p:nvSpPr>
         <p:spPr>
           <a:xfrm>
-            <a:off x="838200" y="1690689"/>
-            <a:ext cx="11353800" cy="4486276"/>
+            <a:off x="838200" y="1494740"/>
+            <a:ext cx="11353800" cy="5070829"/>
           </a:xfrm>
         </p:spPr>
         <p:txBody>
@@ -17576,7 +17609,7 @@
               <a:buNone/>
             </a:pPr>
             <a:r>
-              <a:rPr lang="fr-BE" sz="1800">
+              <a:rPr lang="fr-BE" sz="2000">
                 <a:solidFill>
                   <a:srgbClr val="996633"/>
                 </a:solidFill>
@@ -17585,7 +17618,7 @@
               <a:t>….</a:t>
             </a:r>
             <a:r>
-              <a:rPr lang="fr-BE" sz="1800">
+              <a:rPr lang="fr-BE" sz="2000">
                 <a:solidFill>
                   <a:schemeClr val="accent2"/>
                 </a:solidFill>
@@ -17594,7 +17627,7 @@
               <a:t>addEventListener</a:t>
             </a:r>
             <a:r>
-              <a:rPr lang="fr-BE" sz="1800">
+              <a:rPr lang="fr-BE" sz="2000">
                 <a:solidFill>
                   <a:srgbClr val="996633"/>
                 </a:solidFill>
@@ -17603,7 +17636,7 @@
               <a:t>(… </a:t>
             </a:r>
             <a:r>
-              <a:rPr lang="fr-BE" sz="1800">
+              <a:rPr lang="fr-BE" sz="2000">
                 <a:solidFill>
                   <a:schemeClr val="accent2"/>
                 </a:solidFill>
@@ -17612,7 +17645,7 @@
               <a:t>fetchResponse</a:t>
             </a:r>
             <a:r>
-              <a:rPr lang="fr-BE" sz="1800">
+              <a:rPr lang="fr-BE" sz="2000">
                 <a:solidFill>
                   <a:srgbClr val="996633"/>
                 </a:solidFill>
@@ -17621,13 +17654,13 @@
               <a:t>(</a:t>
             </a:r>
             <a:r>
-              <a:rPr lang="fr-BE" sz="1800">
+              <a:rPr lang="fr-BE" sz="2000">
                 <a:latin typeface="Consolas" panose="020B0609020204030204" pitchFamily="49" charset="0"/>
               </a:rPr>
               <a:t>'maj2</a:t>
             </a:r>
             <a:r>
-              <a:rPr lang="fr-BE" sz="1800">
+              <a:rPr lang="fr-BE" sz="2000">
                 <a:solidFill>
                   <a:srgbClr val="996633"/>
                 </a:solidFill>
@@ -17636,7 +17669,7 @@
               <a:t>')); </a:t>
             </a:r>
             <a:r>
-              <a:rPr lang="fr-BE" sz="1800" i="1">
+              <a:rPr lang="fr-BE" sz="2000" i="1">
                 <a:solidFill>
                   <a:srgbClr val="7F7F7F"/>
                 </a:solidFill>
@@ -17652,7 +17685,7 @@
               </a:spcBef>
               <a:buNone/>
             </a:pPr>
-            <a:endParaRPr lang="fr-BE" sz="1800">
+            <a:endParaRPr lang="fr-BE" sz="2000">
               <a:solidFill>
                 <a:srgbClr val="996633"/>
               </a:solidFill>
@@ -17667,7 +17700,7 @@
               <a:buNone/>
             </a:pPr>
             <a:r>
-              <a:rPr lang="fr-BE" sz="1800" i="1">
+              <a:rPr lang="fr-BE" sz="2000" i="1">
                 <a:solidFill>
                   <a:srgbClr val="7F7F7F"/>
                 </a:solidFill>
@@ -17684,7 +17717,7 @@
               <a:buNone/>
             </a:pPr>
             <a:r>
-              <a:rPr lang="fr-BE" sz="1800">
+              <a:rPr lang="fr-BE" sz="2000">
                 <a:solidFill>
                   <a:srgbClr val="996633"/>
                 </a:solidFill>
@@ -17693,7 +17726,7 @@
               <a:t>function </a:t>
             </a:r>
             <a:r>
-              <a:rPr lang="fr-BE" sz="1800">
+              <a:rPr lang="fr-BE" sz="2000">
                 <a:solidFill>
                   <a:schemeClr val="accent2"/>
                 </a:solidFill>
@@ -17702,7 +17735,7 @@
               <a:t>fetchResponse</a:t>
             </a:r>
             <a:r>
-              <a:rPr lang="fr-BE" sz="1800">
+              <a:rPr lang="fr-BE" sz="2000">
                 <a:solidFill>
                   <a:srgbClr val="996633"/>
                 </a:solidFill>
@@ -17711,13 +17744,13 @@
               <a:t>(</a:t>
             </a:r>
             <a:r>
-              <a:rPr lang="fr-BE" sz="1800">
-                <a:latin typeface="Consolas" panose="020B0609020204030204" pitchFamily="49" charset="0"/>
-              </a:rPr>
-              <a:t>button_id</a:t>
-            </a:r>
-            <a:r>
-              <a:rPr lang="fr-BE" sz="1800">
+              <a:rPr lang="fr-BE" sz="2000">
+                <a:latin typeface="Consolas" panose="020B0609020204030204" pitchFamily="49" charset="0"/>
+              </a:rPr>
+              <a:t>button_id, target_id</a:t>
+            </a:r>
+            <a:r>
+              <a:rPr lang="fr-BE" sz="2000">
                 <a:solidFill>
                   <a:srgbClr val="996633"/>
                 </a:solidFill>
@@ -17734,7 +17767,7 @@
               <a:buNone/>
             </a:pPr>
             <a:r>
-              <a:rPr lang="fr-BE" sz="1800">
+              <a:rPr lang="fr-BE" sz="2000">
                 <a:solidFill>
                   <a:srgbClr val="996633"/>
                 </a:solidFill>
@@ -17751,7 +17784,7 @@
               <a:buNone/>
             </a:pPr>
             <a:r>
-              <a:rPr lang="fr-BE" sz="1800">
+              <a:rPr lang="fr-BE" sz="2000">
                 <a:solidFill>
                   <a:srgbClr val="996633"/>
                 </a:solidFill>
@@ -17760,13 +17793,13 @@
               <a:t>	</a:t>
             </a:r>
             <a:r>
-              <a:rPr lang="fr-BE" sz="1800" i="1">
+              <a:rPr lang="fr-BE" sz="2000" i="1">
                 <a:solidFill>
                   <a:srgbClr val="7F7F7F"/>
                 </a:solidFill>
                 <a:latin typeface="Consolas" panose="020B0609020204030204" pitchFamily="49" charset="0"/>
               </a:rPr>
-              <a:t>// 1. Récupérer la valeur de l'input</a:t>
+              <a:t>// 1. Récupérer la valeur de l'input + conversion "clé=valeur"</a:t>
             </a:r>
           </a:p>
           <a:p>
@@ -17777,7 +17810,7 @@
               <a:buNone/>
             </a:pPr>
             <a:r>
-              <a:rPr lang="fr-BE" sz="1800">
+              <a:rPr lang="fr-BE" sz="2000">
                 <a:solidFill>
                   <a:srgbClr val="996633"/>
                 </a:solidFill>
@@ -17794,7 +17827,7 @@
               <a:buNone/>
             </a:pPr>
             <a:r>
-              <a:rPr lang="fr-BE" sz="1800">
+              <a:rPr lang="fr-BE" sz="2000">
                 <a:solidFill>
                   <a:srgbClr val="996633"/>
                 </a:solidFill>
@@ -17803,7 +17836,7 @@
               <a:t>	const </a:t>
             </a:r>
             <a:r>
-              <a:rPr lang="fr-BE" sz="1800">
+              <a:rPr lang="fr-BE" sz="2000">
                 <a:solidFill>
                   <a:srgbClr val="7030A0"/>
                 </a:solidFill>
@@ -17812,23 +17845,20 @@
               <a:t>param_s</a:t>
             </a:r>
             <a:r>
-              <a:rPr lang="fr-BE" sz="1800">
+              <a:rPr lang="fr-BE" sz="2000">
                 <a:solidFill>
                   <a:srgbClr val="996633"/>
                 </a:solidFill>
                 <a:latin typeface="Consolas" panose="020B0609020204030204" pitchFamily="49" charset="0"/>
               </a:rPr>
-              <a:t> = new URLSearchParams(param).toString() </a:t>
-            </a:r>
-            <a:r>
-              <a:rPr lang="fr-BE" sz="1800" i="1">
-                <a:solidFill>
-                  <a:srgbClr val="7F7F7F"/>
-                </a:solidFill>
-                <a:latin typeface="Consolas" panose="020B0609020204030204" pitchFamily="49" charset="0"/>
-              </a:rPr>
-              <a:t>// Conversion "clé=valeur"</a:t>
-            </a:r>
+              <a:t> = new URLSearchParams(param).toString()</a:t>
+            </a:r>
+            <a:endParaRPr lang="fr-BE" sz="2000" i="1">
+              <a:solidFill>
+                <a:srgbClr val="7F7F7F"/>
+              </a:solidFill>
+              <a:latin typeface="Consolas" panose="020B0609020204030204" pitchFamily="49" charset="0"/>
+            </a:endParaRPr>
           </a:p>
           <a:p>
             <a:pPr marL="0" indent="0" defTabSz="361950">
@@ -17837,7 +17867,7 @@
               </a:spcBef>
               <a:buNone/>
             </a:pPr>
-            <a:endParaRPr lang="fr-BE" sz="1800">
+            <a:endParaRPr lang="fr-BE" sz="2000">
               <a:solidFill>
                 <a:srgbClr val="996633"/>
               </a:solidFill>
@@ -17852,7 +17882,7 @@
               <a:buNone/>
             </a:pPr>
             <a:r>
-              <a:rPr lang="fr-BE" sz="1800">
+              <a:rPr lang="fr-BE" sz="2000">
                 <a:solidFill>
                   <a:srgbClr val="996633"/>
                 </a:solidFill>
@@ -17861,7 +17891,7 @@
               <a:t>	</a:t>
             </a:r>
             <a:r>
-              <a:rPr lang="fr-BE" sz="1800" i="1">
+              <a:rPr lang="fr-BE" sz="2000" i="1">
                 <a:solidFill>
                   <a:srgbClr val="7F7F7F"/>
                 </a:solidFill>
@@ -17878,7 +17908,7 @@
               <a:buNone/>
             </a:pPr>
             <a:r>
-              <a:rPr lang="fr-BE" sz="1800">
+              <a:rPr lang="fr-BE" sz="2000">
                 <a:solidFill>
                   <a:srgbClr val="996633"/>
                 </a:solidFill>
@@ -17887,7 +17917,7 @@
               <a:t>	fetch(</a:t>
             </a:r>
             <a:r>
-              <a:rPr lang="fr-BE" sz="1800">
+              <a:rPr lang="fr-BE" sz="2000">
                 <a:solidFill>
                   <a:schemeClr val="accent5"/>
                 </a:solidFill>
@@ -17896,7 +17926,7 @@
               <a:t>'exo_proverbe.php</a:t>
             </a:r>
             <a:r>
-              <a:rPr lang="fr-BE" sz="1800">
+              <a:rPr lang="fr-BE" sz="2000">
                 <a:solidFill>
                   <a:srgbClr val="996633"/>
                 </a:solidFill>
@@ -17913,7 +17943,7 @@
               <a:buNone/>
             </a:pPr>
             <a:r>
-              <a:rPr lang="fr-BE" sz="1800">
+              <a:rPr lang="fr-BE" sz="2000">
                 <a:solidFill>
                   <a:srgbClr val="996633"/>
                 </a:solidFill>
@@ -17922,7 +17952,7 @@
               <a:t>		</a:t>
             </a:r>
             <a:r>
-              <a:rPr lang="fr-BE" sz="1800">
+              <a:rPr lang="fr-BE" sz="2000">
                 <a:solidFill>
                   <a:srgbClr val="7030A0"/>
                 </a:solidFill>
@@ -17931,7 +17961,7 @@
               <a:t>method</a:t>
             </a:r>
             <a:r>
-              <a:rPr lang="fr-BE" sz="1800">
+              <a:rPr lang="fr-BE" sz="2000">
                 <a:solidFill>
                   <a:srgbClr val="996633"/>
                 </a:solidFill>
@@ -17948,7 +17978,7 @@
               <a:buNone/>
             </a:pPr>
             <a:r>
-              <a:rPr lang="fr-BE" sz="1800">
+              <a:rPr lang="fr-BE" sz="2000">
                 <a:solidFill>
                   <a:srgbClr val="996633"/>
                 </a:solidFill>
@@ -17957,7 +17987,7 @@
               <a:t>		</a:t>
             </a:r>
             <a:r>
-              <a:rPr lang="fr-BE" sz="1800">
+              <a:rPr lang="fr-BE" sz="2000">
                 <a:solidFill>
                   <a:srgbClr val="7030A0"/>
                 </a:solidFill>
@@ -17966,7 +17996,7 @@
               <a:t>headers</a:t>
             </a:r>
             <a:r>
-              <a:rPr lang="fr-BE" sz="1800">
+              <a:rPr lang="fr-BE" sz="2000">
                 <a:solidFill>
                   <a:srgbClr val="996633"/>
                 </a:solidFill>
@@ -17983,7 +18013,7 @@
               <a:buNone/>
             </a:pPr>
             <a:r>
-              <a:rPr lang="fr-BE" sz="1800">
+              <a:rPr lang="fr-BE" sz="2000">
                 <a:solidFill>
                   <a:srgbClr val="996633"/>
                 </a:solidFill>
@@ -17992,7 +18022,7 @@
               <a:t>			'Content-Type': 'application/x-www-form-urlencoded', </a:t>
             </a:r>
             <a:r>
-              <a:rPr lang="fr-BE" sz="1800" i="1">
+              <a:rPr lang="fr-BE" sz="2000" i="1">
                 <a:solidFill>
                   <a:srgbClr val="7F7F7F"/>
                 </a:solidFill>
@@ -18009,7 +18039,7 @@
               <a:buNone/>
             </a:pPr>
             <a:r>
-              <a:rPr lang="fr-BE" sz="1800">
+              <a:rPr lang="fr-BE" sz="2000">
                 <a:solidFill>
                   <a:srgbClr val="996633"/>
                 </a:solidFill>
@@ -18026,7 +18056,7 @@
               <a:buNone/>
             </a:pPr>
             <a:r>
-              <a:rPr lang="fr-BE" sz="1800">
+              <a:rPr lang="fr-BE" sz="2000">
                 <a:solidFill>
                   <a:srgbClr val="996633"/>
                 </a:solidFill>
@@ -18035,7 +18065,7 @@
               <a:t>		</a:t>
             </a:r>
             <a:r>
-              <a:rPr lang="fr-BE" sz="1800">
+              <a:rPr lang="fr-BE" sz="2000">
                 <a:solidFill>
                   <a:srgbClr val="7030A0"/>
                 </a:solidFill>
@@ -18044,7 +18074,7 @@
               <a:t>body</a:t>
             </a:r>
             <a:r>
-              <a:rPr lang="fr-BE" sz="1800">
+              <a:rPr lang="fr-BE" sz="2000">
                 <a:solidFill>
                   <a:srgbClr val="996633"/>
                 </a:solidFill>
@@ -18053,7 +18083,7 @@
               <a:t>    : </a:t>
             </a:r>
             <a:r>
-              <a:rPr lang="fr-BE" sz="1800">
+              <a:rPr lang="fr-BE" sz="2000">
                 <a:solidFill>
                   <a:srgbClr val="7030A0"/>
                 </a:solidFill>
@@ -18062,7 +18092,7 @@
               <a:t>param_s</a:t>
             </a:r>
             <a:r>
-              <a:rPr lang="fr-BE" sz="1800">
+              <a:rPr lang="fr-BE" sz="2000">
                 <a:solidFill>
                   <a:srgbClr val="996633"/>
                 </a:solidFill>
@@ -18079,7 +18109,7 @@
               <a:buNone/>
             </a:pPr>
             <a:r>
-              <a:rPr lang="fr-BE" sz="1800">
+              <a:rPr lang="fr-BE" sz="2000">
                 <a:solidFill>
                   <a:srgbClr val="996633"/>
                 </a:solidFill>
@@ -18096,7 +18126,7 @@
               <a:buNone/>
             </a:pPr>
             <a:r>
-              <a:rPr lang="fr-BE" sz="1800" i="1">
+              <a:rPr lang="fr-BE" sz="2000" i="1">
                 <a:solidFill>
                   <a:srgbClr val="7F7F7F"/>
                 </a:solidFill>
@@ -18324,8 +18354,8 @@
         </p:nvSpPr>
         <p:spPr>
           <a:xfrm>
-            <a:off x="838200" y="1690689"/>
-            <a:ext cx="11353800" cy="4486276"/>
+            <a:off x="838200" y="1690688"/>
+            <a:ext cx="11353800" cy="5004025"/>
           </a:xfrm>
         </p:spPr>
         <p:txBody>
@@ -18341,13 +18371,46 @@
               <a:buNone/>
             </a:pPr>
             <a:r>
-              <a:rPr lang="fr-BE" sz="1800" i="1">
-                <a:solidFill>
-                  <a:srgbClr val="7F7F7F"/>
-                </a:solidFill>
-                <a:latin typeface="Consolas" panose="020B0609020204030204" pitchFamily="49" charset="0"/>
-              </a:rPr>
-              <a:t>./..</a:t>
+              <a:rPr lang="fr-BE" sz="2000">
+                <a:solidFill>
+                  <a:srgbClr val="996633"/>
+                </a:solidFill>
+                <a:latin typeface="Consolas" panose="020B0609020204030204" pitchFamily="49" charset="0"/>
+              </a:rPr>
+              <a:t>function </a:t>
+            </a:r>
+            <a:r>
+              <a:rPr lang="fr-BE" sz="2000">
+                <a:solidFill>
+                  <a:schemeClr val="accent2"/>
+                </a:solidFill>
+                <a:latin typeface="Consolas" panose="020B0609020204030204" pitchFamily="49" charset="0"/>
+              </a:rPr>
+              <a:t>fetchResponse</a:t>
+            </a:r>
+            <a:r>
+              <a:rPr lang="fr-BE" sz="2000">
+                <a:solidFill>
+                  <a:srgbClr val="996633"/>
+                </a:solidFill>
+                <a:latin typeface="Consolas" panose="020B0609020204030204" pitchFamily="49" charset="0"/>
+              </a:rPr>
+              <a:t>(</a:t>
+            </a:r>
+            <a:r>
+              <a:rPr lang="fr-BE" sz="2000">
+                <a:latin typeface="Consolas" panose="020B0609020204030204" pitchFamily="49" charset="0"/>
+              </a:rPr>
+              <a:t>button_id, target_id</a:t>
+            </a:r>
+            <a:r>
+              <a:rPr lang="fr-BE" sz="2000">
+                <a:solidFill>
+                  <a:srgbClr val="996633"/>
+                </a:solidFill>
+                <a:latin typeface="Consolas" panose="020B0609020204030204" pitchFamily="49" charset="0"/>
+              </a:rPr>
+              <a:t>) {</a:t>
             </a:r>
           </a:p>
           <a:p>
@@ -18358,22 +18421,13 @@
               <a:buNone/>
             </a:pPr>
             <a:r>
-              <a:rPr lang="fr-BE" sz="1800">
-                <a:solidFill>
-                  <a:srgbClr val="996633"/>
-                </a:solidFill>
-                <a:latin typeface="Consolas" panose="020B0609020204030204" pitchFamily="49" charset="0"/>
-              </a:rPr>
-              <a:t>	fetch(…)</a:t>
-            </a:r>
-            <a:r>
-              <a:rPr lang="fr-BE" sz="1800">
-                <a:solidFill>
-                  <a:schemeClr val="accent5"/>
-                </a:solidFill>
-                <a:latin typeface="Consolas" panose="020B0609020204030204" pitchFamily="49" charset="0"/>
-              </a:rPr>
-              <a:t> </a:t>
+              <a:rPr lang="fr-BE" sz="2000" i="1">
+                <a:solidFill>
+                  <a:srgbClr val="7F7F7F"/>
+                </a:solidFill>
+                <a:latin typeface="Consolas" panose="020B0609020204030204" pitchFamily="49" charset="0"/>
+              </a:rPr>
+              <a:t>./..</a:t>
             </a:r>
           </a:p>
           <a:p>
@@ -18384,49 +18438,22 @@
               <a:buNone/>
             </a:pPr>
             <a:r>
-              <a:rPr lang="fr-BE" sz="1800">
+              <a:rPr lang="fr-BE" sz="2000">
                 <a:solidFill>
                   <a:srgbClr val="996633"/>
                 </a:solidFill>
                 <a:latin typeface="Consolas" panose="020B0609020204030204" pitchFamily="49" charset="0"/>
               </a:rPr>
-              <a:t>	.</a:t>
-            </a:r>
-            <a:r>
-              <a:rPr lang="fr-BE" sz="1800">
-                <a:solidFill>
-                  <a:schemeClr val="accent1"/>
-                </a:solidFill>
-                <a:latin typeface="Consolas" panose="020B0609020204030204" pitchFamily="49" charset="0"/>
-              </a:rPr>
-              <a:t>then</a:t>
-            </a:r>
-            <a:r>
-              <a:rPr lang="fr-BE" sz="1800">
-                <a:solidFill>
-                  <a:srgbClr val="996633"/>
-                </a:solidFill>
-                <a:latin typeface="Consolas" panose="020B0609020204030204" pitchFamily="49" charset="0"/>
-              </a:rPr>
-              <a:t>(</a:t>
-            </a:r>
-            <a:r>
-              <a:rPr lang="fr-BE" sz="1800">
-                <a:solidFill>
-                  <a:srgbClr val="7030A0"/>
-                </a:solidFill>
-                <a:latin typeface="Consolas" panose="020B0609020204030204" pitchFamily="49" charset="0"/>
-              </a:rPr>
-              <a:t>response</a:t>
-            </a:r>
-            <a:r>
-              <a:rPr lang="fr-BE" sz="1800">
-                <a:solidFill>
-                  <a:srgbClr val="996633"/>
-                </a:solidFill>
-                <a:latin typeface="Consolas" panose="020B0609020204030204" pitchFamily="49" charset="0"/>
-              </a:rPr>
-              <a:t> =&gt; {</a:t>
+              <a:t>	fetch(…)</a:t>
+            </a:r>
+            <a:r>
+              <a:rPr lang="fr-BE" sz="2000">
+                <a:solidFill>
+                  <a:schemeClr val="accent5"/>
+                </a:solidFill>
+                <a:latin typeface="Consolas" panose="020B0609020204030204" pitchFamily="49" charset="0"/>
+              </a:rPr>
+              <a:t> </a:t>
             </a:r>
           </a:p>
           <a:p>
@@ -18437,22 +18464,49 @@
               <a:buNone/>
             </a:pPr>
             <a:r>
-              <a:rPr lang="fr-BE" sz="1800">
+              <a:rPr lang="fr-BE" sz="2000">
                 <a:solidFill>
                   <a:srgbClr val="996633"/>
                 </a:solidFill>
                 <a:latin typeface="Consolas" panose="020B0609020204030204" pitchFamily="49" charset="0"/>
               </a:rPr>
-              <a:t>		</a:t>
-            </a:r>
-            <a:r>
-              <a:rPr lang="fr-BE" sz="1800" i="1">
-                <a:solidFill>
-                  <a:srgbClr val="7F7F7F"/>
-                </a:solidFill>
-                <a:latin typeface="Consolas" panose="020B0609020204030204" pitchFamily="49" charset="0"/>
-              </a:rPr>
-              <a:t>// 3. get response</a:t>
+              <a:t>	.</a:t>
+            </a:r>
+            <a:r>
+              <a:rPr lang="fr-BE" sz="2000">
+                <a:solidFill>
+                  <a:schemeClr val="accent1"/>
+                </a:solidFill>
+                <a:latin typeface="Consolas" panose="020B0609020204030204" pitchFamily="49" charset="0"/>
+              </a:rPr>
+              <a:t>then</a:t>
+            </a:r>
+            <a:r>
+              <a:rPr lang="fr-BE" sz="2000">
+                <a:solidFill>
+                  <a:srgbClr val="996633"/>
+                </a:solidFill>
+                <a:latin typeface="Consolas" panose="020B0609020204030204" pitchFamily="49" charset="0"/>
+              </a:rPr>
+              <a:t>(</a:t>
+            </a:r>
+            <a:r>
+              <a:rPr lang="fr-BE" sz="2000">
+                <a:solidFill>
+                  <a:srgbClr val="7030A0"/>
+                </a:solidFill>
+                <a:latin typeface="Consolas" panose="020B0609020204030204" pitchFamily="49" charset="0"/>
+              </a:rPr>
+              <a:t>response</a:t>
+            </a:r>
+            <a:r>
+              <a:rPr lang="fr-BE" sz="2000">
+                <a:solidFill>
+                  <a:srgbClr val="996633"/>
+                </a:solidFill>
+                <a:latin typeface="Consolas" panose="020B0609020204030204" pitchFamily="49" charset="0"/>
+              </a:rPr>
+              <a:t> =&gt; {</a:t>
             </a:r>
           </a:p>
           <a:p>
@@ -18463,7 +18517,7 @@
               <a:buNone/>
             </a:pPr>
             <a:r>
-              <a:rPr lang="fr-BE" sz="1800">
+              <a:rPr lang="fr-BE" sz="2000">
                 <a:solidFill>
                   <a:srgbClr val="996633"/>
                 </a:solidFill>
@@ -18472,49 +18526,13 @@
               <a:t>		</a:t>
             </a:r>
             <a:r>
-              <a:rPr lang="fr-BE" sz="1800">
-                <a:solidFill>
-                  <a:schemeClr val="accent1"/>
-                </a:solidFill>
-                <a:latin typeface="Consolas" panose="020B0609020204030204" pitchFamily="49" charset="0"/>
-              </a:rPr>
-              <a:t>if (!</a:t>
-            </a:r>
-            <a:r>
-              <a:rPr lang="fr-BE" sz="1800">
-                <a:solidFill>
-                  <a:srgbClr val="7030A0"/>
-                </a:solidFill>
-                <a:latin typeface="Consolas" panose="020B0609020204030204" pitchFamily="49" charset="0"/>
-              </a:rPr>
-              <a:t>response</a:t>
-            </a:r>
-            <a:r>
-              <a:rPr lang="fr-BE" sz="1800">
-                <a:solidFill>
-                  <a:schemeClr val="accent1"/>
-                </a:solidFill>
-                <a:latin typeface="Consolas" panose="020B0609020204030204" pitchFamily="49" charset="0"/>
-              </a:rPr>
-              <a:t>.ok) throw new Error(`Erreur HTTP : ${</a:t>
-            </a:r>
-            <a:r>
-              <a:rPr lang="fr-BE" sz="1800">
-                <a:solidFill>
-                  <a:srgbClr val="7030A0"/>
-                </a:solidFill>
-                <a:latin typeface="Consolas" panose="020B0609020204030204" pitchFamily="49" charset="0"/>
-              </a:rPr>
-              <a:t>response</a:t>
-            </a:r>
-            <a:r>
-              <a:rPr lang="fr-BE" sz="1800">
-                <a:solidFill>
-                  <a:schemeClr val="accent1"/>
-                </a:solidFill>
-                <a:latin typeface="Consolas" panose="020B0609020204030204" pitchFamily="49" charset="0"/>
-              </a:rPr>
-              <a:t>.status}`);</a:t>
+              <a:rPr lang="fr-BE" sz="2000" i="1">
+                <a:solidFill>
+                  <a:srgbClr val="7F7F7F"/>
+                </a:solidFill>
+                <a:latin typeface="Consolas" panose="020B0609020204030204" pitchFamily="49" charset="0"/>
+              </a:rPr>
+              <a:t>// 3. get response</a:t>
             </a:r>
           </a:p>
           <a:p>
@@ -18525,49 +18543,58 @@
               <a:buNone/>
             </a:pPr>
             <a:r>
-              <a:rPr lang="fr-BE" sz="1800">
+              <a:rPr lang="fr-BE" sz="2000">
+                <a:solidFill>
+                  <a:srgbClr val="996633"/>
+                </a:solidFill>
+                <a:latin typeface="Consolas" panose="020B0609020204030204" pitchFamily="49" charset="0"/>
+              </a:rPr>
+              <a:t>		</a:t>
+            </a:r>
+            <a:r>
+              <a:rPr lang="fr-BE" sz="2000">
                 <a:solidFill>
                   <a:schemeClr val="accent1"/>
                 </a:solidFill>
                 <a:latin typeface="Consolas" panose="020B0609020204030204" pitchFamily="49" charset="0"/>
               </a:rPr>
-              <a:t>		return </a:t>
-            </a:r>
-            <a:r>
-              <a:rPr lang="fr-BE" sz="1800">
+              <a:t>if (!</a:t>
+            </a:r>
+            <a:r>
+              <a:rPr lang="fr-BE" sz="2000">
                 <a:solidFill>
                   <a:srgbClr val="7030A0"/>
                 </a:solidFill>
                 <a:latin typeface="Consolas" panose="020B0609020204030204" pitchFamily="49" charset="0"/>
               </a:rPr>
-              <a:t>response.text()</a:t>
-            </a:r>
-            <a:r>
-              <a:rPr lang="fr-BE" sz="1800">
+              <a:t>response</a:t>
+            </a:r>
+            <a:r>
+              <a:rPr lang="fr-BE" sz="2000">
                 <a:solidFill>
                   <a:schemeClr val="accent1"/>
                 </a:solidFill>
                 <a:latin typeface="Consolas" panose="020B0609020204030204" pitchFamily="49" charset="0"/>
               </a:rPr>
-              <a:t>;</a:t>
-            </a:r>
-            <a:r>
-              <a:rPr lang="fr-BE" sz="1800">
-                <a:solidFill>
-                  <a:srgbClr val="996633"/>
-                </a:solidFill>
-                <a:latin typeface="Consolas" panose="020B0609020204030204" pitchFamily="49" charset="0"/>
-              </a:rPr>
-              <a:t> </a:t>
-            </a:r>
-            <a:r>
-              <a:rPr lang="fr-BE" sz="1800" i="1">
-                <a:solidFill>
-                  <a:srgbClr val="7F7F7F"/>
-                </a:solidFill>
-                <a:latin typeface="Consolas" panose="020B0609020204030204" pitchFamily="49" charset="0"/>
-              </a:rPr>
-              <a:t>// Récupère le contenu HTML</a:t>
+              <a:t>.ok) throw new Error(`Erreur HTTP : ${</a:t>
+            </a:r>
+            <a:r>
+              <a:rPr lang="fr-BE" sz="2000">
+                <a:solidFill>
+                  <a:srgbClr val="7030A0"/>
+                </a:solidFill>
+                <a:latin typeface="Consolas" panose="020B0609020204030204" pitchFamily="49" charset="0"/>
+              </a:rPr>
+              <a:t>response</a:t>
+            </a:r>
+            <a:r>
+              <a:rPr lang="fr-BE" sz="2000">
+                <a:solidFill>
+                  <a:schemeClr val="accent1"/>
+                </a:solidFill>
+                <a:latin typeface="Consolas" panose="020B0609020204030204" pitchFamily="49" charset="0"/>
+              </a:rPr>
+              <a:t>.status}`);</a:t>
             </a:r>
           </a:p>
           <a:p>
@@ -18578,13 +18605,49 @@
               <a:buNone/>
             </a:pPr>
             <a:r>
-              <a:rPr lang="fr-BE" sz="1800">
+              <a:rPr lang="fr-BE" sz="2000">
+                <a:solidFill>
+                  <a:schemeClr val="accent1"/>
+                </a:solidFill>
+                <a:latin typeface="Consolas" panose="020B0609020204030204" pitchFamily="49" charset="0"/>
+              </a:rPr>
+              <a:t>		return </a:t>
+            </a:r>
+            <a:r>
+              <a:rPr lang="fr-BE" sz="2000">
+                <a:solidFill>
+                  <a:srgbClr val="7030A0"/>
+                </a:solidFill>
+                <a:latin typeface="Consolas" panose="020B0609020204030204" pitchFamily="49" charset="0"/>
+              </a:rPr>
+              <a:t>response.text()</a:t>
+            </a:r>
+            <a:r>
+              <a:rPr lang="fr-BE" sz="2000">
+                <a:solidFill>
+                  <a:schemeClr val="accent1"/>
+                </a:solidFill>
+                <a:latin typeface="Consolas" panose="020B0609020204030204" pitchFamily="49" charset="0"/>
+              </a:rPr>
+              <a:t>;</a:t>
+            </a:r>
+            <a:r>
+              <a:rPr lang="fr-BE" sz="2000">
                 <a:solidFill>
                   <a:srgbClr val="996633"/>
                 </a:solidFill>
                 <a:latin typeface="Consolas" panose="020B0609020204030204" pitchFamily="49" charset="0"/>
               </a:rPr>
-              <a:t>	})</a:t>
+              <a:t> </a:t>
+            </a:r>
+            <a:r>
+              <a:rPr lang="fr-BE" sz="2000" i="1">
+                <a:solidFill>
+                  <a:srgbClr val="7F7F7F"/>
+                </a:solidFill>
+                <a:latin typeface="Consolas" panose="020B0609020204030204" pitchFamily="49" charset="0"/>
+              </a:rPr>
+              <a:t>// Récupère le contenu HTML</a:t>
             </a:r>
           </a:p>
           <a:p>
@@ -18595,49 +18658,13 @@
               <a:buNone/>
             </a:pPr>
             <a:r>
-              <a:rPr lang="fr-BE" sz="1800">
+              <a:rPr lang="fr-BE" sz="2000">
                 <a:solidFill>
                   <a:srgbClr val="996633"/>
                 </a:solidFill>
                 <a:latin typeface="Consolas" panose="020B0609020204030204" pitchFamily="49" charset="0"/>
               </a:rPr>
-              <a:t>	.</a:t>
-            </a:r>
-            <a:r>
-              <a:rPr lang="fr-BE" sz="1800">
-                <a:solidFill>
-                  <a:schemeClr val="accent1"/>
-                </a:solidFill>
-                <a:latin typeface="Consolas" panose="020B0609020204030204" pitchFamily="49" charset="0"/>
-              </a:rPr>
-              <a:t>then</a:t>
-            </a:r>
-            <a:r>
-              <a:rPr lang="fr-BE" sz="1800">
-                <a:solidFill>
-                  <a:srgbClr val="996633"/>
-                </a:solidFill>
-                <a:latin typeface="Consolas" panose="020B0609020204030204" pitchFamily="49" charset="0"/>
-              </a:rPr>
-              <a:t>(</a:t>
-            </a:r>
-            <a:r>
-              <a:rPr lang="fr-BE" sz="1800">
-                <a:solidFill>
-                  <a:srgbClr val="7030A0"/>
-                </a:solidFill>
-                <a:latin typeface="Consolas" panose="020B0609020204030204" pitchFamily="49" charset="0"/>
-              </a:rPr>
-              <a:t>html</a:t>
-            </a:r>
-            <a:r>
-              <a:rPr lang="fr-BE" sz="1800">
-                <a:solidFill>
-                  <a:srgbClr val="996633"/>
-                </a:solidFill>
-                <a:latin typeface="Consolas" panose="020B0609020204030204" pitchFamily="49" charset="0"/>
-              </a:rPr>
-              <a:t> =&gt; {</a:t>
+              <a:t>	})</a:t>
             </a:r>
           </a:p>
           <a:p>
@@ -18648,22 +18675,49 @@
               <a:buNone/>
             </a:pPr>
             <a:r>
-              <a:rPr lang="fr-BE" sz="1800">
+              <a:rPr lang="fr-BE" sz="2000">
                 <a:solidFill>
                   <a:srgbClr val="996633"/>
                 </a:solidFill>
                 <a:latin typeface="Consolas" panose="020B0609020204030204" pitchFamily="49" charset="0"/>
               </a:rPr>
-              <a:t>		</a:t>
-            </a:r>
-            <a:r>
-              <a:rPr lang="fr-BE" sz="1800" i="1">
-                <a:solidFill>
-                  <a:srgbClr val="7F7F7F"/>
-                </a:solidFill>
-                <a:latin typeface="Consolas" panose="020B0609020204030204" pitchFamily="49" charset="0"/>
-              </a:rPr>
-              <a:t>// 4. Insérer la réponse dans l'élément button_id</a:t>
+              <a:t>	.</a:t>
+            </a:r>
+            <a:r>
+              <a:rPr lang="fr-BE" sz="2000">
+                <a:solidFill>
+                  <a:schemeClr val="accent1"/>
+                </a:solidFill>
+                <a:latin typeface="Consolas" panose="020B0609020204030204" pitchFamily="49" charset="0"/>
+              </a:rPr>
+              <a:t>then</a:t>
+            </a:r>
+            <a:r>
+              <a:rPr lang="fr-BE" sz="2000">
+                <a:solidFill>
+                  <a:srgbClr val="996633"/>
+                </a:solidFill>
+                <a:latin typeface="Consolas" panose="020B0609020204030204" pitchFamily="49" charset="0"/>
+              </a:rPr>
+              <a:t>(</a:t>
+            </a:r>
+            <a:r>
+              <a:rPr lang="fr-BE" sz="2000">
+                <a:solidFill>
+                  <a:srgbClr val="7030A0"/>
+                </a:solidFill>
+                <a:latin typeface="Consolas" panose="020B0609020204030204" pitchFamily="49" charset="0"/>
+              </a:rPr>
+              <a:t>html</a:t>
+            </a:r>
+            <a:r>
+              <a:rPr lang="fr-BE" sz="2000">
+                <a:solidFill>
+                  <a:srgbClr val="996633"/>
+                </a:solidFill>
+                <a:latin typeface="Consolas" panose="020B0609020204030204" pitchFamily="49" charset="0"/>
+              </a:rPr>
+              <a:t> =&gt; {</a:t>
             </a:r>
           </a:p>
           <a:p>
@@ -18674,7 +18728,7 @@
               <a:buNone/>
             </a:pPr>
             <a:r>
-              <a:rPr lang="fr-BE" sz="1800">
+              <a:rPr lang="fr-BE" sz="2000">
                 <a:solidFill>
                   <a:srgbClr val="996633"/>
                 </a:solidFill>
@@ -18683,37 +18737,13 @@
               <a:t>		</a:t>
             </a:r>
             <a:r>
-              <a:rPr lang="fr-BE" sz="1800">
-                <a:solidFill>
-                  <a:schemeClr val="accent1"/>
-                </a:solidFill>
-                <a:latin typeface="Consolas" panose="020B0609020204030204" pitchFamily="49" charset="0"/>
-              </a:rPr>
-              <a:t>document.getElementById(</a:t>
-            </a:r>
-            <a:r>
-              <a:rPr lang="fr-BE" sz="1800">
-                <a:latin typeface="Consolas" panose="020B0609020204030204" pitchFamily="49" charset="0"/>
-              </a:rPr>
-              <a:t>button_id</a:t>
-            </a:r>
-            <a:r>
-              <a:rPr lang="fr-BE" sz="1800">
-                <a:solidFill>
-                  <a:schemeClr val="accent1"/>
-                </a:solidFill>
-                <a:latin typeface="Consolas" panose="020B0609020204030204" pitchFamily="49" charset="0"/>
-              </a:rPr>
-              <a:t>).innerHTML = html; </a:t>
-            </a:r>
-            <a:r>
-              <a:rPr lang="fr-BE" sz="1800" i="1">
+              <a:rPr lang="fr-BE" sz="2000" i="1">
                 <a:solidFill>
                   <a:srgbClr val="7F7F7F"/>
                 </a:solidFill>
                 <a:latin typeface="Consolas" panose="020B0609020204030204" pitchFamily="49" charset="0"/>
               </a:rPr>
-              <a:t>// Insère le HTML</a:t>
+              <a:t>// 4. Insérer la réponse dans l'élément button_id</a:t>
             </a:r>
           </a:p>
           <a:p>
@@ -18724,7 +18754,7 @@
               <a:buNone/>
             </a:pPr>
             <a:r>
-              <a:rPr lang="fr-BE" sz="1800">
+              <a:rPr lang="fr-BE" sz="2000">
                 <a:solidFill>
                   <a:srgbClr val="996633"/>
                 </a:solidFill>
@@ -18733,13 +18763,37 @@
               <a:t>		</a:t>
             </a:r>
             <a:r>
-              <a:rPr lang="fr-BE" sz="1800">
+              <a:rPr lang="fr-BE" sz="2000">
                 <a:solidFill>
                   <a:schemeClr val="accent1"/>
                 </a:solidFill>
                 <a:latin typeface="Consolas" panose="020B0609020204030204" pitchFamily="49" charset="0"/>
               </a:rPr>
-              <a:t>alert('La première zone a été mise à jour');</a:t>
+              <a:t>document.getElementById(</a:t>
+            </a:r>
+            <a:r>
+              <a:rPr lang="fr-BE" sz="2000">
+                <a:latin typeface="Consolas" panose="020B0609020204030204" pitchFamily="49" charset="0"/>
+              </a:rPr>
+              <a:t>target_id</a:t>
+            </a:r>
+            <a:r>
+              <a:rPr lang="fr-BE" sz="2000">
+                <a:solidFill>
+                  <a:schemeClr val="accent1"/>
+                </a:solidFill>
+                <a:latin typeface="Consolas" panose="020B0609020204030204" pitchFamily="49" charset="0"/>
+              </a:rPr>
+              <a:t>).innerHTML = html; </a:t>
+            </a:r>
+            <a:r>
+              <a:rPr lang="fr-BE" sz="2000" i="1">
+                <a:solidFill>
+                  <a:srgbClr val="7F7F7F"/>
+                </a:solidFill>
+                <a:latin typeface="Consolas" panose="020B0609020204030204" pitchFamily="49" charset="0"/>
+              </a:rPr>
+              <a:t>// Insère le HTML</a:t>
             </a:r>
           </a:p>
           <a:p>
@@ -18750,13 +18804,22 @@
               <a:buNone/>
             </a:pPr>
             <a:r>
-              <a:rPr lang="fr-BE" sz="1800">
+              <a:rPr lang="fr-BE" sz="2000">
                 <a:solidFill>
                   <a:srgbClr val="996633"/>
                 </a:solidFill>
                 <a:latin typeface="Consolas" panose="020B0609020204030204" pitchFamily="49" charset="0"/>
               </a:rPr>
-              <a:t>	})</a:t>
+              <a:t>		</a:t>
+            </a:r>
+            <a:r>
+              <a:rPr lang="fr-BE" sz="2000">
+                <a:solidFill>
+                  <a:schemeClr val="accent1"/>
+                </a:solidFill>
+                <a:latin typeface="Consolas" panose="020B0609020204030204" pitchFamily="49" charset="0"/>
+              </a:rPr>
+              <a:t>alert('La deuxième zone a été mise à jour');</a:t>
             </a:r>
           </a:p>
           <a:p>
@@ -18767,15 +18830,13 @@
               <a:buNone/>
             </a:pPr>
             <a:r>
-              <a:rPr lang="fr-BE" sz="1800">
-                <a:solidFill>
-                  <a:schemeClr val="accent6">
-                    <a:lumMod val="25000"/>
-                  </a:schemeClr>
-                </a:solidFill>
-                <a:latin typeface="Consolas" panose="020B0609020204030204" pitchFamily="49" charset="0"/>
-              </a:rPr>
-              <a:t>	.catch(erreur =&gt; {</a:t>
+              <a:rPr lang="fr-BE" sz="2000">
+                <a:solidFill>
+                  <a:srgbClr val="996633"/>
+                </a:solidFill>
+                <a:latin typeface="Consolas" panose="020B0609020204030204" pitchFamily="49" charset="0"/>
+              </a:rPr>
+              <a:t>	})</a:t>
             </a:r>
           </a:p>
           <a:p>
@@ -18786,7 +18847,7 @@
               <a:buNone/>
             </a:pPr>
             <a:r>
-              <a:rPr lang="fr-BE" sz="1800">
+              <a:rPr lang="fr-BE" sz="2000">
                 <a:solidFill>
                   <a:schemeClr val="accent6">
                     <a:lumMod val="25000"/>
@@ -18794,7 +18855,7 @@
                 </a:solidFill>
                 <a:latin typeface="Consolas" panose="020B0609020204030204" pitchFamily="49" charset="0"/>
               </a:rPr>
-              <a:t>		alert('Erreur :', erreur);</a:t>
+              <a:t>	.catch(erreur =&gt; {</a:t>
             </a:r>
           </a:p>
           <a:p>
@@ -18805,7 +18866,7 @@
               <a:buNone/>
             </a:pPr>
             <a:r>
-              <a:rPr lang="fr-BE" sz="1800">
+              <a:rPr lang="fr-BE" sz="2000">
                 <a:solidFill>
                   <a:schemeClr val="accent6">
                     <a:lumMod val="25000"/>
@@ -18813,10 +18874,29 @@
                 </a:solidFill>
                 <a:latin typeface="Consolas" panose="020B0609020204030204" pitchFamily="49" charset="0"/>
               </a:rPr>
+              <a:t>		alert('Erreur :', erreur);</a:t>
+            </a:r>
+          </a:p>
+          <a:p>
+            <a:pPr marL="0" indent="0" defTabSz="361950">
+              <a:spcBef>
+                <a:spcPts val="0"/>
+              </a:spcBef>
+              <a:buNone/>
+            </a:pPr>
+            <a:r>
+              <a:rPr lang="fr-BE" sz="2000">
+                <a:solidFill>
+                  <a:schemeClr val="accent6">
+                    <a:lumMod val="25000"/>
+                  </a:schemeClr>
+                </a:solidFill>
+                <a:latin typeface="Consolas" panose="020B0609020204030204" pitchFamily="49" charset="0"/>
+              </a:rPr>
               <a:t>	});</a:t>
             </a:r>
             <a:br>
-              <a:rPr lang="fr-BE" sz="1800">
+              <a:rPr lang="fr-BE" sz="2000">
                 <a:solidFill>
                   <a:srgbClr val="996633"/>
                 </a:solidFill>
@@ -18824,7 +18904,7 @@
               </a:rPr>
             </a:br>
             <a:r>
-              <a:rPr lang="fr-BE" sz="1800">
+              <a:rPr lang="fr-BE" sz="2000">
                 <a:solidFill>
                   <a:srgbClr val="996633"/>
                 </a:solidFill>
@@ -18837,7 +18917,7 @@
             <a:pPr marL="0" indent="0" defTabSz="361950">
               <a:buNone/>
             </a:pPr>
-            <a:endParaRPr lang="fr-BE" sz="1800" dirty="0"/>
+            <a:endParaRPr lang="fr-BE" sz="2000" dirty="0"/>
           </a:p>
         </p:txBody>
       </p:sp>
@@ -18993,130 +19073,441 @@
       </p:grpSpPr>
       <p:sp>
         <p:nvSpPr>
-          <p:cNvPr id="2" name="Title 1"/>
-          <p:cNvSpPr>
-            <a:spLocks noGrp="1"/>
-          </p:cNvSpPr>
-          <p:nvPr>
-            <p:ph type="ctrTitle"/>
-          </p:nvPr>
-        </p:nvSpPr>
-        <p:spPr>
-          <a:xfrm>
-            <a:off x="2567354" y="1122363"/>
-            <a:ext cx="8100646" cy="2387600"/>
-          </a:xfrm>
-        </p:spPr>
+          <p:cNvPr id="2" name="Titre 1">
+            <a:extLst>
+              <a:ext uri="{FF2B5EF4-FFF2-40B4-BE49-F238E27FC236}">
+                <a16:creationId xmlns:a16="http://schemas.microsoft.com/office/drawing/2014/main" id="{B78E30EF-D140-62A9-CCBE-1489C33F3223}"/>
+              </a:ext>
+            </a:extLst>
+          </p:cNvPr>
+          <p:cNvSpPr>
+            <a:spLocks noGrp="1"/>
+          </p:cNvSpPr>
+          <p:nvPr>
+            <p:ph type="title"/>
+          </p:nvPr>
+        </p:nvSpPr>
+        <p:spPr/>
+        <p:txBody>
+          <a:bodyPr/>
+          <a:lstStyle/>
+          <a:p>
+            <a:r>
+              <a:rPr lang="fr-BE"/>
+              <a:t>Remarque sur </a:t>
+            </a:r>
+            <a:r>
+              <a:rPr lang="fr-BE" b="0">
+                <a:solidFill>
+                  <a:srgbClr val="996633"/>
+                </a:solidFill>
+                <a:latin typeface="Consolas" panose="020B0609020204030204" pitchFamily="49" charset="0"/>
+              </a:rPr>
+              <a:t>header</a:t>
+            </a:r>
+            <a:r>
+              <a:rPr lang="fr-BE"/>
+              <a:t> et </a:t>
+            </a:r>
+            <a:r>
+              <a:rPr lang="fr-BE" b="0">
+                <a:solidFill>
+                  <a:srgbClr val="996633"/>
+                </a:solidFill>
+                <a:latin typeface="Consolas" panose="020B0609020204030204" pitchFamily="49" charset="0"/>
+              </a:rPr>
+              <a:t>body</a:t>
+            </a:r>
+          </a:p>
+        </p:txBody>
+      </p:sp>
+      <p:sp>
+        <p:nvSpPr>
+          <p:cNvPr id="3" name="Espace réservé du contenu 2">
+            <a:extLst>
+              <a:ext uri="{FF2B5EF4-FFF2-40B4-BE49-F238E27FC236}">
+                <a16:creationId xmlns:a16="http://schemas.microsoft.com/office/drawing/2014/main" id="{7032FD49-F1D6-7214-5915-AD1DB42E7D8D}"/>
+              </a:ext>
+            </a:extLst>
+          </p:cNvPr>
+          <p:cNvSpPr>
+            <a:spLocks noGrp="1"/>
+          </p:cNvSpPr>
+          <p:nvPr>
+            <p:ph idx="1"/>
+          </p:nvPr>
+        </p:nvSpPr>
+        <p:spPr/>
         <p:txBody>
           <a:bodyPr>
-            <a:normAutofit fontScale="90000"/>
+            <a:normAutofit fontScale="92500" lnSpcReduction="10000"/>
           </a:bodyPr>
           <a:lstStyle/>
           <a:p>
             <a:r>
-              <a:rPr lang="fr-BE" dirty="0"/>
-              <a:t>Bachelier en Informatique de Gestion</a:t>
+              <a:rPr lang="fr-BE"/>
+              <a:t>Deux méthodes pour envoyer les params au serveur </a:t>
+            </a:r>
+          </a:p>
+          <a:p>
+            <a:r>
+              <a:rPr lang="fr-BE"/>
+              <a:t>chaîne de requête URL-encodée</a:t>
+            </a:r>
+          </a:p>
+          <a:p>
+            <a:pPr lvl="1"/>
+            <a:r>
+              <a:rPr lang="fr-BE"/>
+              <a:t>méthode traditionnelle : </a:t>
+            </a:r>
+            <a:r>
+              <a:rPr lang="fr-BE">
+                <a:solidFill>
+                  <a:srgbClr val="996633"/>
+                </a:solidFill>
+                <a:latin typeface="Consolas" panose="020B0609020204030204" pitchFamily="49" charset="0"/>
+              </a:rPr>
+              <a:t>clé1=valeur1&amp;clé2=valeur2</a:t>
+            </a:r>
+          </a:p>
+          <a:p>
+            <a:pPr lvl="1" defTabSz="361950">
+              <a:spcBef>
+                <a:spcPts val="0"/>
+              </a:spcBef>
+            </a:pPr>
+            <a:r>
+              <a:rPr lang="fr-BE" sz="2400">
+                <a:solidFill>
+                  <a:srgbClr val="996633"/>
+                </a:solidFill>
+                <a:latin typeface="Consolas" panose="020B0609020204030204" pitchFamily="49" charset="0"/>
+              </a:rPr>
+              <a:t>headers : {</a:t>
             </a:r>
             <a:br>
-              <a:rPr lang="fr-BE" dirty="0"/>
+              <a:rPr lang="fr-BE" sz="2400">
+                <a:solidFill>
+                  <a:srgbClr val="996633"/>
+                </a:solidFill>
+                <a:latin typeface="Consolas" panose="020B0609020204030204" pitchFamily="49" charset="0"/>
+              </a:rPr>
             </a:br>
+            <a:r>
+              <a:rPr lang="fr-BE" sz="2400">
+                <a:solidFill>
+                  <a:srgbClr val="996633"/>
+                </a:solidFill>
+                <a:latin typeface="Consolas" panose="020B0609020204030204" pitchFamily="49" charset="0"/>
+              </a:rPr>
+              <a:t>		'Content-Type': 'application/</a:t>
+            </a:r>
+            <a:r>
+              <a:rPr lang="fr-BE" sz="2400">
+                <a:solidFill>
+                  <a:schemeClr val="accent2"/>
+                </a:solidFill>
+                <a:latin typeface="Consolas" panose="020B0609020204030204" pitchFamily="49" charset="0"/>
+              </a:rPr>
+              <a:t>x-www-form-urlencoded</a:t>
+            </a:r>
+            <a:r>
+              <a:rPr lang="fr-BE" sz="2400">
+                <a:solidFill>
+                  <a:srgbClr val="996633"/>
+                </a:solidFill>
+                <a:latin typeface="Consolas" panose="020B0609020204030204" pitchFamily="49" charset="0"/>
+              </a:rPr>
+              <a:t>',</a:t>
+            </a:r>
             <a:br>
-              <a:rPr lang="fr-BE" dirty="0"/>
+              <a:rPr lang="fr-BE" sz="2400">
+                <a:solidFill>
+                  <a:srgbClr val="996633"/>
+                </a:solidFill>
+                <a:latin typeface="Consolas" panose="020B0609020204030204" pitchFamily="49" charset="0"/>
+              </a:rPr>
             </a:br>
             <a:r>
-              <a:rPr lang="fr-BE" dirty="0"/>
-              <a:t>Projet de Développement Web</a:t>
-            </a:r>
-            <a:endParaRPr lang="fr-BE" noProof="0" dirty="0"/>
-          </a:p>
-        </p:txBody>
-      </p:sp>
-      <p:sp>
-        <p:nvSpPr>
-          <p:cNvPr id="5" name="Subtitle 4"/>
-          <p:cNvSpPr>
-            <a:spLocks noGrp="1"/>
-          </p:cNvSpPr>
-          <p:nvPr>
-            <p:ph type="subTitle" idx="1"/>
-          </p:nvPr>
-        </p:nvSpPr>
-        <p:spPr/>
-        <p:txBody>
-          <a:bodyPr>
-            <a:noAutofit/>
-          </a:bodyPr>
-          <a:lstStyle/>
-          <a:p>
-            <a:pPr algn="ctr"/>
-            <a:r>
-              <a:rPr lang="fr-FR" sz="11500" b="1" dirty="0">
-                <a:ln w="12700">
-                  <a:solidFill>
-                    <a:schemeClr val="tx2">
-                      <a:lumMod val="75000"/>
-                    </a:schemeClr>
-                  </a:solidFill>
-                  <a:prstDash val="solid"/>
-                </a:ln>
-                <a:pattFill prst="dkUpDiag">
-                  <a:fgClr>
-                    <a:schemeClr val="tx2"/>
-                  </a:fgClr>
-                  <a:bgClr>
-                    <a:schemeClr val="tx2">
-                      <a:lumMod val="20000"/>
-                      <a:lumOff val="80000"/>
-                    </a:schemeClr>
-                  </a:bgClr>
-                </a:pattFill>
-                <a:effectLst>
-                  <a:outerShdw dist="38100" dir="2640000" algn="bl" rotWithShape="0">
-                    <a:schemeClr val="tx2">
-                      <a:lumMod val="75000"/>
-                    </a:schemeClr>
-                  </a:outerShdw>
-                </a:effectLst>
-              </a:rPr>
-              <a:t>FIN</a:t>
-            </a:r>
-          </a:p>
-        </p:txBody>
-      </p:sp>
-      <p:pic>
-        <p:nvPicPr>
-          <p:cNvPr id="17" name="Picture 16"/>
-          <p:cNvPicPr>
-            <a:picLocks/>
-          </p:cNvPicPr>
-          <p:nvPr/>
-        </p:nvPicPr>
-        <p:blipFill>
-          <a:blip r:embed="rId3">
+              <a:rPr lang="fr-BE" sz="2400">
+                <a:solidFill>
+                  <a:srgbClr val="996633"/>
+                </a:solidFill>
+                <a:latin typeface="Consolas" panose="020B0609020204030204" pitchFamily="49" charset="0"/>
+              </a:rPr>
+              <a:t>},</a:t>
+            </a:r>
+            <a:br>
+              <a:rPr lang="fr-BE" sz="2400">
+                <a:solidFill>
+                  <a:srgbClr val="996633"/>
+                </a:solidFill>
+                <a:latin typeface="Consolas" panose="020B0609020204030204" pitchFamily="49" charset="0"/>
+              </a:rPr>
+            </a:br>
+            <a:r>
+              <a:rPr lang="en-US" sz="2400">
+                <a:solidFill>
+                  <a:srgbClr val="996633"/>
+                </a:solidFill>
+                <a:latin typeface="Consolas" panose="020B0609020204030204" pitchFamily="49" charset="0"/>
+              </a:rPr>
+              <a:t>body: </a:t>
+            </a:r>
+            <a:r>
+              <a:rPr lang="en-US" sz="2400">
+                <a:solidFill>
+                  <a:schemeClr val="accent5"/>
+                </a:solidFill>
+                <a:latin typeface="Consolas" panose="020B0609020204030204" pitchFamily="49" charset="0"/>
+              </a:rPr>
+              <a:t>new URLSearchParams(param).toString()</a:t>
+            </a:r>
+            <a:r>
+              <a:rPr lang="en-US" sz="2400">
+                <a:solidFill>
+                  <a:srgbClr val="996633"/>
+                </a:solidFill>
+                <a:latin typeface="Consolas" panose="020B0609020204030204" pitchFamily="49" charset="0"/>
+              </a:rPr>
+              <a:t>,</a:t>
+            </a:r>
+            <a:endParaRPr lang="fr-BE" sz="2400">
+              <a:solidFill>
+                <a:srgbClr val="996633"/>
+              </a:solidFill>
+              <a:latin typeface="Consolas" panose="020B0609020204030204" pitchFamily="49" charset="0"/>
+            </a:endParaRPr>
+          </a:p>
+          <a:p>
+            <a:pPr defTabSz="361950">
+              <a:spcBef>
+                <a:spcPts val="0"/>
+              </a:spcBef>
+            </a:pPr>
+            <a:r>
+              <a:rPr lang="fr-BE"/>
+              <a:t>JSON</a:t>
+            </a:r>
+          </a:p>
+          <a:p>
+            <a:pPr lvl="1" defTabSz="361950">
+              <a:spcBef>
+                <a:spcPts val="0"/>
+              </a:spcBef>
+            </a:pPr>
+            <a:r>
+              <a:rPr lang="fr-BE"/>
+              <a:t>API REST modernes</a:t>
+            </a:r>
+          </a:p>
+          <a:p>
+            <a:pPr lvl="1" defTabSz="361950">
+              <a:spcBef>
+                <a:spcPts val="0"/>
+              </a:spcBef>
+            </a:pPr>
+            <a:r>
+              <a:rPr lang="fr-BE" sz="2400">
+                <a:solidFill>
+                  <a:srgbClr val="996633"/>
+                </a:solidFill>
+                <a:latin typeface="Consolas" panose="020B0609020204030204" pitchFamily="49" charset="0"/>
+              </a:rPr>
+              <a:t>headers : {</a:t>
+            </a:r>
+            <a:br>
+              <a:rPr lang="fr-BE" sz="2400">
+                <a:solidFill>
+                  <a:srgbClr val="996633"/>
+                </a:solidFill>
+                <a:latin typeface="Consolas" panose="020B0609020204030204" pitchFamily="49" charset="0"/>
+              </a:rPr>
+            </a:br>
+            <a:r>
+              <a:rPr lang="fr-BE" sz="2400">
+                <a:solidFill>
+                  <a:srgbClr val="996633"/>
+                </a:solidFill>
+                <a:latin typeface="Consolas" panose="020B0609020204030204" pitchFamily="49" charset="0"/>
+              </a:rPr>
+              <a:t>		'Content-Type': 'application/</a:t>
+            </a:r>
+            <a:r>
+              <a:rPr lang="fr-BE" sz="2400">
+                <a:solidFill>
+                  <a:schemeClr val="accent2"/>
+                </a:solidFill>
+                <a:latin typeface="Consolas" panose="020B0609020204030204" pitchFamily="49" charset="0"/>
+              </a:rPr>
+              <a:t>json</a:t>
+            </a:r>
+            <a:r>
+              <a:rPr lang="fr-BE" sz="2400">
+                <a:solidFill>
+                  <a:srgbClr val="996633"/>
+                </a:solidFill>
+                <a:latin typeface="Consolas" panose="020B0609020204030204" pitchFamily="49" charset="0"/>
+              </a:rPr>
+              <a:t>',</a:t>
+            </a:r>
+            <a:br>
+              <a:rPr lang="fr-BE" sz="2400">
+                <a:solidFill>
+                  <a:srgbClr val="996633"/>
+                </a:solidFill>
+                <a:latin typeface="Consolas" panose="020B0609020204030204" pitchFamily="49" charset="0"/>
+              </a:rPr>
+            </a:br>
+            <a:r>
+              <a:rPr lang="fr-BE" sz="2400">
+                <a:solidFill>
+                  <a:srgbClr val="996633"/>
+                </a:solidFill>
+                <a:latin typeface="Consolas" panose="020B0609020204030204" pitchFamily="49" charset="0"/>
+              </a:rPr>
+              <a:t>},</a:t>
+            </a:r>
+            <a:br>
+              <a:rPr lang="fr-BE" sz="2400">
+                <a:solidFill>
+                  <a:srgbClr val="996633"/>
+                </a:solidFill>
+                <a:latin typeface="Consolas" panose="020B0609020204030204" pitchFamily="49" charset="0"/>
+              </a:rPr>
+            </a:br>
+            <a:r>
+              <a:rPr lang="en-US" sz="2400">
+                <a:solidFill>
+                  <a:srgbClr val="996633"/>
+                </a:solidFill>
+                <a:latin typeface="Consolas" panose="020B0609020204030204" pitchFamily="49" charset="0"/>
+              </a:rPr>
+              <a:t>body: </a:t>
+            </a:r>
+            <a:r>
+              <a:rPr lang="en-US" sz="2400">
+                <a:solidFill>
+                  <a:schemeClr val="accent5"/>
+                </a:solidFill>
+                <a:latin typeface="Consolas" panose="020B0609020204030204" pitchFamily="49" charset="0"/>
+              </a:rPr>
+              <a:t>JSON.stringify(param)</a:t>
+            </a:r>
+            <a:r>
+              <a:rPr lang="en-US" sz="2400">
+                <a:solidFill>
+                  <a:srgbClr val="996633"/>
+                </a:solidFill>
+                <a:latin typeface="Consolas" panose="020B0609020204030204" pitchFamily="49" charset="0"/>
+              </a:rPr>
+              <a:t>,</a:t>
+            </a:r>
+            <a:endParaRPr lang="fr-BE" sz="2400">
+              <a:solidFill>
+                <a:srgbClr val="996633"/>
+              </a:solidFill>
+              <a:latin typeface="Consolas" panose="020B0609020204030204" pitchFamily="49" charset="0"/>
+            </a:endParaRPr>
+          </a:p>
+          <a:p>
+            <a:pPr lvl="1" defTabSz="361950">
+              <a:spcBef>
+                <a:spcPts val="0"/>
+              </a:spcBef>
+            </a:pPr>
+            <a:endParaRPr lang="fr-BE"/>
+          </a:p>
+          <a:p>
+            <a:pPr lvl="1" defTabSz="361950">
+              <a:spcBef>
+                <a:spcPts val="0"/>
+              </a:spcBef>
+            </a:pPr>
+            <a:endParaRPr lang="fr-BE" sz="2800">
+              <a:solidFill>
+                <a:srgbClr val="996633"/>
+              </a:solidFill>
+              <a:latin typeface="Consolas" panose="020B0609020204030204" pitchFamily="49" charset="0"/>
+            </a:endParaRPr>
+          </a:p>
+          <a:p>
+            <a:pPr lvl="1"/>
+            <a:endParaRPr lang="fr-BE">
+              <a:solidFill>
+                <a:srgbClr val="996633"/>
+              </a:solidFill>
+              <a:latin typeface="Consolas" panose="020B0609020204030204" pitchFamily="49" charset="0"/>
+            </a:endParaRPr>
+          </a:p>
+          <a:p>
+            <a:endParaRPr lang="fr-BE"/>
+          </a:p>
+        </p:txBody>
+      </p:sp>
+      <p:sp>
+        <p:nvSpPr>
+          <p:cNvPr id="4" name="Espace réservé de la date 3">
             <a:extLst>
-              <a:ext uri="{28A0092B-C50C-407E-A947-70E740481C1C}">
-                <a14:useLocalDpi xmlns:a14="http://schemas.microsoft.com/office/drawing/2010/main" val="0"/>
+              <a:ext uri="{FF2B5EF4-FFF2-40B4-BE49-F238E27FC236}">
+                <a16:creationId xmlns:a16="http://schemas.microsoft.com/office/drawing/2014/main" id="{1B7D458C-0DC8-CB7E-F468-F8C2F7876FD9}"/>
               </a:ext>
             </a:extLst>
-          </a:blip>
-          <a:stretch>
-            <a:fillRect/>
-          </a:stretch>
-        </p:blipFill>
-        <p:spPr>
-          <a:xfrm>
-            <a:off x="435596" y="289351"/>
-            <a:ext cx="1674557" cy="1674557"/>
-          </a:xfrm>
-          <a:prstGeom prst="rect">
-            <a:avLst/>
-          </a:prstGeom>
-        </p:spPr>
-      </p:pic>
+          </p:cNvPr>
+          <p:cNvSpPr>
+            <a:spLocks noGrp="1"/>
+          </p:cNvSpPr>
+          <p:nvPr>
+            <p:ph type="dt" sz="half" idx="10"/>
+          </p:nvPr>
+        </p:nvSpPr>
+        <p:spPr/>
+        <p:txBody>
+          <a:bodyPr/>
+          <a:lstStyle/>
+          <a:p>
+            <a:fld id="{86F765DB-6413-4EEF-AA4B-13CECBA56D16}" type="datetime1">
+              <a:rPr lang="fr-BE" smtClean="0"/>
+              <a:t>20-02-26</a:t>
+            </a:fld>
+            <a:endParaRPr lang="fr-BE"/>
+          </a:p>
+        </p:txBody>
+      </p:sp>
+      <p:sp>
+        <p:nvSpPr>
+          <p:cNvPr id="5" name="Espace réservé du numéro de diapositive 4">
+            <a:extLst>
+              <a:ext uri="{FF2B5EF4-FFF2-40B4-BE49-F238E27FC236}">
+                <a16:creationId xmlns:a16="http://schemas.microsoft.com/office/drawing/2014/main" id="{86A887B4-676E-104D-52E0-6579BC8B9957}"/>
+              </a:ext>
+            </a:extLst>
+          </p:cNvPr>
+          <p:cNvSpPr>
+            <a:spLocks noGrp="1"/>
+          </p:cNvSpPr>
+          <p:nvPr>
+            <p:ph type="sldNum" sz="quarter" idx="12"/>
+          </p:nvPr>
+        </p:nvSpPr>
+        <p:spPr/>
+        <p:txBody>
+          <a:bodyPr/>
+          <a:lstStyle/>
+          <a:p>
+            <a:fld id="{02C092ED-0E97-497E-99D9-BB9DD7276F53}" type="slidenum">
+              <a:rPr lang="fr-BE" smtClean="0"/>
+              <a:t>39</a:t>
+            </a:fld>
+            <a:endParaRPr lang="fr-BE"/>
+          </a:p>
+        </p:txBody>
+      </p:sp>
     </p:spTree>
     <p:extLst>
       <p:ext uri="{BB962C8B-B14F-4D97-AF65-F5344CB8AC3E}">
-        <p14:creationId xmlns:p14="http://schemas.microsoft.com/office/powerpoint/2010/main" val="2359624850"/>
+        <p14:creationId xmlns:p14="http://schemas.microsoft.com/office/powerpoint/2010/main" val="3387476806"/>
       </p:ext>
     </p:extLst>
   </p:cSld>
@@ -19256,7 +19647,7 @@
           <a:p>
             <a:fld id="{5F3F1EAC-2519-4A97-BA21-1B73D8FEBD2F}" type="datetime1">
               <a:rPr lang="fr-BE" smtClean="0"/>
-              <a:t>09-09-25</a:t>
+              <a:t>19-02-26</a:t>
             </a:fld>
             <a:endParaRPr lang="fr-BE"/>
           </a:p>
@@ -19316,6 +19707,2395 @@
 </p:sld>
 </file>
 
+<file path=ppt/slides/slide40.xml><?xml version="1.0" encoding="utf-8"?>
+<p:sld xmlns:a="http://schemas.openxmlformats.org/drawingml/2006/main" xmlns:r="http://schemas.openxmlformats.org/officeDocument/2006/relationships" xmlns:p="http://schemas.openxmlformats.org/presentationml/2006/main">
+  <p:cSld>
+    <p:spTree>
+      <p:nvGrpSpPr>
+        <p:cNvPr id="1" name="">
+          <a:extLst>
+            <a:ext uri="{FF2B5EF4-FFF2-40B4-BE49-F238E27FC236}">
+              <a16:creationId xmlns:a16="http://schemas.microsoft.com/office/drawing/2014/main" id="{EF1A45E7-AD51-D153-B7DF-80B64CD8603A}"/>
+            </a:ext>
+          </a:extLst>
+        </p:cNvPr>
+        <p:cNvGrpSpPr/>
+        <p:nvPr/>
+      </p:nvGrpSpPr>
+      <p:grpSpPr>
+        <a:xfrm>
+          <a:off x="0" y="0"/>
+          <a:ext cx="0" cy="0"/>
+          <a:chOff x="0" y="0"/>
+          <a:chExt cx="0" cy="0"/>
+        </a:xfrm>
+      </p:grpSpPr>
+      <p:sp>
+        <p:nvSpPr>
+          <p:cNvPr id="2" name="Titre 1">
+            <a:extLst>
+              <a:ext uri="{FF2B5EF4-FFF2-40B4-BE49-F238E27FC236}">
+                <a16:creationId xmlns:a16="http://schemas.microsoft.com/office/drawing/2014/main" id="{734127F9-CEC5-6351-AA8D-181B64248A4B}"/>
+              </a:ext>
+            </a:extLst>
+          </p:cNvPr>
+          <p:cNvSpPr>
+            <a:spLocks noGrp="1"/>
+          </p:cNvSpPr>
+          <p:nvPr>
+            <p:ph type="title"/>
+          </p:nvPr>
+        </p:nvSpPr>
+        <p:spPr/>
+        <p:txBody>
+          <a:bodyPr/>
+          <a:lstStyle/>
+          <a:p>
+            <a:r>
+              <a:rPr lang="fr-BE"/>
+              <a:t>Fetch + MVC</a:t>
+            </a:r>
+          </a:p>
+        </p:txBody>
+      </p:sp>
+      <p:sp>
+        <p:nvSpPr>
+          <p:cNvPr id="3" name="Espace réservé du texte 2">
+            <a:extLst>
+              <a:ext uri="{FF2B5EF4-FFF2-40B4-BE49-F238E27FC236}">
+                <a16:creationId xmlns:a16="http://schemas.microsoft.com/office/drawing/2014/main" id="{AD0FAA9F-E674-A3F3-4464-04B1D3EA3C19}"/>
+              </a:ext>
+            </a:extLst>
+          </p:cNvPr>
+          <p:cNvSpPr>
+            <a:spLocks noGrp="1"/>
+          </p:cNvSpPr>
+          <p:nvPr>
+            <p:ph type="body" idx="1"/>
+          </p:nvPr>
+        </p:nvSpPr>
+        <p:spPr/>
+        <p:txBody>
+          <a:bodyPr/>
+          <a:lstStyle/>
+          <a:p>
+            <a:r>
+              <a:rPr lang="fr-BE"/>
+              <a:t>implantation dans Vanilla JS </a:t>
+            </a:r>
+          </a:p>
+          <a:p>
+            <a:r>
+              <a:rPr lang="fr-BE"/>
+              <a:t>coupagle au framework AWebWiz</a:t>
+            </a:r>
+          </a:p>
+        </p:txBody>
+      </p:sp>
+      <p:sp>
+        <p:nvSpPr>
+          <p:cNvPr id="5" name="Espace réservé de la date 4">
+            <a:extLst>
+              <a:ext uri="{FF2B5EF4-FFF2-40B4-BE49-F238E27FC236}">
+                <a16:creationId xmlns:a16="http://schemas.microsoft.com/office/drawing/2014/main" id="{E11A0B72-A969-B079-7884-25409F47144B}"/>
+              </a:ext>
+            </a:extLst>
+          </p:cNvPr>
+          <p:cNvSpPr>
+            <a:spLocks noGrp="1"/>
+          </p:cNvSpPr>
+          <p:nvPr>
+            <p:ph type="dt" sz="half" idx="11"/>
+          </p:nvPr>
+        </p:nvSpPr>
+        <p:spPr/>
+        <p:txBody>
+          <a:bodyPr/>
+          <a:lstStyle/>
+          <a:p>
+            <a:fld id="{47EA6130-C364-45FF-ADCC-7D6C28140105}" type="datetime1">
+              <a:rPr lang="fr-BE" smtClean="0"/>
+              <a:t>20-02-26</a:t>
+            </a:fld>
+            <a:endParaRPr lang="fr-BE"/>
+          </a:p>
+        </p:txBody>
+      </p:sp>
+      <p:sp>
+        <p:nvSpPr>
+          <p:cNvPr id="6" name="Espace réservé du numéro de diapositive 5">
+            <a:extLst>
+              <a:ext uri="{FF2B5EF4-FFF2-40B4-BE49-F238E27FC236}">
+                <a16:creationId xmlns:a16="http://schemas.microsoft.com/office/drawing/2014/main" id="{2BF1ACA3-579D-2975-724D-E187C4C52CB9}"/>
+              </a:ext>
+            </a:extLst>
+          </p:cNvPr>
+          <p:cNvSpPr>
+            <a:spLocks noGrp="1"/>
+          </p:cNvSpPr>
+          <p:nvPr>
+            <p:ph type="sldNum" sz="quarter" idx="13"/>
+          </p:nvPr>
+        </p:nvSpPr>
+        <p:spPr/>
+        <p:txBody>
+          <a:bodyPr/>
+          <a:lstStyle/>
+          <a:p>
+            <a:fld id="{02C092ED-0E97-497E-99D9-BB9DD7276F53}" type="slidenum">
+              <a:rPr lang="fr-BE" smtClean="0"/>
+              <a:t>40</a:t>
+            </a:fld>
+            <a:endParaRPr lang="fr-BE"/>
+          </a:p>
+        </p:txBody>
+      </p:sp>
+      <p:pic>
+        <p:nvPicPr>
+          <p:cNvPr id="7" name="Espace réservé pour une image  9" descr="Une image contenant texte, Police, Graphique, conception&#10;&#10;Description générée automatiquement">
+            <a:extLst>
+              <a:ext uri="{FF2B5EF4-FFF2-40B4-BE49-F238E27FC236}">
+                <a16:creationId xmlns:a16="http://schemas.microsoft.com/office/drawing/2014/main" id="{A98E08C1-79B1-0ADD-15FA-ACC45CED5F45}"/>
+              </a:ext>
+            </a:extLst>
+          </p:cNvPr>
+          <p:cNvPicPr>
+            <a:picLocks noGrp="1" noChangeAspect="1"/>
+          </p:cNvPicPr>
+          <p:nvPr>
+            <p:ph type="pic" sz="quarter" idx="10"/>
+          </p:nvPr>
+        </p:nvPicPr>
+        <p:blipFill>
+          <a:blip r:embed="rId2">
+            <a:extLst>
+              <a:ext uri="{28A0092B-C50C-407E-A947-70E740481C1C}">
+                <a14:useLocalDpi xmlns:a14="http://schemas.microsoft.com/office/drawing/2010/main" val="0"/>
+              </a:ext>
+            </a:extLst>
+          </a:blip>
+          <a:stretch>
+            <a:fillRect/>
+          </a:stretch>
+        </p:blipFill>
+        <p:spPr>
+          <a:xfrm>
+            <a:off x="7953375" y="166690"/>
+            <a:ext cx="4057650" cy="3086100"/>
+          </a:xfrm>
+        </p:spPr>
+      </p:pic>
+    </p:spTree>
+    <p:extLst>
+      <p:ext uri="{BB962C8B-B14F-4D97-AF65-F5344CB8AC3E}">
+        <p14:creationId xmlns:p14="http://schemas.microsoft.com/office/powerpoint/2010/main" val="3768183569"/>
+      </p:ext>
+    </p:extLst>
+  </p:cSld>
+  <p:clrMapOvr>
+    <a:masterClrMapping/>
+  </p:clrMapOvr>
+  <mc:AlternateContent xmlns:mc="http://schemas.openxmlformats.org/markup-compatibility/2006">
+    <mc:Choice xmlns:p14="http://schemas.microsoft.com/office/powerpoint/2010/main" Requires="p14">
+      <p:transition spd="slow">
+        <p14:reveal/>
+      </p:transition>
+    </mc:Choice>
+    <mc:Fallback>
+      <p:transition spd="slow">
+        <p:fade/>
+      </p:transition>
+    </mc:Fallback>
+  </mc:AlternateContent>
+</p:sld>
+</file>
+
+<file path=ppt/slides/slide41.xml><?xml version="1.0" encoding="utf-8"?>
+<p:sld xmlns:a="http://schemas.openxmlformats.org/drawingml/2006/main" xmlns:r="http://schemas.openxmlformats.org/officeDocument/2006/relationships" xmlns:p="http://schemas.openxmlformats.org/presentationml/2006/main">
+  <p:cSld>
+    <p:spTree>
+      <p:nvGrpSpPr>
+        <p:cNvPr id="1" name=""/>
+        <p:cNvGrpSpPr/>
+        <p:nvPr/>
+      </p:nvGrpSpPr>
+      <p:grpSpPr>
+        <a:xfrm>
+          <a:off x="0" y="0"/>
+          <a:ext cx="0" cy="0"/>
+          <a:chOff x="0" y="0"/>
+          <a:chExt cx="0" cy="0"/>
+        </a:xfrm>
+      </p:grpSpPr>
+      <p:sp>
+        <p:nvSpPr>
+          <p:cNvPr id="7" name="Titre 6">
+            <a:extLst>
+              <a:ext uri="{FF2B5EF4-FFF2-40B4-BE49-F238E27FC236}">
+                <a16:creationId xmlns:a16="http://schemas.microsoft.com/office/drawing/2014/main" id="{E76D2043-17BE-120D-FB75-50E8A4E8484C}"/>
+              </a:ext>
+            </a:extLst>
+          </p:cNvPr>
+          <p:cNvSpPr>
+            <a:spLocks noGrp="1"/>
+          </p:cNvSpPr>
+          <p:nvPr>
+            <p:ph type="title"/>
+          </p:nvPr>
+        </p:nvSpPr>
+        <p:spPr/>
+        <p:txBody>
+          <a:bodyPr/>
+          <a:lstStyle/>
+          <a:p>
+            <a:r>
+              <a:rPr lang="fr-BE"/>
+              <a:t>Exo : compteur</a:t>
+            </a:r>
+          </a:p>
+        </p:txBody>
+      </p:sp>
+      <p:sp>
+        <p:nvSpPr>
+          <p:cNvPr id="8" name="Espace réservé du contenu 7">
+            <a:extLst>
+              <a:ext uri="{FF2B5EF4-FFF2-40B4-BE49-F238E27FC236}">
+                <a16:creationId xmlns:a16="http://schemas.microsoft.com/office/drawing/2014/main" id="{BEB77BA6-CD06-C87D-6E0F-EE02016EE77D}"/>
+              </a:ext>
+            </a:extLst>
+          </p:cNvPr>
+          <p:cNvSpPr>
+            <a:spLocks noGrp="1"/>
+          </p:cNvSpPr>
+          <p:nvPr>
+            <p:ph idx="1"/>
+          </p:nvPr>
+        </p:nvSpPr>
+        <p:spPr>
+          <a:xfrm>
+            <a:off x="838200" y="1690688"/>
+            <a:ext cx="10515600" cy="5167311"/>
+          </a:xfrm>
+        </p:spPr>
+        <p:txBody>
+          <a:bodyPr>
+            <a:normAutofit/>
+          </a:bodyPr>
+          <a:lstStyle/>
+          <a:p>
+            <a:r>
+              <a:rPr lang="fr-BE"/>
+              <a:t>Un compteur est disponible sur la home page. La valeur du compteur est stockée sur le serveur en variable </a:t>
+            </a:r>
+            <a:r>
+              <a:rPr lang="fr-BE">
+                <a:solidFill>
+                  <a:srgbClr val="996633"/>
+                </a:solidFill>
+                <a:latin typeface="Consolas" panose="020B0609020204030204" pitchFamily="49" charset="0"/>
+              </a:rPr>
+              <a:t>SESSION</a:t>
+            </a:r>
+            <a:r>
+              <a:rPr lang="fr-BE"/>
+              <a:t>. Un script </a:t>
+            </a:r>
+            <a:r>
+              <a:rPr lang="fr-BE">
+                <a:solidFill>
+                  <a:srgbClr val="996633"/>
+                </a:solidFill>
+                <a:latin typeface="Consolas" panose="020B0609020204030204" pitchFamily="49" charset="0"/>
+              </a:rPr>
+              <a:t>JS</a:t>
+            </a:r>
+            <a:r>
+              <a:rPr lang="fr-BE"/>
+              <a:t> avec </a:t>
+            </a:r>
+            <a:r>
+              <a:rPr lang="fr-BE">
+                <a:solidFill>
+                  <a:srgbClr val="996633"/>
+                </a:solidFill>
+                <a:latin typeface="Consolas" panose="020B0609020204030204" pitchFamily="49" charset="0"/>
+              </a:rPr>
+              <a:t>Fetch</a:t>
+            </a:r>
+            <a:r>
+              <a:rPr lang="fr-BE"/>
+              <a:t> gère l'évènement click sur le bouton.</a:t>
+            </a:r>
+          </a:p>
+          <a:p>
+            <a:pPr marL="0" indent="0">
+              <a:buNone/>
+            </a:pPr>
+            <a:endParaRPr lang="en-US">
+              <a:solidFill>
+                <a:srgbClr val="996633"/>
+              </a:solidFill>
+              <a:latin typeface="Consolas" panose="020B0609020204030204" pitchFamily="49" charset="0"/>
+            </a:endParaRPr>
+          </a:p>
+        </p:txBody>
+      </p:sp>
+      <p:sp>
+        <p:nvSpPr>
+          <p:cNvPr id="5" name="Espace réservé de la date 4">
+            <a:extLst>
+              <a:ext uri="{FF2B5EF4-FFF2-40B4-BE49-F238E27FC236}">
+                <a16:creationId xmlns:a16="http://schemas.microsoft.com/office/drawing/2014/main" id="{D18BAF4C-101A-282F-4290-3616F838CBF3}"/>
+              </a:ext>
+            </a:extLst>
+          </p:cNvPr>
+          <p:cNvSpPr>
+            <a:spLocks noGrp="1"/>
+          </p:cNvSpPr>
+          <p:nvPr>
+            <p:ph type="dt" sz="half" idx="10"/>
+          </p:nvPr>
+        </p:nvSpPr>
+        <p:spPr/>
+        <p:txBody>
+          <a:bodyPr/>
+          <a:lstStyle/>
+          <a:p>
+            <a:fld id="{9387EA18-5AD6-45A6-A8E3-163D735A5432}" type="datetime1">
+              <a:rPr lang="fr-BE" smtClean="0"/>
+              <a:t>19-02-26</a:t>
+            </a:fld>
+            <a:endParaRPr lang="fr-BE"/>
+          </a:p>
+        </p:txBody>
+      </p:sp>
+      <p:sp>
+        <p:nvSpPr>
+          <p:cNvPr id="6" name="Espace réservé du numéro de diapositive 5">
+            <a:extLst>
+              <a:ext uri="{FF2B5EF4-FFF2-40B4-BE49-F238E27FC236}">
+                <a16:creationId xmlns:a16="http://schemas.microsoft.com/office/drawing/2014/main" id="{1DFF19F8-B908-7A09-499F-0199AC950278}"/>
+              </a:ext>
+            </a:extLst>
+          </p:cNvPr>
+          <p:cNvSpPr>
+            <a:spLocks noGrp="1"/>
+          </p:cNvSpPr>
+          <p:nvPr>
+            <p:ph type="sldNum" sz="quarter" idx="12"/>
+          </p:nvPr>
+        </p:nvSpPr>
+        <p:spPr/>
+        <p:txBody>
+          <a:bodyPr/>
+          <a:lstStyle/>
+          <a:p>
+            <a:fld id="{02C092ED-0E97-497E-99D9-BB9DD7276F53}" type="slidenum">
+              <a:rPr lang="fr-BE" smtClean="0"/>
+              <a:t>41</a:t>
+            </a:fld>
+            <a:endParaRPr lang="fr-BE"/>
+          </a:p>
+        </p:txBody>
+      </p:sp>
+    </p:spTree>
+    <p:extLst>
+      <p:ext uri="{BB962C8B-B14F-4D97-AF65-F5344CB8AC3E}">
+        <p14:creationId xmlns:p14="http://schemas.microsoft.com/office/powerpoint/2010/main" val="3781755094"/>
+      </p:ext>
+    </p:extLst>
+  </p:cSld>
+  <p:clrMapOvr>
+    <a:masterClrMapping/>
+  </p:clrMapOvr>
+  <mc:AlternateContent xmlns:mc="http://schemas.openxmlformats.org/markup-compatibility/2006" xmlns:p14="http://schemas.microsoft.com/office/powerpoint/2010/main">
+    <mc:Choice Requires="p14">
+      <p:transition spd="slow">
+        <p14:reveal/>
+      </p:transition>
+    </mc:Choice>
+    <mc:Fallback xmlns="">
+      <p:transition spd="slow">
+        <p:fade/>
+      </p:transition>
+    </mc:Fallback>
+  </mc:AlternateContent>
+</p:sld>
+</file>
+
+<file path=ppt/slides/slide42.xml><?xml version="1.0" encoding="utf-8"?>
+<p:sld xmlns:a="http://schemas.openxmlformats.org/drawingml/2006/main" xmlns:r="http://schemas.openxmlformats.org/officeDocument/2006/relationships" xmlns:p="http://schemas.openxmlformats.org/presentationml/2006/main">
+  <p:cSld>
+    <p:spTree>
+      <p:nvGrpSpPr>
+        <p:cNvPr id="1" name="">
+          <a:extLst>
+            <a:ext uri="{FF2B5EF4-FFF2-40B4-BE49-F238E27FC236}">
+              <a16:creationId xmlns:a16="http://schemas.microsoft.com/office/drawing/2014/main" id="{C13E4B6D-6580-FA9C-FE29-49D9F3D88959}"/>
+            </a:ext>
+          </a:extLst>
+        </p:cNvPr>
+        <p:cNvGrpSpPr/>
+        <p:nvPr/>
+      </p:nvGrpSpPr>
+      <p:grpSpPr>
+        <a:xfrm>
+          <a:off x="0" y="0"/>
+          <a:ext cx="0" cy="0"/>
+          <a:chOff x="0" y="0"/>
+          <a:chExt cx="0" cy="0"/>
+        </a:xfrm>
+      </p:grpSpPr>
+      <p:sp>
+        <p:nvSpPr>
+          <p:cNvPr id="7" name="Titre 6">
+            <a:extLst>
+              <a:ext uri="{FF2B5EF4-FFF2-40B4-BE49-F238E27FC236}">
+                <a16:creationId xmlns:a16="http://schemas.microsoft.com/office/drawing/2014/main" id="{6D74B91B-F063-5D01-A6B7-1B9FC103D142}"/>
+              </a:ext>
+            </a:extLst>
+          </p:cNvPr>
+          <p:cNvSpPr>
+            <a:spLocks noGrp="1"/>
+          </p:cNvSpPr>
+          <p:nvPr>
+            <p:ph type="title"/>
+          </p:nvPr>
+        </p:nvSpPr>
+        <p:spPr/>
+        <p:txBody>
+          <a:bodyPr/>
+          <a:lstStyle/>
+          <a:p>
+            <a:r>
+              <a:rPr lang="fr-BE"/>
+              <a:t>Mise en place</a:t>
+            </a:r>
+          </a:p>
+        </p:txBody>
+      </p:sp>
+      <p:sp>
+        <p:nvSpPr>
+          <p:cNvPr id="8" name="Espace réservé du contenu 7">
+            <a:extLst>
+              <a:ext uri="{FF2B5EF4-FFF2-40B4-BE49-F238E27FC236}">
+                <a16:creationId xmlns:a16="http://schemas.microsoft.com/office/drawing/2014/main" id="{99096E94-B16C-FE26-0714-EDD7E6BA1255}"/>
+              </a:ext>
+            </a:extLst>
+          </p:cNvPr>
+          <p:cNvSpPr>
+            <a:spLocks noGrp="1"/>
+          </p:cNvSpPr>
+          <p:nvPr>
+            <p:ph idx="1"/>
+          </p:nvPr>
+        </p:nvSpPr>
+        <p:spPr>
+          <a:xfrm>
+            <a:off x="838200" y="1690688"/>
+            <a:ext cx="10515600" cy="5167311"/>
+          </a:xfrm>
+        </p:spPr>
+        <p:txBody>
+          <a:bodyPr>
+            <a:normAutofit lnSpcReduction="10000"/>
+          </a:bodyPr>
+          <a:lstStyle/>
+          <a:p>
+            <a:r>
+              <a:rPr lang="fr-BE"/>
+              <a:t>Répertoire (GitHub) : </a:t>
+            </a:r>
+            <a:r>
+              <a:rPr lang="fr-BE">
+                <a:solidFill>
+                  <a:srgbClr val="996633"/>
+                </a:solidFill>
+                <a:latin typeface="Consolas" panose="020B0609020204030204" pitchFamily="49" charset="0"/>
+              </a:rPr>
+              <a:t>/AWebWiz_start_fetch_vuejs</a:t>
+            </a:r>
+          </a:p>
+          <a:p>
+            <a:r>
+              <a:rPr lang="fr-BE"/>
+              <a:t>Fichiers nouveaux ou modifiés</a:t>
+            </a:r>
+          </a:p>
+          <a:p>
+            <a:pPr lvl="1"/>
+            <a:r>
+              <a:rPr lang="en-US">
+                <a:solidFill>
+                  <a:srgbClr val="996633"/>
+                </a:solidFill>
+                <a:latin typeface="Consolas" panose="020B0609020204030204" pitchFamily="49" charset="0"/>
+              </a:rPr>
+              <a:t>/public/index.php</a:t>
+            </a:r>
+            <a:endParaRPr lang="fr-BE">
+              <a:solidFill>
+                <a:srgbClr val="996633"/>
+              </a:solidFill>
+              <a:latin typeface="Consolas" panose="020B0609020204030204" pitchFamily="49" charset="0"/>
+            </a:endParaRPr>
+          </a:p>
+          <a:p>
+            <a:pPr lvl="1"/>
+            <a:r>
+              <a:rPr lang="en-US">
+                <a:solidFill>
+                  <a:srgbClr val="996633"/>
+                </a:solidFill>
+                <a:latin typeface="Consolas" panose="020B0609020204030204" pitchFamily="49" charset="0"/>
+              </a:rPr>
+              <a:t>/app/controller/home.php</a:t>
+            </a:r>
+          </a:p>
+          <a:p>
+            <a:pPr lvl="1"/>
+            <a:r>
+              <a:rPr lang="en-US">
+                <a:solidFill>
+                  <a:srgbClr val="996633"/>
+                </a:solidFill>
+                <a:latin typeface="Consolas" panose="020B0609020204030204" pitchFamily="49" charset="0"/>
+              </a:rPr>
+              <a:t>/app/view/template.php</a:t>
+            </a:r>
+          </a:p>
+          <a:p>
+            <a:pPr lvl="1"/>
+            <a:r>
+              <a:rPr lang="en-US">
+                <a:solidFill>
+                  <a:srgbClr val="996633"/>
+                </a:solidFill>
+                <a:latin typeface="Consolas" panose="020B0609020204030204" pitchFamily="49" charset="0"/>
+              </a:rPr>
+              <a:t>/app/view/home.php</a:t>
+            </a:r>
+          </a:p>
+          <a:p>
+            <a:pPr lvl="1"/>
+            <a:r>
+              <a:rPr lang="en-US">
+                <a:solidFill>
+                  <a:srgbClr val="996633"/>
+                </a:solidFill>
+                <a:latin typeface="Consolas" panose="020B0609020204030204" pitchFamily="49" charset="0"/>
+              </a:rPr>
+              <a:t>/public/js/internal/counter.js</a:t>
+            </a:r>
+          </a:p>
+          <a:p>
+            <a:pPr lvl="1"/>
+            <a:r>
+              <a:rPr lang="en-US">
+                <a:solidFill>
+                  <a:srgbClr val="996633"/>
+                </a:solidFill>
+                <a:latin typeface="Consolas" panose="020B0609020204030204" pitchFamily="49" charset="0"/>
+              </a:rPr>
+              <a:t>/app/controller/counter_fetch.php</a:t>
+            </a:r>
+          </a:p>
+          <a:p>
+            <a:pPr lvl="1"/>
+            <a:r>
+              <a:rPr lang="en-US">
+                <a:solidFill>
+                  <a:srgbClr val="996633"/>
+                </a:solidFill>
+                <a:latin typeface="Consolas" panose="020B0609020204030204" pitchFamily="49" charset="0"/>
+              </a:rPr>
+              <a:t>/public/css/internal/main.css</a:t>
+            </a:r>
+          </a:p>
+        </p:txBody>
+      </p:sp>
+      <p:sp>
+        <p:nvSpPr>
+          <p:cNvPr id="5" name="Espace réservé de la date 4">
+            <a:extLst>
+              <a:ext uri="{FF2B5EF4-FFF2-40B4-BE49-F238E27FC236}">
+                <a16:creationId xmlns:a16="http://schemas.microsoft.com/office/drawing/2014/main" id="{8889A027-BB36-588C-9083-EA9284D33C40}"/>
+              </a:ext>
+            </a:extLst>
+          </p:cNvPr>
+          <p:cNvSpPr>
+            <a:spLocks noGrp="1"/>
+          </p:cNvSpPr>
+          <p:nvPr>
+            <p:ph type="dt" sz="half" idx="10"/>
+          </p:nvPr>
+        </p:nvSpPr>
+        <p:spPr/>
+        <p:txBody>
+          <a:bodyPr/>
+          <a:lstStyle/>
+          <a:p>
+            <a:fld id="{9387EA18-5AD6-45A6-A8E3-163D735A5432}" type="datetime1">
+              <a:rPr lang="fr-BE" smtClean="0"/>
+              <a:t>21-02-26</a:t>
+            </a:fld>
+            <a:endParaRPr lang="fr-BE"/>
+          </a:p>
+        </p:txBody>
+      </p:sp>
+      <p:sp>
+        <p:nvSpPr>
+          <p:cNvPr id="6" name="Espace réservé du numéro de diapositive 5">
+            <a:extLst>
+              <a:ext uri="{FF2B5EF4-FFF2-40B4-BE49-F238E27FC236}">
+                <a16:creationId xmlns:a16="http://schemas.microsoft.com/office/drawing/2014/main" id="{3EE8EB99-1CFC-F81E-DD38-B9B87A1CEE9E}"/>
+              </a:ext>
+            </a:extLst>
+          </p:cNvPr>
+          <p:cNvSpPr>
+            <a:spLocks noGrp="1"/>
+          </p:cNvSpPr>
+          <p:nvPr>
+            <p:ph type="sldNum" sz="quarter" idx="12"/>
+          </p:nvPr>
+        </p:nvSpPr>
+        <p:spPr/>
+        <p:txBody>
+          <a:bodyPr/>
+          <a:lstStyle/>
+          <a:p>
+            <a:fld id="{02C092ED-0E97-497E-99D9-BB9DD7276F53}" type="slidenum">
+              <a:rPr lang="fr-BE" smtClean="0"/>
+              <a:t>42</a:t>
+            </a:fld>
+            <a:endParaRPr lang="fr-BE"/>
+          </a:p>
+        </p:txBody>
+      </p:sp>
+    </p:spTree>
+    <p:extLst>
+      <p:ext uri="{BB962C8B-B14F-4D97-AF65-F5344CB8AC3E}">
+        <p14:creationId xmlns:p14="http://schemas.microsoft.com/office/powerpoint/2010/main" val="2609346794"/>
+      </p:ext>
+    </p:extLst>
+  </p:cSld>
+  <p:clrMapOvr>
+    <a:masterClrMapping/>
+  </p:clrMapOvr>
+  <mc:AlternateContent xmlns:mc="http://schemas.openxmlformats.org/markup-compatibility/2006">
+    <mc:Choice xmlns:p14="http://schemas.microsoft.com/office/powerpoint/2010/main" Requires="p14">
+      <p:transition spd="slow">
+        <p14:reveal/>
+      </p:transition>
+    </mc:Choice>
+    <mc:Fallback>
+      <p:transition spd="slow">
+        <p:fade/>
+      </p:transition>
+    </mc:Fallback>
+  </mc:AlternateContent>
+</p:sld>
+</file>
+
+<file path=ppt/slides/slide43.xml><?xml version="1.0" encoding="utf-8"?>
+<p:sld xmlns:a="http://schemas.openxmlformats.org/drawingml/2006/main" xmlns:r="http://schemas.openxmlformats.org/officeDocument/2006/relationships" xmlns:p="http://schemas.openxmlformats.org/presentationml/2006/main">
+  <p:cSld>
+    <p:spTree>
+      <p:nvGrpSpPr>
+        <p:cNvPr id="1" name="">
+          <a:extLst>
+            <a:ext uri="{FF2B5EF4-FFF2-40B4-BE49-F238E27FC236}">
+              <a16:creationId xmlns:a16="http://schemas.microsoft.com/office/drawing/2014/main" id="{7D7B0326-5BA8-F3AC-A272-B44D8B044934}"/>
+            </a:ext>
+          </a:extLst>
+        </p:cNvPr>
+        <p:cNvGrpSpPr/>
+        <p:nvPr/>
+      </p:nvGrpSpPr>
+      <p:grpSpPr>
+        <a:xfrm>
+          <a:off x="0" y="0"/>
+          <a:ext cx="0" cy="0"/>
+          <a:chOff x="0" y="0"/>
+          <a:chExt cx="0" cy="0"/>
+        </a:xfrm>
+      </p:grpSpPr>
+      <p:sp>
+        <p:nvSpPr>
+          <p:cNvPr id="2" name="Titre 1">
+            <a:extLst>
+              <a:ext uri="{FF2B5EF4-FFF2-40B4-BE49-F238E27FC236}">
+                <a16:creationId xmlns:a16="http://schemas.microsoft.com/office/drawing/2014/main" id="{B0949200-7C5E-A65A-E98A-77F38865C8EF}"/>
+              </a:ext>
+            </a:extLst>
+          </p:cNvPr>
+          <p:cNvSpPr>
+            <a:spLocks noGrp="1"/>
+          </p:cNvSpPr>
+          <p:nvPr>
+            <p:ph type="title"/>
+          </p:nvPr>
+        </p:nvSpPr>
+        <p:spPr/>
+        <p:txBody>
+          <a:bodyPr/>
+          <a:lstStyle/>
+          <a:p>
+            <a:r>
+              <a:rPr lang="en-US" b="0">
+                <a:solidFill>
+                  <a:srgbClr val="996633"/>
+                </a:solidFill>
+                <a:latin typeface="Consolas" panose="020B0609020204030204" pitchFamily="49" charset="0"/>
+              </a:rPr>
+              <a:t>/public/index.php</a:t>
+            </a:r>
+          </a:p>
+        </p:txBody>
+      </p:sp>
+      <p:sp>
+        <p:nvSpPr>
+          <p:cNvPr id="3" name="Espace réservé du contenu 2">
+            <a:extLst>
+              <a:ext uri="{FF2B5EF4-FFF2-40B4-BE49-F238E27FC236}">
+                <a16:creationId xmlns:a16="http://schemas.microsoft.com/office/drawing/2014/main" id="{00B530F5-0015-AC39-2DDD-333A7788B27F}"/>
+              </a:ext>
+            </a:extLst>
+          </p:cNvPr>
+          <p:cNvSpPr>
+            <a:spLocks noGrp="1"/>
+          </p:cNvSpPr>
+          <p:nvPr>
+            <p:ph idx="1"/>
+          </p:nvPr>
+        </p:nvSpPr>
+        <p:spPr/>
+        <p:txBody>
+          <a:bodyPr>
+            <a:normAutofit/>
+          </a:bodyPr>
+          <a:lstStyle/>
+          <a:p>
+            <a:r>
+              <a:rPr lang="fr-BE"/>
+              <a:t>Le code du router est enrichi pour intégrer la possibilité pour le serveur de retourner autre chose que du HTML, comme du JSON. </a:t>
+            </a:r>
+          </a:p>
+        </p:txBody>
+      </p:sp>
+      <p:sp>
+        <p:nvSpPr>
+          <p:cNvPr id="4" name="Espace réservé de la date 3">
+            <a:extLst>
+              <a:ext uri="{FF2B5EF4-FFF2-40B4-BE49-F238E27FC236}">
+                <a16:creationId xmlns:a16="http://schemas.microsoft.com/office/drawing/2014/main" id="{9E4C6628-6D1E-76F3-F8E2-74A227EF8A7F}"/>
+              </a:ext>
+            </a:extLst>
+          </p:cNvPr>
+          <p:cNvSpPr>
+            <a:spLocks noGrp="1"/>
+          </p:cNvSpPr>
+          <p:nvPr>
+            <p:ph type="dt" sz="half" idx="10"/>
+          </p:nvPr>
+        </p:nvSpPr>
+        <p:spPr/>
+        <p:txBody>
+          <a:bodyPr/>
+          <a:lstStyle/>
+          <a:p>
+            <a:fld id="{50827A15-FE84-4468-BA37-282682579A39}" type="datetime1">
+              <a:rPr lang="fr-BE" smtClean="0"/>
+              <a:t>19-02-26</a:t>
+            </a:fld>
+            <a:endParaRPr lang="fr-BE"/>
+          </a:p>
+        </p:txBody>
+      </p:sp>
+      <p:sp>
+        <p:nvSpPr>
+          <p:cNvPr id="5" name="Espace réservé du numéro de diapositive 4">
+            <a:extLst>
+              <a:ext uri="{FF2B5EF4-FFF2-40B4-BE49-F238E27FC236}">
+                <a16:creationId xmlns:a16="http://schemas.microsoft.com/office/drawing/2014/main" id="{E00503FC-2109-0A68-09E7-B605C0D03BED}"/>
+              </a:ext>
+            </a:extLst>
+          </p:cNvPr>
+          <p:cNvSpPr>
+            <a:spLocks noGrp="1"/>
+          </p:cNvSpPr>
+          <p:nvPr>
+            <p:ph type="sldNum" sz="quarter" idx="12"/>
+          </p:nvPr>
+        </p:nvSpPr>
+        <p:spPr/>
+        <p:txBody>
+          <a:bodyPr/>
+          <a:lstStyle/>
+          <a:p>
+            <a:fld id="{02C092ED-0E97-497E-99D9-BB9DD7276F53}" type="slidenum">
+              <a:rPr lang="fr-BE" smtClean="0"/>
+              <a:t>43</a:t>
+            </a:fld>
+            <a:endParaRPr lang="fr-BE"/>
+          </a:p>
+        </p:txBody>
+      </p:sp>
+    </p:spTree>
+    <p:extLst>
+      <p:ext uri="{BB962C8B-B14F-4D97-AF65-F5344CB8AC3E}">
+        <p14:creationId xmlns:p14="http://schemas.microsoft.com/office/powerpoint/2010/main" val="2043233655"/>
+      </p:ext>
+    </p:extLst>
+  </p:cSld>
+  <p:clrMapOvr>
+    <a:masterClrMapping/>
+  </p:clrMapOvr>
+  <mc:AlternateContent xmlns:mc="http://schemas.openxmlformats.org/markup-compatibility/2006">
+    <mc:Choice xmlns:p14="http://schemas.microsoft.com/office/powerpoint/2010/main" Requires="p14">
+      <p:transition spd="slow">
+        <p14:reveal/>
+      </p:transition>
+    </mc:Choice>
+    <mc:Fallback>
+      <p:transition spd="slow">
+        <p:fade/>
+      </p:transition>
+    </mc:Fallback>
+  </mc:AlternateContent>
+</p:sld>
+</file>
+
+<file path=ppt/slides/slide44.xml><?xml version="1.0" encoding="utf-8"?>
+<p:sld xmlns:a="http://schemas.openxmlformats.org/drawingml/2006/main" xmlns:r="http://schemas.openxmlformats.org/officeDocument/2006/relationships" xmlns:p="http://schemas.openxmlformats.org/presentationml/2006/main">
+  <p:cSld>
+    <p:spTree>
+      <p:nvGrpSpPr>
+        <p:cNvPr id="1" name="">
+          <a:extLst>
+            <a:ext uri="{FF2B5EF4-FFF2-40B4-BE49-F238E27FC236}">
+              <a16:creationId xmlns:a16="http://schemas.microsoft.com/office/drawing/2014/main" id="{452AA0CE-FACE-AFEA-5BA9-73E3BE39B40F}"/>
+            </a:ext>
+          </a:extLst>
+        </p:cNvPr>
+        <p:cNvGrpSpPr/>
+        <p:nvPr/>
+      </p:nvGrpSpPr>
+      <p:grpSpPr>
+        <a:xfrm>
+          <a:off x="0" y="0"/>
+          <a:ext cx="0" cy="0"/>
+          <a:chOff x="0" y="0"/>
+          <a:chExt cx="0" cy="0"/>
+        </a:xfrm>
+      </p:grpSpPr>
+      <p:sp>
+        <p:nvSpPr>
+          <p:cNvPr id="2" name="Titre 1">
+            <a:extLst>
+              <a:ext uri="{FF2B5EF4-FFF2-40B4-BE49-F238E27FC236}">
+                <a16:creationId xmlns:a16="http://schemas.microsoft.com/office/drawing/2014/main" id="{F18AE822-3A37-ECB4-4ED5-2DDAA62291F7}"/>
+              </a:ext>
+            </a:extLst>
+          </p:cNvPr>
+          <p:cNvSpPr>
+            <a:spLocks noGrp="1"/>
+          </p:cNvSpPr>
+          <p:nvPr>
+            <p:ph type="title"/>
+          </p:nvPr>
+        </p:nvSpPr>
+        <p:spPr/>
+        <p:txBody>
+          <a:bodyPr/>
+          <a:lstStyle/>
+          <a:p>
+            <a:r>
+              <a:rPr lang="en-US" b="0">
+                <a:solidFill>
+                  <a:srgbClr val="996633"/>
+                </a:solidFill>
+                <a:latin typeface="Consolas" panose="020B0609020204030204" pitchFamily="49" charset="0"/>
+              </a:rPr>
+              <a:t>/app/controller/home.php</a:t>
+            </a:r>
+            <a:endParaRPr lang="fr-BE" b="0">
+              <a:solidFill>
+                <a:srgbClr val="996633"/>
+              </a:solidFill>
+              <a:latin typeface="Consolas" panose="020B0609020204030204" pitchFamily="49" charset="0"/>
+            </a:endParaRPr>
+          </a:p>
+        </p:txBody>
+      </p:sp>
+      <p:sp>
+        <p:nvSpPr>
+          <p:cNvPr id="3" name="Espace réservé du contenu 2">
+            <a:extLst>
+              <a:ext uri="{FF2B5EF4-FFF2-40B4-BE49-F238E27FC236}">
+                <a16:creationId xmlns:a16="http://schemas.microsoft.com/office/drawing/2014/main" id="{20E996EC-9C97-9AA7-DF94-BE6473E0B125}"/>
+              </a:ext>
+            </a:extLst>
+          </p:cNvPr>
+          <p:cNvSpPr>
+            <a:spLocks noGrp="1"/>
+          </p:cNvSpPr>
+          <p:nvPr>
+            <p:ph idx="1"/>
+          </p:nvPr>
+        </p:nvSpPr>
+        <p:spPr/>
+        <p:txBody>
+          <a:bodyPr/>
+          <a:lstStyle/>
+          <a:p>
+            <a:r>
+              <a:rPr lang="fr-BE"/>
+              <a:t>Appel à la fonction PHP </a:t>
+            </a:r>
+            <a:r>
+              <a:rPr lang="fr-BE">
+                <a:solidFill>
+                  <a:srgbClr val="996633"/>
+                </a:solidFill>
+                <a:latin typeface="Consolas" panose="020B0609020204030204" pitchFamily="49" charset="0"/>
+              </a:rPr>
+              <a:t>html_fetch_sample()</a:t>
+            </a:r>
+          </a:p>
+          <a:p>
+            <a:endParaRPr lang="fr-BE"/>
+          </a:p>
+        </p:txBody>
+      </p:sp>
+      <p:sp>
+        <p:nvSpPr>
+          <p:cNvPr id="4" name="Espace réservé de la date 3">
+            <a:extLst>
+              <a:ext uri="{FF2B5EF4-FFF2-40B4-BE49-F238E27FC236}">
+                <a16:creationId xmlns:a16="http://schemas.microsoft.com/office/drawing/2014/main" id="{CD082CFB-0F96-2BBE-ED39-8D237083F4E7}"/>
+              </a:ext>
+            </a:extLst>
+          </p:cNvPr>
+          <p:cNvSpPr>
+            <a:spLocks noGrp="1"/>
+          </p:cNvSpPr>
+          <p:nvPr>
+            <p:ph type="dt" sz="half" idx="10"/>
+          </p:nvPr>
+        </p:nvSpPr>
+        <p:spPr/>
+        <p:txBody>
+          <a:bodyPr/>
+          <a:lstStyle/>
+          <a:p>
+            <a:fld id="{50827A15-FE84-4468-BA37-282682579A39}" type="datetime1">
+              <a:rPr lang="fr-BE" smtClean="0"/>
+              <a:t>19-02-26</a:t>
+            </a:fld>
+            <a:endParaRPr lang="fr-BE"/>
+          </a:p>
+        </p:txBody>
+      </p:sp>
+      <p:sp>
+        <p:nvSpPr>
+          <p:cNvPr id="5" name="Espace réservé du numéro de diapositive 4">
+            <a:extLst>
+              <a:ext uri="{FF2B5EF4-FFF2-40B4-BE49-F238E27FC236}">
+                <a16:creationId xmlns:a16="http://schemas.microsoft.com/office/drawing/2014/main" id="{81EBF5EE-BA92-B40A-342B-85457E5297E0}"/>
+              </a:ext>
+            </a:extLst>
+          </p:cNvPr>
+          <p:cNvSpPr>
+            <a:spLocks noGrp="1"/>
+          </p:cNvSpPr>
+          <p:nvPr>
+            <p:ph type="sldNum" sz="quarter" idx="12"/>
+          </p:nvPr>
+        </p:nvSpPr>
+        <p:spPr/>
+        <p:txBody>
+          <a:bodyPr/>
+          <a:lstStyle/>
+          <a:p>
+            <a:fld id="{02C092ED-0E97-497E-99D9-BB9DD7276F53}" type="slidenum">
+              <a:rPr lang="fr-BE" smtClean="0"/>
+              <a:t>44</a:t>
+            </a:fld>
+            <a:endParaRPr lang="fr-BE"/>
+          </a:p>
+        </p:txBody>
+      </p:sp>
+    </p:spTree>
+    <p:extLst>
+      <p:ext uri="{BB962C8B-B14F-4D97-AF65-F5344CB8AC3E}">
+        <p14:creationId xmlns:p14="http://schemas.microsoft.com/office/powerpoint/2010/main" val="2769373972"/>
+      </p:ext>
+    </p:extLst>
+  </p:cSld>
+  <p:clrMapOvr>
+    <a:masterClrMapping/>
+  </p:clrMapOvr>
+  <mc:AlternateContent xmlns:mc="http://schemas.openxmlformats.org/markup-compatibility/2006">
+    <mc:Choice xmlns:p14="http://schemas.microsoft.com/office/powerpoint/2010/main" Requires="p14">
+      <p:transition spd="slow">
+        <p14:reveal/>
+      </p:transition>
+    </mc:Choice>
+    <mc:Fallback>
+      <p:transition spd="slow">
+        <p:fade/>
+      </p:transition>
+    </mc:Fallback>
+  </mc:AlternateContent>
+</p:sld>
+</file>
+
+<file path=ppt/slides/slide45.xml><?xml version="1.0" encoding="utf-8"?>
+<p:sld xmlns:a="http://schemas.openxmlformats.org/drawingml/2006/main" xmlns:r="http://schemas.openxmlformats.org/officeDocument/2006/relationships" xmlns:p="http://schemas.openxmlformats.org/presentationml/2006/main">
+  <p:cSld>
+    <p:spTree>
+      <p:nvGrpSpPr>
+        <p:cNvPr id="1" name=""/>
+        <p:cNvGrpSpPr/>
+        <p:nvPr/>
+      </p:nvGrpSpPr>
+      <p:grpSpPr>
+        <a:xfrm>
+          <a:off x="0" y="0"/>
+          <a:ext cx="0" cy="0"/>
+          <a:chOff x="0" y="0"/>
+          <a:chExt cx="0" cy="0"/>
+        </a:xfrm>
+      </p:grpSpPr>
+      <p:sp>
+        <p:nvSpPr>
+          <p:cNvPr id="2" name="Titre 1">
+            <a:extLst>
+              <a:ext uri="{FF2B5EF4-FFF2-40B4-BE49-F238E27FC236}">
+                <a16:creationId xmlns:a16="http://schemas.microsoft.com/office/drawing/2014/main" id="{906EA21C-F9ED-1447-83BB-6C6BEE43F6AA}"/>
+              </a:ext>
+            </a:extLst>
+          </p:cNvPr>
+          <p:cNvSpPr>
+            <a:spLocks noGrp="1"/>
+          </p:cNvSpPr>
+          <p:nvPr>
+            <p:ph type="title"/>
+          </p:nvPr>
+        </p:nvSpPr>
+        <p:spPr/>
+        <p:txBody>
+          <a:bodyPr/>
+          <a:lstStyle/>
+          <a:p>
+            <a:r>
+              <a:rPr lang="en-US" b="0">
+                <a:solidFill>
+                  <a:srgbClr val="996633"/>
+                </a:solidFill>
+                <a:latin typeface="Consolas" panose="020B0609020204030204" pitchFamily="49" charset="0"/>
+              </a:rPr>
+              <a:t>/app/view/template.php</a:t>
+            </a:r>
+          </a:p>
+        </p:txBody>
+      </p:sp>
+      <p:sp>
+        <p:nvSpPr>
+          <p:cNvPr id="3" name="Espace réservé du contenu 2">
+            <a:extLst>
+              <a:ext uri="{FF2B5EF4-FFF2-40B4-BE49-F238E27FC236}">
+                <a16:creationId xmlns:a16="http://schemas.microsoft.com/office/drawing/2014/main" id="{02C9EE14-A50F-B8FF-9D19-4D6C469A6EB3}"/>
+              </a:ext>
+            </a:extLst>
+          </p:cNvPr>
+          <p:cNvSpPr>
+            <a:spLocks noGrp="1"/>
+          </p:cNvSpPr>
+          <p:nvPr>
+            <p:ph idx="1"/>
+          </p:nvPr>
+        </p:nvSpPr>
+        <p:spPr/>
+        <p:txBody>
+          <a:bodyPr>
+            <a:normAutofit/>
+          </a:bodyPr>
+          <a:lstStyle/>
+          <a:p>
+            <a:r>
+              <a:rPr lang="fr-BE"/>
+              <a:t>Inclusion du script </a:t>
+            </a:r>
+            <a:r>
+              <a:rPr lang="fr-BE">
+                <a:solidFill>
+                  <a:srgbClr val="996633"/>
+                </a:solidFill>
+                <a:latin typeface="Consolas" panose="020B0609020204030204" pitchFamily="49" charset="0"/>
+              </a:rPr>
+              <a:t>counter.js</a:t>
+            </a:r>
+            <a:r>
+              <a:rPr lang="fr-BE"/>
+              <a:t> sous </a:t>
+            </a:r>
+            <a:r>
+              <a:rPr lang="fr-BE">
+                <a:solidFill>
+                  <a:srgbClr val="996633"/>
+                </a:solidFill>
+                <a:latin typeface="Consolas" panose="020B0609020204030204" pitchFamily="49" charset="0"/>
+              </a:rPr>
+              <a:t>&lt;head&gt;</a:t>
+            </a:r>
+          </a:p>
+          <a:p>
+            <a:r>
+              <a:rPr lang="fr-BE" sz="3200">
+                <a:solidFill>
+                  <a:srgbClr val="996633"/>
+                </a:solidFill>
+                <a:latin typeface="Consolas" panose="020B0609020204030204" pitchFamily="49" charset="0"/>
+              </a:rPr>
+              <a:t>&lt;head&gt;</a:t>
+            </a:r>
+            <a:br>
+              <a:rPr lang="fr-BE" sz="3200">
+                <a:solidFill>
+                  <a:srgbClr val="996633"/>
+                </a:solidFill>
+                <a:latin typeface="Consolas" panose="020B0609020204030204" pitchFamily="49" charset="0"/>
+              </a:rPr>
+            </a:br>
+            <a:r>
+              <a:rPr lang="fr-BE" sz="3200">
+                <a:solidFill>
+                  <a:srgbClr val="996633"/>
+                </a:solidFill>
+                <a:latin typeface="Consolas" panose="020B0609020204030204" pitchFamily="49" charset="0"/>
+              </a:rPr>
+              <a:t>    …</a:t>
+            </a:r>
+            <a:br>
+              <a:rPr lang="fr-BE" sz="3200">
+                <a:solidFill>
+                  <a:srgbClr val="996633"/>
+                </a:solidFill>
+                <a:latin typeface="Consolas" panose="020B0609020204030204" pitchFamily="49" charset="0"/>
+              </a:rPr>
+            </a:br>
+            <a:r>
+              <a:rPr lang="fr-BE" sz="3200">
+                <a:solidFill>
+                  <a:srgbClr val="996633"/>
+                </a:solidFill>
+                <a:latin typeface="Consolas" panose="020B0609020204030204" pitchFamily="49" charset="0"/>
+              </a:rPr>
+              <a:t>    &lt;script src="./js/internal/counter.js"&gt;…</a:t>
+            </a:r>
+            <a:br>
+              <a:rPr lang="fr-BE" sz="3200">
+                <a:solidFill>
+                  <a:srgbClr val="996633"/>
+                </a:solidFill>
+                <a:latin typeface="Consolas" panose="020B0609020204030204" pitchFamily="49" charset="0"/>
+              </a:rPr>
+            </a:br>
+            <a:r>
+              <a:rPr lang="fr-BE" sz="3200">
+                <a:solidFill>
+                  <a:srgbClr val="996633"/>
+                </a:solidFill>
+                <a:latin typeface="Consolas" panose="020B0609020204030204" pitchFamily="49" charset="0"/>
+              </a:rPr>
+              <a:t>&lt;/head&gt;</a:t>
+            </a:r>
+            <a:br>
+              <a:rPr lang="fr-BE">
+                <a:solidFill>
+                  <a:srgbClr val="996633"/>
+                </a:solidFill>
+                <a:latin typeface="Consolas" panose="020B0609020204030204" pitchFamily="49" charset="0"/>
+              </a:rPr>
+            </a:br>
+            <a:endParaRPr lang="fr-BE">
+              <a:solidFill>
+                <a:srgbClr val="996633"/>
+              </a:solidFill>
+              <a:latin typeface="Consolas" panose="020B0609020204030204" pitchFamily="49" charset="0"/>
+            </a:endParaRPr>
+          </a:p>
+          <a:p>
+            <a:endParaRPr lang="fr-BE"/>
+          </a:p>
+        </p:txBody>
+      </p:sp>
+      <p:sp>
+        <p:nvSpPr>
+          <p:cNvPr id="4" name="Espace réservé de la date 3">
+            <a:extLst>
+              <a:ext uri="{FF2B5EF4-FFF2-40B4-BE49-F238E27FC236}">
+                <a16:creationId xmlns:a16="http://schemas.microsoft.com/office/drawing/2014/main" id="{B6C944B1-746A-D2E0-0655-ACAABE5D2766}"/>
+              </a:ext>
+            </a:extLst>
+          </p:cNvPr>
+          <p:cNvSpPr>
+            <a:spLocks noGrp="1"/>
+          </p:cNvSpPr>
+          <p:nvPr>
+            <p:ph type="dt" sz="half" idx="10"/>
+          </p:nvPr>
+        </p:nvSpPr>
+        <p:spPr/>
+        <p:txBody>
+          <a:bodyPr/>
+          <a:lstStyle/>
+          <a:p>
+            <a:fld id="{50827A15-FE84-4468-BA37-282682579A39}" type="datetime1">
+              <a:rPr lang="fr-BE" smtClean="0"/>
+              <a:t>19-02-26</a:t>
+            </a:fld>
+            <a:endParaRPr lang="fr-BE"/>
+          </a:p>
+        </p:txBody>
+      </p:sp>
+      <p:sp>
+        <p:nvSpPr>
+          <p:cNvPr id="5" name="Espace réservé du numéro de diapositive 4">
+            <a:extLst>
+              <a:ext uri="{FF2B5EF4-FFF2-40B4-BE49-F238E27FC236}">
+                <a16:creationId xmlns:a16="http://schemas.microsoft.com/office/drawing/2014/main" id="{589A3468-182F-597E-E4CF-579677AF896A}"/>
+              </a:ext>
+            </a:extLst>
+          </p:cNvPr>
+          <p:cNvSpPr>
+            <a:spLocks noGrp="1"/>
+          </p:cNvSpPr>
+          <p:nvPr>
+            <p:ph type="sldNum" sz="quarter" idx="12"/>
+          </p:nvPr>
+        </p:nvSpPr>
+        <p:spPr/>
+        <p:txBody>
+          <a:bodyPr/>
+          <a:lstStyle/>
+          <a:p>
+            <a:fld id="{02C092ED-0E97-497E-99D9-BB9DD7276F53}" type="slidenum">
+              <a:rPr lang="fr-BE" smtClean="0"/>
+              <a:t>45</a:t>
+            </a:fld>
+            <a:endParaRPr lang="fr-BE"/>
+          </a:p>
+        </p:txBody>
+      </p:sp>
+    </p:spTree>
+    <p:extLst>
+      <p:ext uri="{BB962C8B-B14F-4D97-AF65-F5344CB8AC3E}">
+        <p14:creationId xmlns:p14="http://schemas.microsoft.com/office/powerpoint/2010/main" val="1012161957"/>
+      </p:ext>
+    </p:extLst>
+  </p:cSld>
+  <p:clrMapOvr>
+    <a:masterClrMapping/>
+  </p:clrMapOvr>
+  <mc:AlternateContent xmlns:mc="http://schemas.openxmlformats.org/markup-compatibility/2006" xmlns:p14="http://schemas.microsoft.com/office/powerpoint/2010/main">
+    <mc:Choice Requires="p14">
+      <p:transition spd="slow">
+        <p14:reveal/>
+      </p:transition>
+    </mc:Choice>
+    <mc:Fallback xmlns="">
+      <p:transition spd="slow">
+        <p:fade/>
+      </p:transition>
+    </mc:Fallback>
+  </mc:AlternateContent>
+</p:sld>
+</file>
+
+<file path=ppt/slides/slide46.xml><?xml version="1.0" encoding="utf-8"?>
+<p:sld xmlns:a="http://schemas.openxmlformats.org/drawingml/2006/main" xmlns:r="http://schemas.openxmlformats.org/officeDocument/2006/relationships" xmlns:p="http://schemas.openxmlformats.org/presentationml/2006/main">
+  <p:cSld>
+    <p:spTree>
+      <p:nvGrpSpPr>
+        <p:cNvPr id="1" name=""/>
+        <p:cNvGrpSpPr/>
+        <p:nvPr/>
+      </p:nvGrpSpPr>
+      <p:grpSpPr>
+        <a:xfrm>
+          <a:off x="0" y="0"/>
+          <a:ext cx="0" cy="0"/>
+          <a:chOff x="0" y="0"/>
+          <a:chExt cx="0" cy="0"/>
+        </a:xfrm>
+      </p:grpSpPr>
+      <p:sp>
+        <p:nvSpPr>
+          <p:cNvPr id="2" name="Titre 1">
+            <a:extLst>
+              <a:ext uri="{FF2B5EF4-FFF2-40B4-BE49-F238E27FC236}">
+                <a16:creationId xmlns:a16="http://schemas.microsoft.com/office/drawing/2014/main" id="{A72ACF26-8DA0-9202-7817-9988EC8C393B}"/>
+              </a:ext>
+            </a:extLst>
+          </p:cNvPr>
+          <p:cNvSpPr>
+            <a:spLocks noGrp="1"/>
+          </p:cNvSpPr>
+          <p:nvPr>
+            <p:ph type="title"/>
+          </p:nvPr>
+        </p:nvSpPr>
+        <p:spPr/>
+        <p:txBody>
+          <a:bodyPr/>
+          <a:lstStyle/>
+          <a:p>
+            <a:r>
+              <a:rPr lang="en-US" b="0">
+                <a:solidFill>
+                  <a:srgbClr val="996633"/>
+                </a:solidFill>
+                <a:latin typeface="Consolas" panose="020B0609020204030204" pitchFamily="49" charset="0"/>
+              </a:rPr>
+              <a:t>/app/view/home.php</a:t>
+            </a:r>
+            <a:endParaRPr lang="fr-BE" b="0">
+              <a:solidFill>
+                <a:srgbClr val="996633"/>
+              </a:solidFill>
+              <a:latin typeface="Consolas" panose="020B0609020204030204" pitchFamily="49" charset="0"/>
+            </a:endParaRPr>
+          </a:p>
+        </p:txBody>
+      </p:sp>
+      <p:sp>
+        <p:nvSpPr>
+          <p:cNvPr id="3" name="Espace réservé du contenu 2">
+            <a:extLst>
+              <a:ext uri="{FF2B5EF4-FFF2-40B4-BE49-F238E27FC236}">
+                <a16:creationId xmlns:a16="http://schemas.microsoft.com/office/drawing/2014/main" id="{C39B9EBE-2ABC-1762-4C9C-264D1848FDF0}"/>
+              </a:ext>
+            </a:extLst>
+          </p:cNvPr>
+          <p:cNvSpPr>
+            <a:spLocks noGrp="1"/>
+          </p:cNvSpPr>
+          <p:nvPr>
+            <p:ph idx="1"/>
+          </p:nvPr>
+        </p:nvSpPr>
+        <p:spPr/>
+        <p:txBody>
+          <a:bodyPr/>
+          <a:lstStyle/>
+          <a:p>
+            <a:r>
+              <a:rPr lang="fr-BE"/>
+              <a:t>Déclaration de </a:t>
+            </a:r>
+            <a:r>
+              <a:rPr lang="fr-BE">
+                <a:solidFill>
+                  <a:srgbClr val="996633"/>
+                </a:solidFill>
+                <a:latin typeface="Consolas" panose="020B0609020204030204" pitchFamily="49" charset="0"/>
+              </a:rPr>
+              <a:t>html_fetch_sample()</a:t>
+            </a:r>
+          </a:p>
+          <a:p>
+            <a:pPr lvl="1"/>
+            <a:r>
+              <a:rPr lang="fr-BE">
+                <a:solidFill>
+                  <a:srgbClr val="996633"/>
+                </a:solidFill>
+                <a:latin typeface="Consolas" panose="020B0609020204030204" pitchFamily="49" charset="0"/>
+              </a:rPr>
+              <a:t>button, id="b_compteur"</a:t>
+            </a:r>
+          </a:p>
+          <a:p>
+            <a:pPr lvl="1"/>
+            <a:r>
+              <a:rPr lang="fr-BE">
+                <a:solidFill>
+                  <a:srgbClr val="996633"/>
+                </a:solidFill>
+                <a:latin typeface="Consolas" panose="020B0609020204030204" pitchFamily="49" charset="0"/>
+              </a:rPr>
+              <a:t>span, id="compteur"</a:t>
+            </a:r>
+          </a:p>
+          <a:p>
+            <a:pPr lvl="1"/>
+            <a:endParaRPr lang="fr-BE"/>
+          </a:p>
+        </p:txBody>
+      </p:sp>
+      <p:sp>
+        <p:nvSpPr>
+          <p:cNvPr id="4" name="Espace réservé de la date 3">
+            <a:extLst>
+              <a:ext uri="{FF2B5EF4-FFF2-40B4-BE49-F238E27FC236}">
+                <a16:creationId xmlns:a16="http://schemas.microsoft.com/office/drawing/2014/main" id="{D51F1137-B8CF-A32D-048D-A8AF6232CC17}"/>
+              </a:ext>
+            </a:extLst>
+          </p:cNvPr>
+          <p:cNvSpPr>
+            <a:spLocks noGrp="1"/>
+          </p:cNvSpPr>
+          <p:nvPr>
+            <p:ph type="dt" sz="half" idx="10"/>
+          </p:nvPr>
+        </p:nvSpPr>
+        <p:spPr/>
+        <p:txBody>
+          <a:bodyPr/>
+          <a:lstStyle/>
+          <a:p>
+            <a:fld id="{A122A0FB-B2F5-4CDD-B3CD-9FB3D075AA52}" type="datetime1">
+              <a:rPr lang="fr-BE" smtClean="0"/>
+              <a:t>19-02-26</a:t>
+            </a:fld>
+            <a:endParaRPr lang="fr-BE"/>
+          </a:p>
+        </p:txBody>
+      </p:sp>
+      <p:sp>
+        <p:nvSpPr>
+          <p:cNvPr id="5" name="Espace réservé du numéro de diapositive 4">
+            <a:extLst>
+              <a:ext uri="{FF2B5EF4-FFF2-40B4-BE49-F238E27FC236}">
+                <a16:creationId xmlns:a16="http://schemas.microsoft.com/office/drawing/2014/main" id="{E6889981-8764-8AAE-6470-4D251789B2CF}"/>
+              </a:ext>
+            </a:extLst>
+          </p:cNvPr>
+          <p:cNvSpPr>
+            <a:spLocks noGrp="1"/>
+          </p:cNvSpPr>
+          <p:nvPr>
+            <p:ph type="sldNum" sz="quarter" idx="12"/>
+          </p:nvPr>
+        </p:nvSpPr>
+        <p:spPr/>
+        <p:txBody>
+          <a:bodyPr/>
+          <a:lstStyle/>
+          <a:p>
+            <a:fld id="{02C092ED-0E97-497E-99D9-BB9DD7276F53}" type="slidenum">
+              <a:rPr lang="fr-BE" smtClean="0"/>
+              <a:t>46</a:t>
+            </a:fld>
+            <a:endParaRPr lang="fr-BE"/>
+          </a:p>
+        </p:txBody>
+      </p:sp>
+    </p:spTree>
+    <p:extLst>
+      <p:ext uri="{BB962C8B-B14F-4D97-AF65-F5344CB8AC3E}">
+        <p14:creationId xmlns:p14="http://schemas.microsoft.com/office/powerpoint/2010/main" val="1445958329"/>
+      </p:ext>
+    </p:extLst>
+  </p:cSld>
+  <p:clrMapOvr>
+    <a:masterClrMapping/>
+  </p:clrMapOvr>
+  <mc:AlternateContent xmlns:mc="http://schemas.openxmlformats.org/markup-compatibility/2006" xmlns:p14="http://schemas.microsoft.com/office/powerpoint/2010/main">
+    <mc:Choice Requires="p14">
+      <p:transition spd="slow">
+        <p14:reveal/>
+      </p:transition>
+    </mc:Choice>
+    <mc:Fallback xmlns="">
+      <p:transition spd="slow">
+        <p:fade/>
+      </p:transition>
+    </mc:Fallback>
+  </mc:AlternateContent>
+</p:sld>
+</file>
+
+<file path=ppt/slides/slide47.xml><?xml version="1.0" encoding="utf-8"?>
+<p:sld xmlns:a="http://schemas.openxmlformats.org/drawingml/2006/main" xmlns:r="http://schemas.openxmlformats.org/officeDocument/2006/relationships" xmlns:p="http://schemas.openxmlformats.org/presentationml/2006/main">
+  <p:cSld>
+    <p:spTree>
+      <p:nvGrpSpPr>
+        <p:cNvPr id="1" name="">
+          <a:extLst>
+            <a:ext uri="{FF2B5EF4-FFF2-40B4-BE49-F238E27FC236}">
+              <a16:creationId xmlns:a16="http://schemas.microsoft.com/office/drawing/2014/main" id="{2E3C016D-8BAE-6F4F-3457-B5BB5EF35F11}"/>
+            </a:ext>
+          </a:extLst>
+        </p:cNvPr>
+        <p:cNvGrpSpPr/>
+        <p:nvPr/>
+      </p:nvGrpSpPr>
+      <p:grpSpPr>
+        <a:xfrm>
+          <a:off x="0" y="0"/>
+          <a:ext cx="0" cy="0"/>
+          <a:chOff x="0" y="0"/>
+          <a:chExt cx="0" cy="0"/>
+        </a:xfrm>
+      </p:grpSpPr>
+      <p:sp>
+        <p:nvSpPr>
+          <p:cNvPr id="2" name="Titre 1">
+            <a:extLst>
+              <a:ext uri="{FF2B5EF4-FFF2-40B4-BE49-F238E27FC236}">
+                <a16:creationId xmlns:a16="http://schemas.microsoft.com/office/drawing/2014/main" id="{371165AE-4F72-3A82-C78F-AB55D070EE7A}"/>
+              </a:ext>
+            </a:extLst>
+          </p:cNvPr>
+          <p:cNvSpPr>
+            <a:spLocks noGrp="1"/>
+          </p:cNvSpPr>
+          <p:nvPr>
+            <p:ph type="title"/>
+          </p:nvPr>
+        </p:nvSpPr>
+        <p:spPr/>
+        <p:txBody>
+          <a:bodyPr/>
+          <a:lstStyle/>
+          <a:p>
+            <a:r>
+              <a:rPr lang="en-US" b="0">
+                <a:solidFill>
+                  <a:srgbClr val="996633"/>
+                </a:solidFill>
+                <a:latin typeface="Consolas" panose="020B0609020204030204" pitchFamily="49" charset="0"/>
+              </a:rPr>
+              <a:t>/public/js/internal/counter.js</a:t>
+            </a:r>
+          </a:p>
+        </p:txBody>
+      </p:sp>
+      <p:sp>
+        <p:nvSpPr>
+          <p:cNvPr id="3" name="Espace réservé du contenu 2">
+            <a:extLst>
+              <a:ext uri="{FF2B5EF4-FFF2-40B4-BE49-F238E27FC236}">
+                <a16:creationId xmlns:a16="http://schemas.microsoft.com/office/drawing/2014/main" id="{E932E900-7836-F408-8FD4-8CF8A8F9C871}"/>
+              </a:ext>
+            </a:extLst>
+          </p:cNvPr>
+          <p:cNvSpPr>
+            <a:spLocks noGrp="1"/>
+          </p:cNvSpPr>
+          <p:nvPr>
+            <p:ph idx="1"/>
+          </p:nvPr>
+        </p:nvSpPr>
+        <p:spPr/>
+        <p:txBody>
+          <a:bodyPr>
+            <a:normAutofit/>
+          </a:bodyPr>
+          <a:lstStyle/>
+          <a:p>
+            <a:r>
+              <a:rPr lang="fr-BE"/>
+              <a:t>Définition des évènements sur le bouton </a:t>
+            </a:r>
+            <a:r>
+              <a:rPr lang="fr-BE">
+                <a:solidFill>
+                  <a:srgbClr val="996633"/>
+                </a:solidFill>
+                <a:latin typeface="Consolas" panose="020B0609020204030204" pitchFamily="49" charset="0"/>
+              </a:rPr>
+              <a:t>b_compteur</a:t>
+            </a:r>
+          </a:p>
+          <a:p>
+            <a:pPr lvl="1"/>
+            <a:r>
+              <a:rPr lang="fr-BE"/>
+              <a:t>click</a:t>
+            </a:r>
+          </a:p>
+          <a:p>
+            <a:pPr lvl="1"/>
+            <a:r>
+              <a:rPr lang="fr-BE"/>
+              <a:t>callback : </a:t>
+            </a:r>
+            <a:r>
+              <a:rPr lang="fr-BE">
+                <a:solidFill>
+                  <a:srgbClr val="996633"/>
+                </a:solidFill>
+                <a:latin typeface="Consolas" panose="020B0609020204030204" pitchFamily="49" charset="0"/>
+              </a:rPr>
+              <a:t>getset_counter("increment")</a:t>
+            </a:r>
+          </a:p>
+          <a:p>
+            <a:r>
+              <a:rPr lang="fr-BE"/>
+              <a:t>Initialisation du compteur (chargement de la page)</a:t>
+            </a:r>
+          </a:p>
+          <a:p>
+            <a:pPr lvl="1"/>
+            <a:r>
+              <a:rPr lang="fr-BE"/>
+              <a:t>appel à </a:t>
+            </a:r>
+            <a:r>
+              <a:rPr lang="fr-BE">
+                <a:solidFill>
+                  <a:srgbClr val="996633"/>
+                </a:solidFill>
+                <a:latin typeface="Consolas" panose="020B0609020204030204" pitchFamily="49" charset="0"/>
+              </a:rPr>
+              <a:t>getset_counter("get");</a:t>
+            </a:r>
+          </a:p>
+          <a:p>
+            <a:endParaRPr lang="fr-BE"/>
+          </a:p>
+          <a:p>
+            <a:endParaRPr lang="fr-BE"/>
+          </a:p>
+        </p:txBody>
+      </p:sp>
+      <p:sp>
+        <p:nvSpPr>
+          <p:cNvPr id="4" name="Espace réservé de la date 3">
+            <a:extLst>
+              <a:ext uri="{FF2B5EF4-FFF2-40B4-BE49-F238E27FC236}">
+                <a16:creationId xmlns:a16="http://schemas.microsoft.com/office/drawing/2014/main" id="{2EFF85E2-0CCD-4C21-F799-876FC23A4AED}"/>
+              </a:ext>
+            </a:extLst>
+          </p:cNvPr>
+          <p:cNvSpPr>
+            <a:spLocks noGrp="1"/>
+          </p:cNvSpPr>
+          <p:nvPr>
+            <p:ph type="dt" sz="half" idx="10"/>
+          </p:nvPr>
+        </p:nvSpPr>
+        <p:spPr/>
+        <p:txBody>
+          <a:bodyPr/>
+          <a:lstStyle/>
+          <a:p>
+            <a:fld id="{A122A0FB-B2F5-4CDD-B3CD-9FB3D075AA52}" type="datetime1">
+              <a:rPr lang="fr-BE" smtClean="0"/>
+              <a:t>19-02-26</a:t>
+            </a:fld>
+            <a:endParaRPr lang="fr-BE"/>
+          </a:p>
+        </p:txBody>
+      </p:sp>
+      <p:sp>
+        <p:nvSpPr>
+          <p:cNvPr id="5" name="Espace réservé du numéro de diapositive 4">
+            <a:extLst>
+              <a:ext uri="{FF2B5EF4-FFF2-40B4-BE49-F238E27FC236}">
+                <a16:creationId xmlns:a16="http://schemas.microsoft.com/office/drawing/2014/main" id="{B4C00060-C998-ACA5-068A-D82B34F08B08}"/>
+              </a:ext>
+            </a:extLst>
+          </p:cNvPr>
+          <p:cNvSpPr>
+            <a:spLocks noGrp="1"/>
+          </p:cNvSpPr>
+          <p:nvPr>
+            <p:ph type="sldNum" sz="quarter" idx="12"/>
+          </p:nvPr>
+        </p:nvSpPr>
+        <p:spPr/>
+        <p:txBody>
+          <a:bodyPr/>
+          <a:lstStyle/>
+          <a:p>
+            <a:fld id="{02C092ED-0E97-497E-99D9-BB9DD7276F53}" type="slidenum">
+              <a:rPr lang="fr-BE" smtClean="0"/>
+              <a:t>47</a:t>
+            </a:fld>
+            <a:endParaRPr lang="fr-BE"/>
+          </a:p>
+        </p:txBody>
+      </p:sp>
+    </p:spTree>
+    <p:extLst>
+      <p:ext uri="{BB962C8B-B14F-4D97-AF65-F5344CB8AC3E}">
+        <p14:creationId xmlns:p14="http://schemas.microsoft.com/office/powerpoint/2010/main" val="134501863"/>
+      </p:ext>
+    </p:extLst>
+  </p:cSld>
+  <p:clrMapOvr>
+    <a:masterClrMapping/>
+  </p:clrMapOvr>
+  <mc:AlternateContent xmlns:mc="http://schemas.openxmlformats.org/markup-compatibility/2006">
+    <mc:Choice xmlns:p14="http://schemas.microsoft.com/office/powerpoint/2010/main" Requires="p14">
+      <p:transition spd="slow">
+        <p14:reveal/>
+      </p:transition>
+    </mc:Choice>
+    <mc:Fallback>
+      <p:transition spd="slow">
+        <p:fade/>
+      </p:transition>
+    </mc:Fallback>
+  </mc:AlternateContent>
+</p:sld>
+</file>
+
+<file path=ppt/slides/slide48.xml><?xml version="1.0" encoding="utf-8"?>
+<p:sld xmlns:a="http://schemas.openxmlformats.org/drawingml/2006/main" xmlns:r="http://schemas.openxmlformats.org/officeDocument/2006/relationships" xmlns:p="http://schemas.openxmlformats.org/presentationml/2006/main">
+  <p:cSld>
+    <p:spTree>
+      <p:nvGrpSpPr>
+        <p:cNvPr id="1" name="">
+          <a:extLst>
+            <a:ext uri="{FF2B5EF4-FFF2-40B4-BE49-F238E27FC236}">
+              <a16:creationId xmlns:a16="http://schemas.microsoft.com/office/drawing/2014/main" id="{D7E703C5-0047-2712-BD90-262D9E54711B}"/>
+            </a:ext>
+          </a:extLst>
+        </p:cNvPr>
+        <p:cNvGrpSpPr/>
+        <p:nvPr/>
+      </p:nvGrpSpPr>
+      <p:grpSpPr>
+        <a:xfrm>
+          <a:off x="0" y="0"/>
+          <a:ext cx="0" cy="0"/>
+          <a:chOff x="0" y="0"/>
+          <a:chExt cx="0" cy="0"/>
+        </a:xfrm>
+      </p:grpSpPr>
+      <p:sp>
+        <p:nvSpPr>
+          <p:cNvPr id="2" name="Titre 1">
+            <a:extLst>
+              <a:ext uri="{FF2B5EF4-FFF2-40B4-BE49-F238E27FC236}">
+                <a16:creationId xmlns:a16="http://schemas.microsoft.com/office/drawing/2014/main" id="{3BA6C1AA-ED32-DD12-0D9E-3511D26D1D36}"/>
+              </a:ext>
+            </a:extLst>
+          </p:cNvPr>
+          <p:cNvSpPr>
+            <a:spLocks noGrp="1"/>
+          </p:cNvSpPr>
+          <p:nvPr>
+            <p:ph type="title"/>
+          </p:nvPr>
+        </p:nvSpPr>
+        <p:spPr/>
+        <p:txBody>
+          <a:bodyPr/>
+          <a:lstStyle/>
+          <a:p>
+            <a:r>
+              <a:rPr lang="en-US" b="0">
+                <a:solidFill>
+                  <a:srgbClr val="996633"/>
+                </a:solidFill>
+                <a:latin typeface="Consolas" panose="020B0609020204030204" pitchFamily="49" charset="0"/>
+              </a:rPr>
+              <a:t>/public/js/internal/counter.js</a:t>
+            </a:r>
+          </a:p>
+        </p:txBody>
+      </p:sp>
+      <p:sp>
+        <p:nvSpPr>
+          <p:cNvPr id="3" name="Espace réservé du contenu 2">
+            <a:extLst>
+              <a:ext uri="{FF2B5EF4-FFF2-40B4-BE49-F238E27FC236}">
+                <a16:creationId xmlns:a16="http://schemas.microsoft.com/office/drawing/2014/main" id="{D3FC5672-56B2-3C3F-2CFF-2458EC8169F5}"/>
+              </a:ext>
+            </a:extLst>
+          </p:cNvPr>
+          <p:cNvSpPr>
+            <a:spLocks noGrp="1"/>
+          </p:cNvSpPr>
+          <p:nvPr>
+            <p:ph idx="1"/>
+          </p:nvPr>
+        </p:nvSpPr>
+        <p:spPr>
+          <a:xfrm>
+            <a:off x="838200" y="1690689"/>
+            <a:ext cx="10515600" cy="5030786"/>
+          </a:xfrm>
+        </p:spPr>
+        <p:txBody>
+          <a:bodyPr>
+            <a:normAutofit fontScale="92500" lnSpcReduction="10000"/>
+          </a:bodyPr>
+          <a:lstStyle/>
+          <a:p>
+            <a:r>
+              <a:rPr lang="fr-BE"/>
+              <a:t>Déclaration de la fonction JS </a:t>
+            </a:r>
+            <a:r>
+              <a:rPr lang="fr-BE">
+                <a:solidFill>
+                  <a:srgbClr val="996633"/>
+                </a:solidFill>
+                <a:latin typeface="Consolas" panose="020B0609020204030204" pitchFamily="49" charset="0"/>
+              </a:rPr>
+              <a:t>getset_counter(action)</a:t>
+            </a:r>
+          </a:p>
+          <a:p>
+            <a:pPr lvl="1"/>
+            <a:r>
+              <a:rPr lang="fr-BE">
+                <a:solidFill>
+                  <a:srgbClr val="996633"/>
+                </a:solidFill>
+                <a:latin typeface="Consolas" panose="020B0609020204030204" pitchFamily="49" charset="0"/>
+              </a:rPr>
+              <a:t>param </a:t>
+            </a:r>
+          </a:p>
+          <a:p>
+            <a:pPr lvl="2"/>
+            <a:r>
+              <a:rPr lang="fr-BE"/>
+              <a:t>contient e.a. : </a:t>
+            </a:r>
+            <a:r>
+              <a:rPr lang="fr-BE">
+                <a:solidFill>
+                  <a:srgbClr val="996633"/>
+                </a:solidFill>
+                <a:latin typeface="Consolas" panose="020B0609020204030204" pitchFamily="49" charset="0"/>
+              </a:rPr>
+              <a:t>{</a:t>
+            </a:r>
+            <a:br>
+              <a:rPr lang="fr-BE">
+                <a:solidFill>
+                  <a:srgbClr val="996633"/>
+                </a:solidFill>
+                <a:latin typeface="Consolas" panose="020B0609020204030204" pitchFamily="49" charset="0"/>
+              </a:rPr>
+            </a:br>
+            <a:r>
+              <a:rPr lang="fr-BE">
+                <a:solidFill>
+                  <a:srgbClr val="996633"/>
+                </a:solidFill>
+                <a:latin typeface="Consolas" panose="020B0609020204030204" pitchFamily="49" charset="0"/>
+              </a:rPr>
+              <a:t>    header : "application/json",</a:t>
+            </a:r>
+            <a:br>
+              <a:rPr lang="fr-BE">
+                <a:solidFill>
+                  <a:srgbClr val="996633"/>
+                </a:solidFill>
+                <a:latin typeface="Consolas" panose="020B0609020204030204" pitchFamily="49" charset="0"/>
+              </a:rPr>
+            </a:br>
+            <a:r>
+              <a:rPr lang="fr-BE">
+                <a:solidFill>
+                  <a:srgbClr val="996633"/>
+                </a:solidFill>
+                <a:latin typeface="Consolas" panose="020B0609020204030204" pitchFamily="49" charset="0"/>
+              </a:rPr>
+              <a:t>    page : "counter_fetch",</a:t>
+            </a:r>
+            <a:br>
+              <a:rPr lang="fr-BE">
+                <a:solidFill>
+                  <a:srgbClr val="996633"/>
+                </a:solidFill>
+                <a:latin typeface="Consolas" panose="020B0609020204030204" pitchFamily="49" charset="0"/>
+              </a:rPr>
+            </a:br>
+            <a:r>
+              <a:rPr lang="fr-BE">
+                <a:solidFill>
+                  <a:srgbClr val="996633"/>
+                </a:solidFill>
+                <a:latin typeface="Consolas" panose="020B0609020204030204" pitchFamily="49" charset="0"/>
+              </a:rPr>
+              <a:t>}</a:t>
+            </a:r>
+          </a:p>
+          <a:p>
+            <a:pPr lvl="2"/>
+            <a:r>
+              <a:rPr lang="fr-BE"/>
+              <a:t>aiguillage de la requête sur le serveur </a:t>
+            </a:r>
+          </a:p>
+          <a:p>
+            <a:pPr lvl="1"/>
+            <a:r>
+              <a:rPr lang="fr-BE">
+                <a:solidFill>
+                  <a:srgbClr val="996633"/>
+                </a:solidFill>
+                <a:latin typeface="Consolas" panose="020B0609020204030204" pitchFamily="49" charset="0"/>
+              </a:rPr>
+              <a:t>fetch</a:t>
+            </a:r>
+          </a:p>
+          <a:p>
+            <a:pPr lvl="2"/>
+            <a:r>
+              <a:rPr lang="fr-BE"/>
+              <a:t>URL : </a:t>
+            </a:r>
+            <a:r>
+              <a:rPr lang="fr-BE">
+                <a:solidFill>
+                  <a:srgbClr val="996633"/>
+                </a:solidFill>
+                <a:latin typeface="Consolas" panose="020B0609020204030204" pitchFamily="49" charset="0"/>
+              </a:rPr>
+              <a:t>window.location.pathname</a:t>
+            </a:r>
+            <a:r>
+              <a:rPr lang="fr-BE"/>
+              <a:t>, càd le path courant</a:t>
+            </a:r>
+          </a:p>
+          <a:p>
+            <a:pPr lvl="2"/>
+            <a:r>
+              <a:rPr lang="fr-BE"/>
+              <a:t>envoie </a:t>
+            </a:r>
+            <a:r>
+              <a:rPr lang="fr-BE">
+                <a:solidFill>
+                  <a:srgbClr val="996633"/>
+                </a:solidFill>
+                <a:latin typeface="Consolas" panose="020B0609020204030204" pitchFamily="49" charset="0"/>
+              </a:rPr>
+              <a:t>param</a:t>
+            </a:r>
+          </a:p>
+          <a:p>
+            <a:pPr lvl="2"/>
+            <a:r>
+              <a:rPr lang="fr-BE"/>
+              <a:t>reçoit du </a:t>
+            </a:r>
+            <a:r>
+              <a:rPr lang="fr-BE">
+                <a:solidFill>
+                  <a:srgbClr val="996633"/>
+                </a:solidFill>
+                <a:latin typeface="Consolas" panose="020B0609020204030204" pitchFamily="49" charset="0"/>
+              </a:rPr>
+              <a:t>JSON</a:t>
+            </a:r>
+            <a:r>
+              <a:rPr lang="fr-BE"/>
+              <a:t> en retour</a:t>
+            </a:r>
+          </a:p>
+          <a:p>
+            <a:pPr lvl="2"/>
+            <a:r>
+              <a:rPr lang="fr-BE"/>
+              <a:t>valide le </a:t>
+            </a:r>
+            <a:r>
+              <a:rPr lang="fr-BE">
+                <a:solidFill>
+                  <a:srgbClr val="996633"/>
+                </a:solidFill>
+                <a:latin typeface="Consolas" panose="020B0609020204030204" pitchFamily="49" charset="0"/>
+              </a:rPr>
+              <a:t>JSON</a:t>
+            </a:r>
+          </a:p>
+          <a:p>
+            <a:pPr lvl="2"/>
+            <a:r>
+              <a:rPr lang="fr-BE"/>
+              <a:t>traite le </a:t>
+            </a:r>
+            <a:r>
+              <a:rPr lang="fr-BE">
+                <a:solidFill>
+                  <a:srgbClr val="996633"/>
+                </a:solidFill>
+                <a:latin typeface="Consolas" panose="020B0609020204030204" pitchFamily="49" charset="0"/>
+              </a:rPr>
+              <a:t>JSON</a:t>
+            </a:r>
+            <a:r>
+              <a:rPr lang="fr-BE"/>
+              <a:t> : affichage de la nouvelle valeur du compteur</a:t>
+            </a:r>
+          </a:p>
+          <a:p>
+            <a:endParaRPr lang="fr-BE"/>
+          </a:p>
+          <a:p>
+            <a:endParaRPr lang="fr-BE"/>
+          </a:p>
+        </p:txBody>
+      </p:sp>
+      <p:sp>
+        <p:nvSpPr>
+          <p:cNvPr id="4" name="Espace réservé de la date 3">
+            <a:extLst>
+              <a:ext uri="{FF2B5EF4-FFF2-40B4-BE49-F238E27FC236}">
+                <a16:creationId xmlns:a16="http://schemas.microsoft.com/office/drawing/2014/main" id="{B0542EAF-0EE2-3600-1CAB-139ECCE4201E}"/>
+              </a:ext>
+            </a:extLst>
+          </p:cNvPr>
+          <p:cNvSpPr>
+            <a:spLocks noGrp="1"/>
+          </p:cNvSpPr>
+          <p:nvPr>
+            <p:ph type="dt" sz="half" idx="10"/>
+          </p:nvPr>
+        </p:nvSpPr>
+        <p:spPr/>
+        <p:txBody>
+          <a:bodyPr/>
+          <a:lstStyle/>
+          <a:p>
+            <a:fld id="{A122A0FB-B2F5-4CDD-B3CD-9FB3D075AA52}" type="datetime1">
+              <a:rPr lang="fr-BE" smtClean="0"/>
+              <a:t>19-02-26</a:t>
+            </a:fld>
+            <a:endParaRPr lang="fr-BE"/>
+          </a:p>
+        </p:txBody>
+      </p:sp>
+      <p:sp>
+        <p:nvSpPr>
+          <p:cNvPr id="5" name="Espace réservé du numéro de diapositive 4">
+            <a:extLst>
+              <a:ext uri="{FF2B5EF4-FFF2-40B4-BE49-F238E27FC236}">
+                <a16:creationId xmlns:a16="http://schemas.microsoft.com/office/drawing/2014/main" id="{CC553969-90DF-0DAC-6B28-C08F4C0B7A49}"/>
+              </a:ext>
+            </a:extLst>
+          </p:cNvPr>
+          <p:cNvSpPr>
+            <a:spLocks noGrp="1"/>
+          </p:cNvSpPr>
+          <p:nvPr>
+            <p:ph type="sldNum" sz="quarter" idx="12"/>
+          </p:nvPr>
+        </p:nvSpPr>
+        <p:spPr/>
+        <p:txBody>
+          <a:bodyPr/>
+          <a:lstStyle/>
+          <a:p>
+            <a:fld id="{02C092ED-0E97-497E-99D9-BB9DD7276F53}" type="slidenum">
+              <a:rPr lang="fr-BE" smtClean="0"/>
+              <a:t>48</a:t>
+            </a:fld>
+            <a:endParaRPr lang="fr-BE"/>
+          </a:p>
+        </p:txBody>
+      </p:sp>
+    </p:spTree>
+    <p:extLst>
+      <p:ext uri="{BB962C8B-B14F-4D97-AF65-F5344CB8AC3E}">
+        <p14:creationId xmlns:p14="http://schemas.microsoft.com/office/powerpoint/2010/main" val="2818028877"/>
+      </p:ext>
+    </p:extLst>
+  </p:cSld>
+  <p:clrMapOvr>
+    <a:masterClrMapping/>
+  </p:clrMapOvr>
+  <mc:AlternateContent xmlns:mc="http://schemas.openxmlformats.org/markup-compatibility/2006">
+    <mc:Choice xmlns:p14="http://schemas.microsoft.com/office/powerpoint/2010/main" Requires="p14">
+      <p:transition spd="slow">
+        <p14:reveal/>
+      </p:transition>
+    </mc:Choice>
+    <mc:Fallback>
+      <p:transition spd="slow">
+        <p:fade/>
+      </p:transition>
+    </mc:Fallback>
+  </mc:AlternateContent>
+</p:sld>
+</file>
+
+<file path=ppt/slides/slide49.xml><?xml version="1.0" encoding="utf-8"?>
+<p:sld xmlns:a="http://schemas.openxmlformats.org/drawingml/2006/main" xmlns:r="http://schemas.openxmlformats.org/officeDocument/2006/relationships" xmlns:p="http://schemas.openxmlformats.org/presentationml/2006/main">
+  <p:cSld>
+    <p:spTree>
+      <p:nvGrpSpPr>
+        <p:cNvPr id="1" name="">
+          <a:extLst>
+            <a:ext uri="{FF2B5EF4-FFF2-40B4-BE49-F238E27FC236}">
+              <a16:creationId xmlns:a16="http://schemas.microsoft.com/office/drawing/2014/main" id="{6273970B-404A-2177-7E6A-1F6EAE4A6EF5}"/>
+            </a:ext>
+          </a:extLst>
+        </p:cNvPr>
+        <p:cNvGrpSpPr/>
+        <p:nvPr/>
+      </p:nvGrpSpPr>
+      <p:grpSpPr>
+        <a:xfrm>
+          <a:off x="0" y="0"/>
+          <a:ext cx="0" cy="0"/>
+          <a:chOff x="0" y="0"/>
+          <a:chExt cx="0" cy="0"/>
+        </a:xfrm>
+      </p:grpSpPr>
+      <p:sp>
+        <p:nvSpPr>
+          <p:cNvPr id="2" name="Titre 1">
+            <a:extLst>
+              <a:ext uri="{FF2B5EF4-FFF2-40B4-BE49-F238E27FC236}">
+                <a16:creationId xmlns:a16="http://schemas.microsoft.com/office/drawing/2014/main" id="{53EAFCF3-5DE1-158C-E4B3-FEA9E62BB761}"/>
+              </a:ext>
+            </a:extLst>
+          </p:cNvPr>
+          <p:cNvSpPr>
+            <a:spLocks noGrp="1"/>
+          </p:cNvSpPr>
+          <p:nvPr>
+            <p:ph type="title"/>
+          </p:nvPr>
+        </p:nvSpPr>
+        <p:spPr/>
+        <p:txBody>
+          <a:bodyPr/>
+          <a:lstStyle/>
+          <a:p>
+            <a:r>
+              <a:rPr lang="en-US" b="0">
+                <a:solidFill>
+                  <a:srgbClr val="996633"/>
+                </a:solidFill>
+                <a:latin typeface="Consolas" panose="020B0609020204030204" pitchFamily="49" charset="0"/>
+              </a:rPr>
+              <a:t>/app/controller/counter_fetch.php</a:t>
+            </a:r>
+          </a:p>
+        </p:txBody>
+      </p:sp>
+      <p:sp>
+        <p:nvSpPr>
+          <p:cNvPr id="3" name="Espace réservé du contenu 2">
+            <a:extLst>
+              <a:ext uri="{FF2B5EF4-FFF2-40B4-BE49-F238E27FC236}">
+                <a16:creationId xmlns:a16="http://schemas.microsoft.com/office/drawing/2014/main" id="{95231676-90B7-F528-5E26-A7F53179E3B2}"/>
+              </a:ext>
+            </a:extLst>
+          </p:cNvPr>
+          <p:cNvSpPr>
+            <a:spLocks noGrp="1"/>
+          </p:cNvSpPr>
+          <p:nvPr>
+            <p:ph idx="1"/>
+          </p:nvPr>
+        </p:nvSpPr>
+        <p:spPr>
+          <a:xfrm>
+            <a:off x="838200" y="1690689"/>
+            <a:ext cx="10515600" cy="5030786"/>
+          </a:xfrm>
+        </p:spPr>
+        <p:txBody>
+          <a:bodyPr>
+            <a:normAutofit fontScale="92500" lnSpcReduction="10000"/>
+          </a:bodyPr>
+          <a:lstStyle/>
+          <a:p>
+            <a:r>
+              <a:rPr lang="fr-BE"/>
+              <a:t>Déclaration fonction PHP </a:t>
+            </a:r>
+            <a:r>
+              <a:rPr lang="fr-BE">
+                <a:solidFill>
+                  <a:srgbClr val="996633"/>
+                </a:solidFill>
+                <a:latin typeface="Consolas" panose="020B0609020204030204" pitchFamily="49" charset="0"/>
+              </a:rPr>
+              <a:t>main_counter_fetch()</a:t>
+            </a:r>
+          </a:p>
+          <a:p>
+            <a:r>
+              <a:rPr lang="fr-BE"/>
+              <a:t>Traitement du compteur </a:t>
+            </a:r>
+          </a:p>
+          <a:p>
+            <a:pPr lvl="1"/>
+            <a:r>
+              <a:rPr lang="fr-BE"/>
+              <a:t>incrémentation, </a:t>
+            </a:r>
+          </a:p>
+          <a:p>
+            <a:pPr lvl="1"/>
+            <a:r>
+              <a:rPr lang="fr-BE"/>
+              <a:t>sauvegarde, etc.</a:t>
+            </a:r>
+          </a:p>
+          <a:p>
+            <a:r>
+              <a:rPr lang="fr-BE"/>
+              <a:t>Création d'un assoc array pour le retour </a:t>
+            </a:r>
+          </a:p>
+          <a:p>
+            <a:pPr lvl="1"/>
+            <a:r>
+              <a:rPr lang="fr-BE"/>
+              <a:t>conversion en JSON (</a:t>
+            </a:r>
+            <a:r>
+              <a:rPr lang="fr-BE">
+                <a:solidFill>
+                  <a:srgbClr val="996633"/>
+                </a:solidFill>
+                <a:latin typeface="Consolas" panose="020B0609020204030204" pitchFamily="49" charset="0"/>
+              </a:rPr>
+              <a:t>json_encode</a:t>
+            </a:r>
+            <a:r>
+              <a:rPr lang="fr-BE"/>
+              <a:t>)</a:t>
+            </a:r>
+          </a:p>
+          <a:p>
+            <a:pPr lvl="1"/>
+            <a:r>
+              <a:rPr lang="fr-BE"/>
+              <a:t>return</a:t>
+            </a:r>
+          </a:p>
+          <a:p>
+            <a:r>
+              <a:rPr lang="fr-BE"/>
+              <a:t>Remarques : </a:t>
+            </a:r>
+          </a:p>
+          <a:p>
+            <a:pPr lvl="1"/>
+            <a:r>
+              <a:rPr lang="fr-BE"/>
+              <a:t>La fonction retourne uniquement le tableau (JSON encodé). </a:t>
+            </a:r>
+          </a:p>
+          <a:p>
+            <a:pPr lvl="1"/>
+            <a:r>
+              <a:rPr lang="fr-BE"/>
+              <a:t>L'en-tête est défini dans </a:t>
+            </a:r>
+            <a:r>
+              <a:rPr lang="fr-BE">
+                <a:solidFill>
+                  <a:srgbClr val="996633"/>
+                </a:solidFill>
+                <a:latin typeface="Consolas" panose="020B0609020204030204" pitchFamily="49" charset="0"/>
+              </a:rPr>
+              <a:t>index.php</a:t>
+            </a:r>
+            <a:r>
+              <a:rPr lang="fr-BE"/>
+              <a:t>.</a:t>
+            </a:r>
+          </a:p>
+        </p:txBody>
+      </p:sp>
+      <p:sp>
+        <p:nvSpPr>
+          <p:cNvPr id="4" name="Espace réservé de la date 3">
+            <a:extLst>
+              <a:ext uri="{FF2B5EF4-FFF2-40B4-BE49-F238E27FC236}">
+                <a16:creationId xmlns:a16="http://schemas.microsoft.com/office/drawing/2014/main" id="{4CCBC116-A652-572B-6AE8-6BAE6A21DB89}"/>
+              </a:ext>
+            </a:extLst>
+          </p:cNvPr>
+          <p:cNvSpPr>
+            <a:spLocks noGrp="1"/>
+          </p:cNvSpPr>
+          <p:nvPr>
+            <p:ph type="dt" sz="half" idx="10"/>
+          </p:nvPr>
+        </p:nvSpPr>
+        <p:spPr/>
+        <p:txBody>
+          <a:bodyPr/>
+          <a:lstStyle/>
+          <a:p>
+            <a:fld id="{A122A0FB-B2F5-4CDD-B3CD-9FB3D075AA52}" type="datetime1">
+              <a:rPr lang="fr-BE" smtClean="0"/>
+              <a:t>19-02-26</a:t>
+            </a:fld>
+            <a:endParaRPr lang="fr-BE"/>
+          </a:p>
+        </p:txBody>
+      </p:sp>
+      <p:sp>
+        <p:nvSpPr>
+          <p:cNvPr id="5" name="Espace réservé du numéro de diapositive 4">
+            <a:extLst>
+              <a:ext uri="{FF2B5EF4-FFF2-40B4-BE49-F238E27FC236}">
+                <a16:creationId xmlns:a16="http://schemas.microsoft.com/office/drawing/2014/main" id="{E654294C-4685-862A-8209-A7BC00417E45}"/>
+              </a:ext>
+            </a:extLst>
+          </p:cNvPr>
+          <p:cNvSpPr>
+            <a:spLocks noGrp="1"/>
+          </p:cNvSpPr>
+          <p:nvPr>
+            <p:ph type="sldNum" sz="quarter" idx="12"/>
+          </p:nvPr>
+        </p:nvSpPr>
+        <p:spPr/>
+        <p:txBody>
+          <a:bodyPr/>
+          <a:lstStyle/>
+          <a:p>
+            <a:fld id="{02C092ED-0E97-497E-99D9-BB9DD7276F53}" type="slidenum">
+              <a:rPr lang="fr-BE" smtClean="0"/>
+              <a:t>49</a:t>
+            </a:fld>
+            <a:endParaRPr lang="fr-BE"/>
+          </a:p>
+        </p:txBody>
+      </p:sp>
+    </p:spTree>
+    <p:extLst>
+      <p:ext uri="{BB962C8B-B14F-4D97-AF65-F5344CB8AC3E}">
+        <p14:creationId xmlns:p14="http://schemas.microsoft.com/office/powerpoint/2010/main" val="3346158291"/>
+      </p:ext>
+    </p:extLst>
+  </p:cSld>
+  <p:clrMapOvr>
+    <a:masterClrMapping/>
+  </p:clrMapOvr>
+  <mc:AlternateContent xmlns:mc="http://schemas.openxmlformats.org/markup-compatibility/2006">
+    <mc:Choice xmlns:p14="http://schemas.microsoft.com/office/powerpoint/2010/main" Requires="p14">
+      <p:transition spd="slow">
+        <p14:reveal/>
+      </p:transition>
+    </mc:Choice>
+    <mc:Fallback>
+      <p:transition spd="slow">
+        <p:fade/>
+      </p:transition>
+    </mc:Fallback>
+  </mc:AlternateContent>
+</p:sld>
+</file>
+
 <file path=ppt/slides/slide5.xml><?xml version="1.0" encoding="utf-8"?>
 <p:sld xmlns:a="http://schemas.openxmlformats.org/drawingml/2006/main" xmlns:r="http://schemas.openxmlformats.org/officeDocument/2006/relationships" xmlns:p="http://schemas.openxmlformats.org/presentationml/2006/main">
   <p:cSld>
@@ -19483,6 +22263,2209 @@
     <p:extLst>
       <p:ext uri="{BB962C8B-B14F-4D97-AF65-F5344CB8AC3E}">
         <p14:creationId xmlns:p14="http://schemas.microsoft.com/office/powerpoint/2010/main" val="3966074166"/>
+      </p:ext>
+    </p:extLst>
+  </p:cSld>
+  <p:clrMapOvr>
+    <a:masterClrMapping/>
+  </p:clrMapOvr>
+  <mc:AlternateContent xmlns:mc="http://schemas.openxmlformats.org/markup-compatibility/2006" xmlns:p14="http://schemas.microsoft.com/office/powerpoint/2010/main">
+    <mc:Choice Requires="p14">
+      <p:transition spd="slow">
+        <p14:reveal/>
+      </p:transition>
+    </mc:Choice>
+    <mc:Fallback xmlns="">
+      <p:transition spd="slow">
+        <p:fade/>
+      </p:transition>
+    </mc:Fallback>
+  </mc:AlternateContent>
+</p:sld>
+</file>
+
+<file path=ppt/slides/slide50.xml><?xml version="1.0" encoding="utf-8"?>
+<p:sld xmlns:a="http://schemas.openxmlformats.org/drawingml/2006/main" xmlns:r="http://schemas.openxmlformats.org/officeDocument/2006/relationships" xmlns:p="http://schemas.openxmlformats.org/presentationml/2006/main">
+  <p:cSld>
+    <p:spTree>
+      <p:nvGrpSpPr>
+        <p:cNvPr id="1" name=""/>
+        <p:cNvGrpSpPr/>
+        <p:nvPr/>
+      </p:nvGrpSpPr>
+      <p:grpSpPr>
+        <a:xfrm>
+          <a:off x="0" y="0"/>
+          <a:ext cx="0" cy="0"/>
+          <a:chOff x="0" y="0"/>
+          <a:chExt cx="0" cy="0"/>
+        </a:xfrm>
+      </p:grpSpPr>
+      <p:sp>
+        <p:nvSpPr>
+          <p:cNvPr id="2" name="Titre 1">
+            <a:extLst>
+              <a:ext uri="{FF2B5EF4-FFF2-40B4-BE49-F238E27FC236}">
+                <a16:creationId xmlns:a16="http://schemas.microsoft.com/office/drawing/2014/main" id="{00066692-82BF-65F0-D513-334FE34E8DC3}"/>
+              </a:ext>
+            </a:extLst>
+          </p:cNvPr>
+          <p:cNvSpPr>
+            <a:spLocks noGrp="1"/>
+          </p:cNvSpPr>
+          <p:nvPr>
+            <p:ph type="title"/>
+          </p:nvPr>
+        </p:nvSpPr>
+        <p:spPr/>
+        <p:txBody>
+          <a:bodyPr/>
+          <a:lstStyle/>
+          <a:p>
+            <a:r>
+              <a:rPr lang="fr-BE"/>
+              <a:t>Exo : Ajouter des fonctionalités</a:t>
+            </a:r>
+          </a:p>
+        </p:txBody>
+      </p:sp>
+      <p:sp>
+        <p:nvSpPr>
+          <p:cNvPr id="3" name="Espace réservé du contenu 2">
+            <a:extLst>
+              <a:ext uri="{FF2B5EF4-FFF2-40B4-BE49-F238E27FC236}">
+                <a16:creationId xmlns:a16="http://schemas.microsoft.com/office/drawing/2014/main" id="{598AF4A0-CFF3-2100-8C68-D2BBBB15D506}"/>
+              </a:ext>
+            </a:extLst>
+          </p:cNvPr>
+          <p:cNvSpPr>
+            <a:spLocks noGrp="1"/>
+          </p:cNvSpPr>
+          <p:nvPr>
+            <p:ph idx="1"/>
+          </p:nvPr>
+        </p:nvSpPr>
+        <p:spPr/>
+        <p:txBody>
+          <a:bodyPr/>
+          <a:lstStyle/>
+          <a:p>
+            <a:r>
+              <a:rPr lang="fr-BE"/>
+              <a:t>Ajouter un bouton "decrement". </a:t>
+            </a:r>
+          </a:p>
+          <a:p>
+            <a:r>
+              <a:rPr lang="fr-BE"/>
+              <a:t>Ajouter un bouton "reset" qui initialise le compteur à 0.</a:t>
+            </a:r>
+          </a:p>
+          <a:p>
+            <a:r>
+              <a:rPr lang="fr-BE"/>
+              <a:t>Ajouter un bouton "reset to value" qui initialise le compteur à une valeur donnée en input field.</a:t>
+            </a:r>
+          </a:p>
+        </p:txBody>
+      </p:sp>
+      <p:sp>
+        <p:nvSpPr>
+          <p:cNvPr id="4" name="Espace réservé de la date 3">
+            <a:extLst>
+              <a:ext uri="{FF2B5EF4-FFF2-40B4-BE49-F238E27FC236}">
+                <a16:creationId xmlns:a16="http://schemas.microsoft.com/office/drawing/2014/main" id="{741F8F30-A7F6-EBB9-8F2A-9F7ADB717B36}"/>
+              </a:ext>
+            </a:extLst>
+          </p:cNvPr>
+          <p:cNvSpPr>
+            <a:spLocks noGrp="1"/>
+          </p:cNvSpPr>
+          <p:nvPr>
+            <p:ph type="dt" sz="half" idx="10"/>
+          </p:nvPr>
+        </p:nvSpPr>
+        <p:spPr/>
+        <p:txBody>
+          <a:bodyPr/>
+          <a:lstStyle/>
+          <a:p>
+            <a:fld id="{37F37411-EAF2-495B-A447-CD3DFBFB071E}" type="datetime1">
+              <a:rPr lang="fr-BE" smtClean="0"/>
+              <a:t>19-02-26</a:t>
+            </a:fld>
+            <a:endParaRPr lang="fr-BE"/>
+          </a:p>
+        </p:txBody>
+      </p:sp>
+      <p:sp>
+        <p:nvSpPr>
+          <p:cNvPr id="5" name="Espace réservé du numéro de diapositive 4">
+            <a:extLst>
+              <a:ext uri="{FF2B5EF4-FFF2-40B4-BE49-F238E27FC236}">
+                <a16:creationId xmlns:a16="http://schemas.microsoft.com/office/drawing/2014/main" id="{BAF0F882-CF67-E8C6-3773-C008EFF60762}"/>
+              </a:ext>
+            </a:extLst>
+          </p:cNvPr>
+          <p:cNvSpPr>
+            <a:spLocks noGrp="1"/>
+          </p:cNvSpPr>
+          <p:nvPr>
+            <p:ph type="sldNum" sz="quarter" idx="12"/>
+          </p:nvPr>
+        </p:nvSpPr>
+        <p:spPr/>
+        <p:txBody>
+          <a:bodyPr/>
+          <a:lstStyle/>
+          <a:p>
+            <a:fld id="{02C092ED-0E97-497E-99D9-BB9DD7276F53}" type="slidenum">
+              <a:rPr lang="fr-BE" smtClean="0"/>
+              <a:t>50</a:t>
+            </a:fld>
+            <a:endParaRPr lang="fr-BE"/>
+          </a:p>
+        </p:txBody>
+      </p:sp>
+    </p:spTree>
+    <p:extLst>
+      <p:ext uri="{BB962C8B-B14F-4D97-AF65-F5344CB8AC3E}">
+        <p14:creationId xmlns:p14="http://schemas.microsoft.com/office/powerpoint/2010/main" val="1456183106"/>
+      </p:ext>
+    </p:extLst>
+  </p:cSld>
+  <p:clrMapOvr>
+    <a:masterClrMapping/>
+  </p:clrMapOvr>
+  <mc:AlternateContent xmlns:mc="http://schemas.openxmlformats.org/markup-compatibility/2006" xmlns:p14="http://schemas.microsoft.com/office/powerpoint/2010/main">
+    <mc:Choice Requires="p14">
+      <p:transition spd="slow">
+        <p14:reveal/>
+      </p:transition>
+    </mc:Choice>
+    <mc:Fallback xmlns="">
+      <p:transition spd="slow">
+        <p:fade/>
+      </p:transition>
+    </mc:Fallback>
+  </mc:AlternateContent>
+</p:sld>
+</file>
+
+<file path=ppt/slides/slide51.xml><?xml version="1.0" encoding="utf-8"?>
+<p:sld xmlns:a="http://schemas.openxmlformats.org/drawingml/2006/main" xmlns:r="http://schemas.openxmlformats.org/officeDocument/2006/relationships" xmlns:p="http://schemas.openxmlformats.org/presentationml/2006/main">
+  <p:cSld>
+    <p:spTree>
+      <p:nvGrpSpPr>
+        <p:cNvPr id="1" name="">
+          <a:extLst>
+            <a:ext uri="{FF2B5EF4-FFF2-40B4-BE49-F238E27FC236}">
+              <a16:creationId xmlns:a16="http://schemas.microsoft.com/office/drawing/2014/main" id="{8A4CBD70-8AFD-AEB5-3C75-31EFC3310A54}"/>
+            </a:ext>
+          </a:extLst>
+        </p:cNvPr>
+        <p:cNvGrpSpPr/>
+        <p:nvPr/>
+      </p:nvGrpSpPr>
+      <p:grpSpPr>
+        <a:xfrm>
+          <a:off x="0" y="0"/>
+          <a:ext cx="0" cy="0"/>
+          <a:chOff x="0" y="0"/>
+          <a:chExt cx="0" cy="0"/>
+        </a:xfrm>
+      </p:grpSpPr>
+      <p:sp>
+        <p:nvSpPr>
+          <p:cNvPr id="2" name="Titre 1">
+            <a:extLst>
+              <a:ext uri="{FF2B5EF4-FFF2-40B4-BE49-F238E27FC236}">
+                <a16:creationId xmlns:a16="http://schemas.microsoft.com/office/drawing/2014/main" id="{2242FFCA-4761-8DF3-A291-39D154F2BC5F}"/>
+              </a:ext>
+            </a:extLst>
+          </p:cNvPr>
+          <p:cNvSpPr>
+            <a:spLocks noGrp="1"/>
+          </p:cNvSpPr>
+          <p:nvPr>
+            <p:ph type="title"/>
+          </p:nvPr>
+        </p:nvSpPr>
+        <p:spPr/>
+        <p:txBody>
+          <a:bodyPr/>
+          <a:lstStyle/>
+          <a:p>
+            <a:r>
+              <a:rPr lang="fr-BE"/>
+              <a:t>Fetch + MVC + Vue.js</a:t>
+            </a:r>
+          </a:p>
+        </p:txBody>
+      </p:sp>
+      <p:sp>
+        <p:nvSpPr>
+          <p:cNvPr id="3" name="Espace réservé du texte 2">
+            <a:extLst>
+              <a:ext uri="{FF2B5EF4-FFF2-40B4-BE49-F238E27FC236}">
+                <a16:creationId xmlns:a16="http://schemas.microsoft.com/office/drawing/2014/main" id="{4A8D630E-AE0F-F555-AD21-CDF426E79EED}"/>
+              </a:ext>
+            </a:extLst>
+          </p:cNvPr>
+          <p:cNvSpPr>
+            <a:spLocks noGrp="1"/>
+          </p:cNvSpPr>
+          <p:nvPr>
+            <p:ph type="body" idx="1"/>
+          </p:nvPr>
+        </p:nvSpPr>
+        <p:spPr/>
+        <p:txBody>
+          <a:bodyPr/>
+          <a:lstStyle/>
+          <a:p>
+            <a:r>
+              <a:rPr lang="fr-BE"/>
+              <a:t>implantation dans Vanilla JS </a:t>
+            </a:r>
+          </a:p>
+          <a:p>
+            <a:r>
+              <a:rPr lang="fr-BE"/>
+              <a:t>coupagle au framework AWebWiz</a:t>
+            </a:r>
+          </a:p>
+          <a:p>
+            <a:r>
+              <a:rPr lang="fr-BE"/>
+              <a:t>intégration dans Vue.js</a:t>
+            </a:r>
+          </a:p>
+        </p:txBody>
+      </p:sp>
+      <p:sp>
+        <p:nvSpPr>
+          <p:cNvPr id="5" name="Espace réservé de la date 4">
+            <a:extLst>
+              <a:ext uri="{FF2B5EF4-FFF2-40B4-BE49-F238E27FC236}">
+                <a16:creationId xmlns:a16="http://schemas.microsoft.com/office/drawing/2014/main" id="{BCC15838-66F4-E7E5-D952-0107B49AA3D2}"/>
+              </a:ext>
+            </a:extLst>
+          </p:cNvPr>
+          <p:cNvSpPr>
+            <a:spLocks noGrp="1"/>
+          </p:cNvSpPr>
+          <p:nvPr>
+            <p:ph type="dt" sz="half" idx="11"/>
+          </p:nvPr>
+        </p:nvSpPr>
+        <p:spPr/>
+        <p:txBody>
+          <a:bodyPr/>
+          <a:lstStyle/>
+          <a:p>
+            <a:fld id="{47EA6130-C364-45FF-ADCC-7D6C28140105}" type="datetime1">
+              <a:rPr lang="fr-BE" smtClean="0"/>
+              <a:t>20-02-26</a:t>
+            </a:fld>
+            <a:endParaRPr lang="fr-BE"/>
+          </a:p>
+        </p:txBody>
+      </p:sp>
+      <p:sp>
+        <p:nvSpPr>
+          <p:cNvPr id="6" name="Espace réservé du numéro de diapositive 5">
+            <a:extLst>
+              <a:ext uri="{FF2B5EF4-FFF2-40B4-BE49-F238E27FC236}">
+                <a16:creationId xmlns:a16="http://schemas.microsoft.com/office/drawing/2014/main" id="{046A5076-70EF-A94F-7094-D474425D5977}"/>
+              </a:ext>
+            </a:extLst>
+          </p:cNvPr>
+          <p:cNvSpPr>
+            <a:spLocks noGrp="1"/>
+          </p:cNvSpPr>
+          <p:nvPr>
+            <p:ph type="sldNum" sz="quarter" idx="13"/>
+          </p:nvPr>
+        </p:nvSpPr>
+        <p:spPr/>
+        <p:txBody>
+          <a:bodyPr/>
+          <a:lstStyle/>
+          <a:p>
+            <a:fld id="{02C092ED-0E97-497E-99D9-BB9DD7276F53}" type="slidenum">
+              <a:rPr lang="fr-BE" smtClean="0"/>
+              <a:t>51</a:t>
+            </a:fld>
+            <a:endParaRPr lang="fr-BE"/>
+          </a:p>
+        </p:txBody>
+      </p:sp>
+      <p:pic>
+        <p:nvPicPr>
+          <p:cNvPr id="7" name="Espace réservé pour une image  9" descr="Une image contenant texte, Police, Graphique, conception&#10;&#10;Description générée automatiquement">
+            <a:extLst>
+              <a:ext uri="{FF2B5EF4-FFF2-40B4-BE49-F238E27FC236}">
+                <a16:creationId xmlns:a16="http://schemas.microsoft.com/office/drawing/2014/main" id="{0A34330A-BC92-6D11-01FD-7B8B1B5D6BD6}"/>
+              </a:ext>
+            </a:extLst>
+          </p:cNvPr>
+          <p:cNvPicPr>
+            <a:picLocks noGrp="1" noChangeAspect="1"/>
+          </p:cNvPicPr>
+          <p:nvPr>
+            <p:ph type="pic" sz="quarter" idx="10"/>
+          </p:nvPr>
+        </p:nvPicPr>
+        <p:blipFill>
+          <a:blip r:embed="rId2">
+            <a:extLst>
+              <a:ext uri="{28A0092B-C50C-407E-A947-70E740481C1C}">
+                <a14:useLocalDpi xmlns:a14="http://schemas.microsoft.com/office/drawing/2010/main" val="0"/>
+              </a:ext>
+            </a:extLst>
+          </a:blip>
+          <a:stretch>
+            <a:fillRect/>
+          </a:stretch>
+        </p:blipFill>
+        <p:spPr>
+          <a:xfrm>
+            <a:off x="7953375" y="166690"/>
+            <a:ext cx="4057650" cy="3086100"/>
+          </a:xfrm>
+        </p:spPr>
+      </p:pic>
+    </p:spTree>
+    <p:extLst>
+      <p:ext uri="{BB962C8B-B14F-4D97-AF65-F5344CB8AC3E}">
+        <p14:creationId xmlns:p14="http://schemas.microsoft.com/office/powerpoint/2010/main" val="552594503"/>
+      </p:ext>
+    </p:extLst>
+  </p:cSld>
+  <p:clrMapOvr>
+    <a:masterClrMapping/>
+  </p:clrMapOvr>
+  <mc:AlternateContent xmlns:mc="http://schemas.openxmlformats.org/markup-compatibility/2006">
+    <mc:Choice xmlns:p14="http://schemas.microsoft.com/office/powerpoint/2010/main" Requires="p14">
+      <p:transition spd="slow">
+        <p14:reveal/>
+      </p:transition>
+    </mc:Choice>
+    <mc:Fallback>
+      <p:transition spd="slow">
+        <p:fade/>
+      </p:transition>
+    </mc:Fallback>
+  </mc:AlternateContent>
+</p:sld>
+</file>
+
+<file path=ppt/slides/slide52.xml><?xml version="1.0" encoding="utf-8"?>
+<p:sld xmlns:a="http://schemas.openxmlformats.org/drawingml/2006/main" xmlns:r="http://schemas.openxmlformats.org/officeDocument/2006/relationships" xmlns:p="http://schemas.openxmlformats.org/presentationml/2006/main">
+  <p:cSld>
+    <p:spTree>
+      <p:nvGrpSpPr>
+        <p:cNvPr id="1" name="">
+          <a:extLst>
+            <a:ext uri="{FF2B5EF4-FFF2-40B4-BE49-F238E27FC236}">
+              <a16:creationId xmlns:a16="http://schemas.microsoft.com/office/drawing/2014/main" id="{80370909-2817-1E51-B39F-B03974322AAC}"/>
+            </a:ext>
+          </a:extLst>
+        </p:cNvPr>
+        <p:cNvGrpSpPr/>
+        <p:nvPr/>
+      </p:nvGrpSpPr>
+      <p:grpSpPr>
+        <a:xfrm>
+          <a:off x="0" y="0"/>
+          <a:ext cx="0" cy="0"/>
+          <a:chOff x="0" y="0"/>
+          <a:chExt cx="0" cy="0"/>
+        </a:xfrm>
+      </p:grpSpPr>
+      <p:sp>
+        <p:nvSpPr>
+          <p:cNvPr id="7" name="Titre 6">
+            <a:extLst>
+              <a:ext uri="{FF2B5EF4-FFF2-40B4-BE49-F238E27FC236}">
+                <a16:creationId xmlns:a16="http://schemas.microsoft.com/office/drawing/2014/main" id="{AAF0D5D4-B498-53ED-BF1F-48FF7FF0220F}"/>
+              </a:ext>
+            </a:extLst>
+          </p:cNvPr>
+          <p:cNvSpPr>
+            <a:spLocks noGrp="1"/>
+          </p:cNvSpPr>
+          <p:nvPr>
+            <p:ph type="title"/>
+          </p:nvPr>
+        </p:nvSpPr>
+        <p:spPr/>
+        <p:txBody>
+          <a:bodyPr/>
+          <a:lstStyle/>
+          <a:p>
+            <a:r>
+              <a:rPr lang="fr-BE"/>
+              <a:t>Mise en place</a:t>
+            </a:r>
+          </a:p>
+        </p:txBody>
+      </p:sp>
+      <p:sp>
+        <p:nvSpPr>
+          <p:cNvPr id="8" name="Espace réservé du contenu 7">
+            <a:extLst>
+              <a:ext uri="{FF2B5EF4-FFF2-40B4-BE49-F238E27FC236}">
+                <a16:creationId xmlns:a16="http://schemas.microsoft.com/office/drawing/2014/main" id="{87B3D7BF-98C5-F09D-DE9E-688265D3EE1A}"/>
+              </a:ext>
+            </a:extLst>
+          </p:cNvPr>
+          <p:cNvSpPr>
+            <a:spLocks noGrp="1"/>
+          </p:cNvSpPr>
+          <p:nvPr>
+            <p:ph idx="1"/>
+          </p:nvPr>
+        </p:nvSpPr>
+        <p:spPr>
+          <a:xfrm>
+            <a:off x="838200" y="1690688"/>
+            <a:ext cx="10515600" cy="5167311"/>
+          </a:xfrm>
+        </p:spPr>
+        <p:txBody>
+          <a:bodyPr>
+            <a:normAutofit/>
+          </a:bodyPr>
+          <a:lstStyle/>
+          <a:p>
+            <a:r>
+              <a:rPr lang="fr-BE"/>
+              <a:t>Répertoire (GitHub) : </a:t>
+            </a:r>
+            <a:r>
+              <a:rPr lang="fr-BE">
+                <a:solidFill>
+                  <a:srgbClr val="996633"/>
+                </a:solidFill>
+                <a:latin typeface="Consolas" panose="020B0609020204030204" pitchFamily="49" charset="0"/>
+              </a:rPr>
+              <a:t>/AWebWiz_start_fetch_vuejs</a:t>
+            </a:r>
+          </a:p>
+          <a:p>
+            <a:r>
+              <a:rPr lang="fr-BE"/>
+              <a:t>Fichiers nouveaux ou modifiés</a:t>
+            </a:r>
+          </a:p>
+          <a:p>
+            <a:pPr lvl="1"/>
+            <a:r>
+              <a:rPr lang="en-US">
+                <a:solidFill>
+                  <a:srgbClr val="996633"/>
+                </a:solidFill>
+                <a:latin typeface="Consolas" panose="020B0609020204030204" pitchFamily="49" charset="0"/>
+              </a:rPr>
+              <a:t>/app/controller/home.php</a:t>
+            </a:r>
+          </a:p>
+          <a:p>
+            <a:pPr lvl="1"/>
+            <a:r>
+              <a:rPr lang="en-US">
+                <a:solidFill>
+                  <a:srgbClr val="996633"/>
+                </a:solidFill>
+                <a:latin typeface="Consolas" panose="020B0609020204030204" pitchFamily="49" charset="0"/>
+              </a:rPr>
+              <a:t>/app/view/template.php</a:t>
+            </a:r>
+          </a:p>
+          <a:p>
+            <a:pPr lvl="1"/>
+            <a:r>
+              <a:rPr lang="en-US">
+                <a:solidFill>
+                  <a:srgbClr val="996633"/>
+                </a:solidFill>
+                <a:latin typeface="Consolas" panose="020B0609020204030204" pitchFamily="49" charset="0"/>
+              </a:rPr>
+              <a:t>/app/view/home.php</a:t>
+            </a:r>
+          </a:p>
+          <a:p>
+            <a:pPr lvl="1"/>
+            <a:r>
+              <a:rPr lang="en-US">
+                <a:solidFill>
+                  <a:srgbClr val="996633"/>
+                </a:solidFill>
+                <a:latin typeface="Consolas" panose="020B0609020204030204" pitchFamily="49" charset="0"/>
+              </a:rPr>
+              <a:t>/public/js/internal/vuejs_fetch_app.js</a:t>
+            </a:r>
+          </a:p>
+          <a:p>
+            <a:pPr lvl="1"/>
+            <a:r>
+              <a:rPr lang="en-US">
+                <a:solidFill>
+                  <a:srgbClr val="996633"/>
+                </a:solidFill>
+                <a:latin typeface="Consolas" panose="020B0609020204030204" pitchFamily="49" charset="0"/>
+              </a:rPr>
+              <a:t>/public/js/internal/vuejs_counter.js</a:t>
+            </a:r>
+          </a:p>
+        </p:txBody>
+      </p:sp>
+      <p:sp>
+        <p:nvSpPr>
+          <p:cNvPr id="5" name="Espace réservé de la date 4">
+            <a:extLst>
+              <a:ext uri="{FF2B5EF4-FFF2-40B4-BE49-F238E27FC236}">
+                <a16:creationId xmlns:a16="http://schemas.microsoft.com/office/drawing/2014/main" id="{4F4640E7-C7E0-8014-E931-939894E09662}"/>
+              </a:ext>
+            </a:extLst>
+          </p:cNvPr>
+          <p:cNvSpPr>
+            <a:spLocks noGrp="1"/>
+          </p:cNvSpPr>
+          <p:nvPr>
+            <p:ph type="dt" sz="half" idx="10"/>
+          </p:nvPr>
+        </p:nvSpPr>
+        <p:spPr/>
+        <p:txBody>
+          <a:bodyPr/>
+          <a:lstStyle/>
+          <a:p>
+            <a:fld id="{9387EA18-5AD6-45A6-A8E3-163D735A5432}" type="datetime1">
+              <a:rPr lang="fr-BE" smtClean="0"/>
+              <a:t>20-02-26</a:t>
+            </a:fld>
+            <a:endParaRPr lang="fr-BE"/>
+          </a:p>
+        </p:txBody>
+      </p:sp>
+      <p:sp>
+        <p:nvSpPr>
+          <p:cNvPr id="6" name="Espace réservé du numéro de diapositive 5">
+            <a:extLst>
+              <a:ext uri="{FF2B5EF4-FFF2-40B4-BE49-F238E27FC236}">
+                <a16:creationId xmlns:a16="http://schemas.microsoft.com/office/drawing/2014/main" id="{A914EE0B-FD2B-E3FA-A24D-F2963277A15C}"/>
+              </a:ext>
+            </a:extLst>
+          </p:cNvPr>
+          <p:cNvSpPr>
+            <a:spLocks noGrp="1"/>
+          </p:cNvSpPr>
+          <p:nvPr>
+            <p:ph type="sldNum" sz="quarter" idx="12"/>
+          </p:nvPr>
+        </p:nvSpPr>
+        <p:spPr/>
+        <p:txBody>
+          <a:bodyPr/>
+          <a:lstStyle/>
+          <a:p>
+            <a:fld id="{02C092ED-0E97-497E-99D9-BB9DD7276F53}" type="slidenum">
+              <a:rPr lang="fr-BE" smtClean="0"/>
+              <a:t>52</a:t>
+            </a:fld>
+            <a:endParaRPr lang="fr-BE"/>
+          </a:p>
+        </p:txBody>
+      </p:sp>
+    </p:spTree>
+    <p:extLst>
+      <p:ext uri="{BB962C8B-B14F-4D97-AF65-F5344CB8AC3E}">
+        <p14:creationId xmlns:p14="http://schemas.microsoft.com/office/powerpoint/2010/main" val="3081737979"/>
+      </p:ext>
+    </p:extLst>
+  </p:cSld>
+  <p:clrMapOvr>
+    <a:masterClrMapping/>
+  </p:clrMapOvr>
+  <mc:AlternateContent xmlns:mc="http://schemas.openxmlformats.org/markup-compatibility/2006" xmlns:p14="http://schemas.microsoft.com/office/powerpoint/2010/main">
+    <mc:Choice Requires="p14">
+      <p:transition spd="slow">
+        <p14:reveal/>
+      </p:transition>
+    </mc:Choice>
+    <mc:Fallback xmlns="">
+      <p:transition spd="slow">
+        <p:fade/>
+      </p:transition>
+    </mc:Fallback>
+  </mc:AlternateContent>
+</p:sld>
+</file>
+
+<file path=ppt/slides/slide53.xml><?xml version="1.0" encoding="utf-8"?>
+<p:sld xmlns:a="http://schemas.openxmlformats.org/drawingml/2006/main" xmlns:r="http://schemas.openxmlformats.org/officeDocument/2006/relationships" xmlns:p="http://schemas.openxmlformats.org/presentationml/2006/main">
+  <p:cSld>
+    <p:spTree>
+      <p:nvGrpSpPr>
+        <p:cNvPr id="1" name="">
+          <a:extLst>
+            <a:ext uri="{FF2B5EF4-FFF2-40B4-BE49-F238E27FC236}">
+              <a16:creationId xmlns:a16="http://schemas.microsoft.com/office/drawing/2014/main" id="{EF59D98E-8B42-4FF1-C504-DC73F8FD1CCE}"/>
+            </a:ext>
+          </a:extLst>
+        </p:cNvPr>
+        <p:cNvGrpSpPr/>
+        <p:nvPr/>
+      </p:nvGrpSpPr>
+      <p:grpSpPr>
+        <a:xfrm>
+          <a:off x="0" y="0"/>
+          <a:ext cx="0" cy="0"/>
+          <a:chOff x="0" y="0"/>
+          <a:chExt cx="0" cy="0"/>
+        </a:xfrm>
+      </p:grpSpPr>
+      <p:sp>
+        <p:nvSpPr>
+          <p:cNvPr id="2" name="Titre 1">
+            <a:extLst>
+              <a:ext uri="{FF2B5EF4-FFF2-40B4-BE49-F238E27FC236}">
+                <a16:creationId xmlns:a16="http://schemas.microsoft.com/office/drawing/2014/main" id="{0E5F3A76-EBF4-7532-9A39-29D52EE609E6}"/>
+              </a:ext>
+            </a:extLst>
+          </p:cNvPr>
+          <p:cNvSpPr>
+            <a:spLocks noGrp="1"/>
+          </p:cNvSpPr>
+          <p:nvPr>
+            <p:ph type="title"/>
+          </p:nvPr>
+        </p:nvSpPr>
+        <p:spPr/>
+        <p:txBody>
+          <a:bodyPr/>
+          <a:lstStyle/>
+          <a:p>
+            <a:r>
+              <a:rPr lang="en-US" b="0">
+                <a:solidFill>
+                  <a:srgbClr val="996633"/>
+                </a:solidFill>
+                <a:latin typeface="Consolas" panose="020B0609020204030204" pitchFamily="49" charset="0"/>
+              </a:rPr>
+              <a:t>/app/controller/home.php</a:t>
+            </a:r>
+            <a:endParaRPr lang="fr-BE" b="0">
+              <a:solidFill>
+                <a:srgbClr val="996633"/>
+              </a:solidFill>
+              <a:latin typeface="Consolas" panose="020B0609020204030204" pitchFamily="49" charset="0"/>
+            </a:endParaRPr>
+          </a:p>
+        </p:txBody>
+      </p:sp>
+      <p:sp>
+        <p:nvSpPr>
+          <p:cNvPr id="3" name="Espace réservé du contenu 2">
+            <a:extLst>
+              <a:ext uri="{FF2B5EF4-FFF2-40B4-BE49-F238E27FC236}">
+                <a16:creationId xmlns:a16="http://schemas.microsoft.com/office/drawing/2014/main" id="{537561E9-A85D-9A30-0F8F-6A05D010B1E4}"/>
+              </a:ext>
+            </a:extLst>
+          </p:cNvPr>
+          <p:cNvSpPr>
+            <a:spLocks noGrp="1"/>
+          </p:cNvSpPr>
+          <p:nvPr>
+            <p:ph idx="1"/>
+          </p:nvPr>
+        </p:nvSpPr>
+        <p:spPr/>
+        <p:txBody>
+          <a:bodyPr/>
+          <a:lstStyle/>
+          <a:p>
+            <a:r>
+              <a:rPr lang="fr-BE"/>
+              <a:t>Appel à la fonction PHP </a:t>
+            </a:r>
+            <a:r>
+              <a:rPr lang="fr-BE">
+                <a:solidFill>
+                  <a:srgbClr val="996633"/>
+                </a:solidFill>
+                <a:latin typeface="Consolas" panose="020B0609020204030204" pitchFamily="49" charset="0"/>
+              </a:rPr>
+              <a:t>vuejs_fetch_sample()</a:t>
+            </a:r>
+          </a:p>
+          <a:p>
+            <a:endParaRPr lang="fr-BE"/>
+          </a:p>
+        </p:txBody>
+      </p:sp>
+      <p:sp>
+        <p:nvSpPr>
+          <p:cNvPr id="4" name="Espace réservé de la date 3">
+            <a:extLst>
+              <a:ext uri="{FF2B5EF4-FFF2-40B4-BE49-F238E27FC236}">
+                <a16:creationId xmlns:a16="http://schemas.microsoft.com/office/drawing/2014/main" id="{EBFD45BD-51A6-FB51-ABB3-F039FC1E48FD}"/>
+              </a:ext>
+            </a:extLst>
+          </p:cNvPr>
+          <p:cNvSpPr>
+            <a:spLocks noGrp="1"/>
+          </p:cNvSpPr>
+          <p:nvPr>
+            <p:ph type="dt" sz="half" idx="10"/>
+          </p:nvPr>
+        </p:nvSpPr>
+        <p:spPr/>
+        <p:txBody>
+          <a:bodyPr/>
+          <a:lstStyle/>
+          <a:p>
+            <a:fld id="{50827A15-FE84-4468-BA37-282682579A39}" type="datetime1">
+              <a:rPr lang="fr-BE" smtClean="0"/>
+              <a:t>20-02-26</a:t>
+            </a:fld>
+            <a:endParaRPr lang="fr-BE"/>
+          </a:p>
+        </p:txBody>
+      </p:sp>
+      <p:sp>
+        <p:nvSpPr>
+          <p:cNvPr id="5" name="Espace réservé du numéro de diapositive 4">
+            <a:extLst>
+              <a:ext uri="{FF2B5EF4-FFF2-40B4-BE49-F238E27FC236}">
+                <a16:creationId xmlns:a16="http://schemas.microsoft.com/office/drawing/2014/main" id="{543072F8-9329-2611-2E36-72923E07431E}"/>
+              </a:ext>
+            </a:extLst>
+          </p:cNvPr>
+          <p:cNvSpPr>
+            <a:spLocks noGrp="1"/>
+          </p:cNvSpPr>
+          <p:nvPr>
+            <p:ph type="sldNum" sz="quarter" idx="12"/>
+          </p:nvPr>
+        </p:nvSpPr>
+        <p:spPr/>
+        <p:txBody>
+          <a:bodyPr/>
+          <a:lstStyle/>
+          <a:p>
+            <a:fld id="{02C092ED-0E97-497E-99D9-BB9DD7276F53}" type="slidenum">
+              <a:rPr lang="fr-BE" smtClean="0"/>
+              <a:t>53</a:t>
+            </a:fld>
+            <a:endParaRPr lang="fr-BE"/>
+          </a:p>
+        </p:txBody>
+      </p:sp>
+    </p:spTree>
+    <p:extLst>
+      <p:ext uri="{BB962C8B-B14F-4D97-AF65-F5344CB8AC3E}">
+        <p14:creationId xmlns:p14="http://schemas.microsoft.com/office/powerpoint/2010/main" val="3525659687"/>
+      </p:ext>
+    </p:extLst>
+  </p:cSld>
+  <p:clrMapOvr>
+    <a:masterClrMapping/>
+  </p:clrMapOvr>
+  <mc:AlternateContent xmlns:mc="http://schemas.openxmlformats.org/markup-compatibility/2006">
+    <mc:Choice xmlns:p14="http://schemas.microsoft.com/office/powerpoint/2010/main" Requires="p14">
+      <p:transition spd="slow">
+        <p14:reveal/>
+      </p:transition>
+    </mc:Choice>
+    <mc:Fallback>
+      <p:transition spd="slow">
+        <p:fade/>
+      </p:transition>
+    </mc:Fallback>
+  </mc:AlternateContent>
+</p:sld>
+</file>
+
+<file path=ppt/slides/slide54.xml><?xml version="1.0" encoding="utf-8"?>
+<p:sld xmlns:a="http://schemas.openxmlformats.org/drawingml/2006/main" xmlns:r="http://schemas.openxmlformats.org/officeDocument/2006/relationships" xmlns:p="http://schemas.openxmlformats.org/presentationml/2006/main">
+  <p:cSld>
+    <p:spTree>
+      <p:nvGrpSpPr>
+        <p:cNvPr id="1" name="">
+          <a:extLst>
+            <a:ext uri="{FF2B5EF4-FFF2-40B4-BE49-F238E27FC236}">
+              <a16:creationId xmlns:a16="http://schemas.microsoft.com/office/drawing/2014/main" id="{33D924BA-112F-47C6-6DAF-C34B4B9C60C7}"/>
+            </a:ext>
+          </a:extLst>
+        </p:cNvPr>
+        <p:cNvGrpSpPr/>
+        <p:nvPr/>
+      </p:nvGrpSpPr>
+      <p:grpSpPr>
+        <a:xfrm>
+          <a:off x="0" y="0"/>
+          <a:ext cx="0" cy="0"/>
+          <a:chOff x="0" y="0"/>
+          <a:chExt cx="0" cy="0"/>
+        </a:xfrm>
+      </p:grpSpPr>
+      <p:sp>
+        <p:nvSpPr>
+          <p:cNvPr id="2" name="Titre 1">
+            <a:extLst>
+              <a:ext uri="{FF2B5EF4-FFF2-40B4-BE49-F238E27FC236}">
+                <a16:creationId xmlns:a16="http://schemas.microsoft.com/office/drawing/2014/main" id="{8DE9A5F8-1C2A-8D86-E601-C256E52E9550}"/>
+              </a:ext>
+            </a:extLst>
+          </p:cNvPr>
+          <p:cNvSpPr>
+            <a:spLocks noGrp="1"/>
+          </p:cNvSpPr>
+          <p:nvPr>
+            <p:ph type="title"/>
+          </p:nvPr>
+        </p:nvSpPr>
+        <p:spPr/>
+        <p:txBody>
+          <a:bodyPr/>
+          <a:lstStyle/>
+          <a:p>
+            <a:r>
+              <a:rPr lang="en-US" b="0">
+                <a:solidFill>
+                  <a:srgbClr val="996633"/>
+                </a:solidFill>
+                <a:latin typeface="Consolas" panose="020B0609020204030204" pitchFamily="49" charset="0"/>
+              </a:rPr>
+              <a:t>/app/view/template.php</a:t>
+            </a:r>
+          </a:p>
+        </p:txBody>
+      </p:sp>
+      <p:sp>
+        <p:nvSpPr>
+          <p:cNvPr id="3" name="Espace réservé du contenu 2">
+            <a:extLst>
+              <a:ext uri="{FF2B5EF4-FFF2-40B4-BE49-F238E27FC236}">
+                <a16:creationId xmlns:a16="http://schemas.microsoft.com/office/drawing/2014/main" id="{242A4D8F-4609-AB56-EC77-2DB48865019A}"/>
+              </a:ext>
+            </a:extLst>
+          </p:cNvPr>
+          <p:cNvSpPr>
+            <a:spLocks noGrp="1"/>
+          </p:cNvSpPr>
+          <p:nvPr>
+            <p:ph idx="1"/>
+          </p:nvPr>
+        </p:nvSpPr>
+        <p:spPr/>
+        <p:txBody>
+          <a:bodyPr>
+            <a:normAutofit lnSpcReduction="10000"/>
+          </a:bodyPr>
+          <a:lstStyle/>
+          <a:p>
+            <a:r>
+              <a:rPr lang="fr-BE"/>
+              <a:t>Inclusion des scripts de </a:t>
+            </a:r>
+            <a:r>
+              <a:rPr lang="fr-BE">
+                <a:solidFill>
+                  <a:srgbClr val="996633"/>
+                </a:solidFill>
+                <a:latin typeface="Consolas" panose="020B0609020204030204" pitchFamily="49" charset="0"/>
+              </a:rPr>
+              <a:t>Vue.js</a:t>
+            </a:r>
+            <a:r>
+              <a:rPr lang="fr-BE"/>
+              <a:t> sous </a:t>
+            </a:r>
+            <a:r>
+              <a:rPr lang="fr-BE">
+                <a:solidFill>
+                  <a:srgbClr val="996633"/>
+                </a:solidFill>
+                <a:latin typeface="Consolas" panose="020B0609020204030204" pitchFamily="49" charset="0"/>
+              </a:rPr>
+              <a:t>&lt;head&gt;</a:t>
+            </a:r>
+          </a:p>
+          <a:p>
+            <a:r>
+              <a:rPr lang="fr-BE" sz="3200">
+                <a:solidFill>
+                  <a:srgbClr val="996633"/>
+                </a:solidFill>
+                <a:latin typeface="Consolas" panose="020B0609020204030204" pitchFamily="49" charset="0"/>
+              </a:rPr>
+              <a:t>&lt;head&gt;</a:t>
+            </a:r>
+            <a:br>
+              <a:rPr lang="fr-BE" sz="3200">
+                <a:solidFill>
+                  <a:srgbClr val="996633"/>
+                </a:solidFill>
+                <a:latin typeface="Consolas" panose="020B0609020204030204" pitchFamily="49" charset="0"/>
+              </a:rPr>
+            </a:br>
+            <a:r>
+              <a:rPr lang="fr-BE" sz="3200">
+                <a:solidFill>
+                  <a:srgbClr val="996633"/>
+                </a:solidFill>
+                <a:latin typeface="Consolas" panose="020B0609020204030204" pitchFamily="49" charset="0"/>
+              </a:rPr>
+              <a:t>    …</a:t>
+            </a:r>
+            <a:br>
+              <a:rPr lang="fr-BE" sz="3200">
+                <a:solidFill>
+                  <a:srgbClr val="996633"/>
+                </a:solidFill>
+                <a:latin typeface="Consolas" panose="020B0609020204030204" pitchFamily="49" charset="0"/>
+              </a:rPr>
+            </a:br>
+            <a:r>
+              <a:rPr lang="fr-BE" sz="3200">
+                <a:solidFill>
+                  <a:srgbClr val="996633"/>
+                </a:solidFill>
+                <a:latin typeface="Consolas" panose="020B0609020204030204" pitchFamily="49" charset="0"/>
+              </a:rPr>
+              <a:t>    &lt;script src="./js/vue.js/vue.global.js"&gt;…</a:t>
+            </a:r>
+            <a:br>
+              <a:rPr lang="fr-BE" sz="3200">
+                <a:solidFill>
+                  <a:srgbClr val="996633"/>
+                </a:solidFill>
+                <a:latin typeface="Consolas" panose="020B0609020204030204" pitchFamily="49" charset="0"/>
+              </a:rPr>
+            </a:br>
+            <a:r>
+              <a:rPr lang="fr-BE" sz="3200">
+                <a:solidFill>
+                  <a:srgbClr val="996633"/>
+                </a:solidFill>
+                <a:latin typeface="Consolas" panose="020B0609020204030204" pitchFamily="49" charset="0"/>
+              </a:rPr>
+              <a:t>    &lt;script type="importmap"&gt; …</a:t>
+            </a:r>
+            <a:br>
+              <a:rPr lang="fr-BE" sz="3200">
+                <a:solidFill>
+                  <a:srgbClr val="996633"/>
+                </a:solidFill>
+                <a:latin typeface="Consolas" panose="020B0609020204030204" pitchFamily="49" charset="0"/>
+              </a:rPr>
+            </a:br>
+            <a:r>
+              <a:rPr lang="fr-BE" sz="3200">
+                <a:solidFill>
+                  <a:srgbClr val="996633"/>
+                </a:solidFill>
+                <a:latin typeface="Consolas" panose="020B0609020204030204" pitchFamily="49" charset="0"/>
+              </a:rPr>
+              <a:t>    &lt;script type="module" </a:t>
+            </a:r>
+            <a:br>
+              <a:rPr lang="fr-BE" sz="3200">
+                <a:solidFill>
+                  <a:srgbClr val="996633"/>
+                </a:solidFill>
+                <a:latin typeface="Consolas" panose="020B0609020204030204" pitchFamily="49" charset="0"/>
+              </a:rPr>
+            </a:br>
+            <a:r>
+              <a:rPr lang="fr-BE" sz="3200">
+                <a:solidFill>
+                  <a:srgbClr val="996633"/>
+                </a:solidFill>
+                <a:latin typeface="Consolas" panose="020B0609020204030204" pitchFamily="49" charset="0"/>
+              </a:rPr>
+              <a:t>       src="./js/internal/vuejs_fetch_app.js" </a:t>
+            </a:r>
+            <a:br>
+              <a:rPr lang="fr-BE" sz="3200">
+                <a:solidFill>
+                  <a:srgbClr val="996633"/>
+                </a:solidFill>
+                <a:latin typeface="Consolas" panose="020B0609020204030204" pitchFamily="49" charset="0"/>
+              </a:rPr>
+            </a:br>
+            <a:r>
+              <a:rPr lang="fr-BE" sz="3200">
+                <a:solidFill>
+                  <a:srgbClr val="996633"/>
+                </a:solidFill>
+                <a:latin typeface="Consolas" panose="020B0609020204030204" pitchFamily="49" charset="0"/>
+              </a:rPr>
+              <a:t>       defer&gt; …</a:t>
+            </a:r>
+            <a:br>
+              <a:rPr lang="fr-BE" sz="3200">
+                <a:solidFill>
+                  <a:srgbClr val="996633"/>
+                </a:solidFill>
+                <a:latin typeface="Consolas" panose="020B0609020204030204" pitchFamily="49" charset="0"/>
+              </a:rPr>
+            </a:br>
+            <a:r>
+              <a:rPr lang="fr-BE" sz="3200">
+                <a:solidFill>
+                  <a:srgbClr val="996633"/>
+                </a:solidFill>
+                <a:latin typeface="Consolas" panose="020B0609020204030204" pitchFamily="49" charset="0"/>
+              </a:rPr>
+              <a:t>&lt;/head&gt;</a:t>
+            </a:r>
+            <a:br>
+              <a:rPr lang="fr-BE">
+                <a:solidFill>
+                  <a:srgbClr val="996633"/>
+                </a:solidFill>
+                <a:latin typeface="Consolas" panose="020B0609020204030204" pitchFamily="49" charset="0"/>
+              </a:rPr>
+            </a:br>
+            <a:endParaRPr lang="fr-BE">
+              <a:solidFill>
+                <a:srgbClr val="996633"/>
+              </a:solidFill>
+              <a:latin typeface="Consolas" panose="020B0609020204030204" pitchFamily="49" charset="0"/>
+            </a:endParaRPr>
+          </a:p>
+          <a:p>
+            <a:endParaRPr lang="fr-BE"/>
+          </a:p>
+        </p:txBody>
+      </p:sp>
+      <p:sp>
+        <p:nvSpPr>
+          <p:cNvPr id="4" name="Espace réservé de la date 3">
+            <a:extLst>
+              <a:ext uri="{FF2B5EF4-FFF2-40B4-BE49-F238E27FC236}">
+                <a16:creationId xmlns:a16="http://schemas.microsoft.com/office/drawing/2014/main" id="{C3F0D258-F36D-CF3C-51F3-4EBD5B98B97B}"/>
+              </a:ext>
+            </a:extLst>
+          </p:cNvPr>
+          <p:cNvSpPr>
+            <a:spLocks noGrp="1"/>
+          </p:cNvSpPr>
+          <p:nvPr>
+            <p:ph type="dt" sz="half" idx="10"/>
+          </p:nvPr>
+        </p:nvSpPr>
+        <p:spPr/>
+        <p:txBody>
+          <a:bodyPr/>
+          <a:lstStyle/>
+          <a:p>
+            <a:fld id="{50827A15-FE84-4468-BA37-282682579A39}" type="datetime1">
+              <a:rPr lang="fr-BE" smtClean="0"/>
+              <a:t>20-02-26</a:t>
+            </a:fld>
+            <a:endParaRPr lang="fr-BE"/>
+          </a:p>
+        </p:txBody>
+      </p:sp>
+      <p:sp>
+        <p:nvSpPr>
+          <p:cNvPr id="5" name="Espace réservé du numéro de diapositive 4">
+            <a:extLst>
+              <a:ext uri="{FF2B5EF4-FFF2-40B4-BE49-F238E27FC236}">
+                <a16:creationId xmlns:a16="http://schemas.microsoft.com/office/drawing/2014/main" id="{B07CE6E0-2FC2-233E-D66F-2EBF02BD37C8}"/>
+              </a:ext>
+            </a:extLst>
+          </p:cNvPr>
+          <p:cNvSpPr>
+            <a:spLocks noGrp="1"/>
+          </p:cNvSpPr>
+          <p:nvPr>
+            <p:ph type="sldNum" sz="quarter" idx="12"/>
+          </p:nvPr>
+        </p:nvSpPr>
+        <p:spPr/>
+        <p:txBody>
+          <a:bodyPr/>
+          <a:lstStyle/>
+          <a:p>
+            <a:fld id="{02C092ED-0E97-497E-99D9-BB9DD7276F53}" type="slidenum">
+              <a:rPr lang="fr-BE" smtClean="0"/>
+              <a:t>54</a:t>
+            </a:fld>
+            <a:endParaRPr lang="fr-BE"/>
+          </a:p>
+        </p:txBody>
+      </p:sp>
+    </p:spTree>
+    <p:extLst>
+      <p:ext uri="{BB962C8B-B14F-4D97-AF65-F5344CB8AC3E}">
+        <p14:creationId xmlns:p14="http://schemas.microsoft.com/office/powerpoint/2010/main" val="4200574128"/>
+      </p:ext>
+    </p:extLst>
+  </p:cSld>
+  <p:clrMapOvr>
+    <a:masterClrMapping/>
+  </p:clrMapOvr>
+  <mc:AlternateContent xmlns:mc="http://schemas.openxmlformats.org/markup-compatibility/2006" xmlns:p14="http://schemas.microsoft.com/office/powerpoint/2010/main">
+    <mc:Choice Requires="p14">
+      <p:transition spd="slow">
+        <p14:reveal/>
+      </p:transition>
+    </mc:Choice>
+    <mc:Fallback xmlns="">
+      <p:transition spd="slow">
+        <p:fade/>
+      </p:transition>
+    </mc:Fallback>
+  </mc:AlternateContent>
+</p:sld>
+</file>
+
+<file path=ppt/slides/slide55.xml><?xml version="1.0" encoding="utf-8"?>
+<p:sld xmlns:a="http://schemas.openxmlformats.org/drawingml/2006/main" xmlns:r="http://schemas.openxmlformats.org/officeDocument/2006/relationships" xmlns:p="http://schemas.openxmlformats.org/presentationml/2006/main">
+  <p:cSld>
+    <p:spTree>
+      <p:nvGrpSpPr>
+        <p:cNvPr id="1" name="">
+          <a:extLst>
+            <a:ext uri="{FF2B5EF4-FFF2-40B4-BE49-F238E27FC236}">
+              <a16:creationId xmlns:a16="http://schemas.microsoft.com/office/drawing/2014/main" id="{4D39AF88-EEAE-60D3-659F-361097269702}"/>
+            </a:ext>
+          </a:extLst>
+        </p:cNvPr>
+        <p:cNvGrpSpPr/>
+        <p:nvPr/>
+      </p:nvGrpSpPr>
+      <p:grpSpPr>
+        <a:xfrm>
+          <a:off x="0" y="0"/>
+          <a:ext cx="0" cy="0"/>
+          <a:chOff x="0" y="0"/>
+          <a:chExt cx="0" cy="0"/>
+        </a:xfrm>
+      </p:grpSpPr>
+      <p:sp>
+        <p:nvSpPr>
+          <p:cNvPr id="2" name="Titre 1">
+            <a:extLst>
+              <a:ext uri="{FF2B5EF4-FFF2-40B4-BE49-F238E27FC236}">
+                <a16:creationId xmlns:a16="http://schemas.microsoft.com/office/drawing/2014/main" id="{C9B951CA-1393-6725-8AAB-AB74F60A3140}"/>
+              </a:ext>
+            </a:extLst>
+          </p:cNvPr>
+          <p:cNvSpPr>
+            <a:spLocks noGrp="1"/>
+          </p:cNvSpPr>
+          <p:nvPr>
+            <p:ph type="title"/>
+          </p:nvPr>
+        </p:nvSpPr>
+        <p:spPr/>
+        <p:txBody>
+          <a:bodyPr/>
+          <a:lstStyle/>
+          <a:p>
+            <a:r>
+              <a:rPr lang="en-US" b="0">
+                <a:solidFill>
+                  <a:srgbClr val="996633"/>
+                </a:solidFill>
+                <a:latin typeface="Consolas" panose="020B0609020204030204" pitchFamily="49" charset="0"/>
+              </a:rPr>
+              <a:t>/app/view/home.php</a:t>
+            </a:r>
+            <a:endParaRPr lang="fr-BE" b="0">
+              <a:solidFill>
+                <a:srgbClr val="996633"/>
+              </a:solidFill>
+              <a:latin typeface="Consolas" panose="020B0609020204030204" pitchFamily="49" charset="0"/>
+            </a:endParaRPr>
+          </a:p>
+        </p:txBody>
+      </p:sp>
+      <p:sp>
+        <p:nvSpPr>
+          <p:cNvPr id="3" name="Espace réservé du contenu 2">
+            <a:extLst>
+              <a:ext uri="{FF2B5EF4-FFF2-40B4-BE49-F238E27FC236}">
+                <a16:creationId xmlns:a16="http://schemas.microsoft.com/office/drawing/2014/main" id="{B68EC0BA-B4D5-3E9B-2CAE-4D4A334B925E}"/>
+              </a:ext>
+            </a:extLst>
+          </p:cNvPr>
+          <p:cNvSpPr>
+            <a:spLocks noGrp="1"/>
+          </p:cNvSpPr>
+          <p:nvPr>
+            <p:ph idx="1"/>
+          </p:nvPr>
+        </p:nvSpPr>
+        <p:spPr/>
+        <p:txBody>
+          <a:bodyPr/>
+          <a:lstStyle/>
+          <a:p>
+            <a:r>
+              <a:rPr lang="fr-BE"/>
+              <a:t>Déclaration de </a:t>
+            </a:r>
+            <a:r>
+              <a:rPr lang="fr-BE">
+                <a:solidFill>
+                  <a:srgbClr val="996633"/>
+                </a:solidFill>
+                <a:latin typeface="Consolas" panose="020B0609020204030204" pitchFamily="49" charset="0"/>
+              </a:rPr>
+              <a:t>vuejs_fetch_sample()</a:t>
+            </a:r>
+          </a:p>
+          <a:p>
+            <a:pPr lvl="1"/>
+            <a:r>
+              <a:rPr lang="fr-BE"/>
+              <a:t>composant </a:t>
+            </a:r>
+            <a:r>
+              <a:rPr lang="fr-BE">
+                <a:solidFill>
+                  <a:srgbClr val="996633"/>
+                </a:solidFill>
+                <a:latin typeface="Consolas" panose="020B0609020204030204" pitchFamily="49" charset="0"/>
+              </a:rPr>
+              <a:t>Counter</a:t>
+            </a:r>
+          </a:p>
+        </p:txBody>
+      </p:sp>
+      <p:sp>
+        <p:nvSpPr>
+          <p:cNvPr id="4" name="Espace réservé de la date 3">
+            <a:extLst>
+              <a:ext uri="{FF2B5EF4-FFF2-40B4-BE49-F238E27FC236}">
+                <a16:creationId xmlns:a16="http://schemas.microsoft.com/office/drawing/2014/main" id="{4AAA9EF7-F057-0996-E353-7280FD7F5226}"/>
+              </a:ext>
+            </a:extLst>
+          </p:cNvPr>
+          <p:cNvSpPr>
+            <a:spLocks noGrp="1"/>
+          </p:cNvSpPr>
+          <p:nvPr>
+            <p:ph type="dt" sz="half" idx="10"/>
+          </p:nvPr>
+        </p:nvSpPr>
+        <p:spPr/>
+        <p:txBody>
+          <a:bodyPr/>
+          <a:lstStyle/>
+          <a:p>
+            <a:fld id="{A122A0FB-B2F5-4CDD-B3CD-9FB3D075AA52}" type="datetime1">
+              <a:rPr lang="fr-BE" smtClean="0"/>
+              <a:t>20-02-26</a:t>
+            </a:fld>
+            <a:endParaRPr lang="fr-BE"/>
+          </a:p>
+        </p:txBody>
+      </p:sp>
+      <p:sp>
+        <p:nvSpPr>
+          <p:cNvPr id="5" name="Espace réservé du numéro de diapositive 4">
+            <a:extLst>
+              <a:ext uri="{FF2B5EF4-FFF2-40B4-BE49-F238E27FC236}">
+                <a16:creationId xmlns:a16="http://schemas.microsoft.com/office/drawing/2014/main" id="{ED88CBAD-FE5D-E11A-3BD0-8BA04AD303A3}"/>
+              </a:ext>
+            </a:extLst>
+          </p:cNvPr>
+          <p:cNvSpPr>
+            <a:spLocks noGrp="1"/>
+          </p:cNvSpPr>
+          <p:nvPr>
+            <p:ph type="sldNum" sz="quarter" idx="12"/>
+          </p:nvPr>
+        </p:nvSpPr>
+        <p:spPr/>
+        <p:txBody>
+          <a:bodyPr/>
+          <a:lstStyle/>
+          <a:p>
+            <a:fld id="{02C092ED-0E97-497E-99D9-BB9DD7276F53}" type="slidenum">
+              <a:rPr lang="fr-BE" smtClean="0"/>
+              <a:t>55</a:t>
+            </a:fld>
+            <a:endParaRPr lang="fr-BE"/>
+          </a:p>
+        </p:txBody>
+      </p:sp>
+    </p:spTree>
+    <p:extLst>
+      <p:ext uri="{BB962C8B-B14F-4D97-AF65-F5344CB8AC3E}">
+        <p14:creationId xmlns:p14="http://schemas.microsoft.com/office/powerpoint/2010/main" val="2725678107"/>
+      </p:ext>
+    </p:extLst>
+  </p:cSld>
+  <p:clrMapOvr>
+    <a:masterClrMapping/>
+  </p:clrMapOvr>
+  <mc:AlternateContent xmlns:mc="http://schemas.openxmlformats.org/markup-compatibility/2006" xmlns:p14="http://schemas.microsoft.com/office/powerpoint/2010/main">
+    <mc:Choice Requires="p14">
+      <p:transition spd="slow">
+        <p14:reveal/>
+      </p:transition>
+    </mc:Choice>
+    <mc:Fallback xmlns="">
+      <p:transition spd="slow">
+        <p:fade/>
+      </p:transition>
+    </mc:Fallback>
+  </mc:AlternateContent>
+</p:sld>
+</file>
+
+<file path=ppt/slides/slide56.xml><?xml version="1.0" encoding="utf-8"?>
+<p:sld xmlns:a="http://schemas.openxmlformats.org/drawingml/2006/main" xmlns:r="http://schemas.openxmlformats.org/officeDocument/2006/relationships" xmlns:p="http://schemas.openxmlformats.org/presentationml/2006/main">
+  <p:cSld>
+    <p:spTree>
+      <p:nvGrpSpPr>
+        <p:cNvPr id="1" name=""/>
+        <p:cNvGrpSpPr/>
+        <p:nvPr/>
+      </p:nvGrpSpPr>
+      <p:grpSpPr>
+        <a:xfrm>
+          <a:off x="0" y="0"/>
+          <a:ext cx="0" cy="0"/>
+          <a:chOff x="0" y="0"/>
+          <a:chExt cx="0" cy="0"/>
+        </a:xfrm>
+      </p:grpSpPr>
+      <p:sp>
+        <p:nvSpPr>
+          <p:cNvPr id="2" name="Titre 1">
+            <a:extLst>
+              <a:ext uri="{FF2B5EF4-FFF2-40B4-BE49-F238E27FC236}">
+                <a16:creationId xmlns:a16="http://schemas.microsoft.com/office/drawing/2014/main" id="{ECCC4369-648B-3564-9BB3-A6F189FE7C83}"/>
+              </a:ext>
+            </a:extLst>
+          </p:cNvPr>
+          <p:cNvSpPr>
+            <a:spLocks noGrp="1"/>
+          </p:cNvSpPr>
+          <p:nvPr>
+            <p:ph type="title"/>
+          </p:nvPr>
+        </p:nvSpPr>
+        <p:spPr/>
+        <p:txBody>
+          <a:bodyPr>
+            <a:normAutofit/>
+          </a:bodyPr>
+          <a:lstStyle/>
+          <a:p>
+            <a:r>
+              <a:rPr lang="fr-BE" sz="3600" b="0">
+                <a:solidFill>
+                  <a:srgbClr val="996633"/>
+                </a:solidFill>
+                <a:latin typeface="Consolas" panose="020B0609020204030204" pitchFamily="49" charset="0"/>
+              </a:rPr>
+              <a:t>/public/js/internal/vuejs_fetch_app.js</a:t>
+            </a:r>
+          </a:p>
+        </p:txBody>
+      </p:sp>
+      <p:sp>
+        <p:nvSpPr>
+          <p:cNvPr id="3" name="Espace réservé du contenu 2">
+            <a:extLst>
+              <a:ext uri="{FF2B5EF4-FFF2-40B4-BE49-F238E27FC236}">
+                <a16:creationId xmlns:a16="http://schemas.microsoft.com/office/drawing/2014/main" id="{5475D1FB-A3E6-70A9-97C2-4C55A8064E49}"/>
+              </a:ext>
+            </a:extLst>
+          </p:cNvPr>
+          <p:cNvSpPr>
+            <a:spLocks noGrp="1"/>
+          </p:cNvSpPr>
+          <p:nvPr>
+            <p:ph idx="1"/>
+          </p:nvPr>
+        </p:nvSpPr>
+        <p:spPr/>
+        <p:txBody>
+          <a:bodyPr/>
+          <a:lstStyle/>
+          <a:p>
+            <a:r>
+              <a:rPr lang="fr-BE"/>
+              <a:t>création de l'application </a:t>
+            </a:r>
+            <a:r>
+              <a:rPr lang="fr-BE">
+                <a:solidFill>
+                  <a:srgbClr val="996633"/>
+                </a:solidFill>
+                <a:latin typeface="Consolas" panose="020B0609020204030204" pitchFamily="49" charset="0"/>
+              </a:rPr>
+              <a:t>Vue.js</a:t>
+            </a:r>
+          </a:p>
+          <a:p>
+            <a:r>
+              <a:rPr lang="fr-BE"/>
+              <a:t>inclusion du composant </a:t>
+            </a:r>
+            <a:r>
+              <a:rPr lang="fr-BE">
+                <a:solidFill>
+                  <a:srgbClr val="996633"/>
+                </a:solidFill>
+                <a:latin typeface="Consolas" panose="020B0609020204030204" pitchFamily="49" charset="0"/>
+              </a:rPr>
+              <a:t>Counter</a:t>
+            </a:r>
+          </a:p>
+          <a:p>
+            <a:r>
+              <a:rPr lang="fr-BE"/>
+              <a:t>montage sur </a:t>
+            </a:r>
+            <a:r>
+              <a:rPr lang="fr-BE">
+                <a:solidFill>
+                  <a:srgbClr val="996633"/>
+                </a:solidFill>
+                <a:latin typeface="Consolas" panose="020B0609020204030204" pitchFamily="49" charset="0"/>
+              </a:rPr>
+              <a:t>section#vuejs_fetch_sample</a:t>
+            </a:r>
+          </a:p>
+          <a:p>
+            <a:endParaRPr lang="fr-BE"/>
+          </a:p>
+        </p:txBody>
+      </p:sp>
+      <p:sp>
+        <p:nvSpPr>
+          <p:cNvPr id="4" name="Espace réservé de la date 3">
+            <a:extLst>
+              <a:ext uri="{FF2B5EF4-FFF2-40B4-BE49-F238E27FC236}">
+                <a16:creationId xmlns:a16="http://schemas.microsoft.com/office/drawing/2014/main" id="{16734A9F-447D-E4B7-3ED0-85F7DECBEFB8}"/>
+              </a:ext>
+            </a:extLst>
+          </p:cNvPr>
+          <p:cNvSpPr>
+            <a:spLocks noGrp="1"/>
+          </p:cNvSpPr>
+          <p:nvPr>
+            <p:ph type="dt" sz="half" idx="10"/>
+          </p:nvPr>
+        </p:nvSpPr>
+        <p:spPr/>
+        <p:txBody>
+          <a:bodyPr/>
+          <a:lstStyle/>
+          <a:p>
+            <a:fld id="{2140972F-57CB-443C-B641-8EBD15AC09D7}" type="datetime1">
+              <a:rPr lang="fr-BE" smtClean="0"/>
+              <a:t>20-02-26</a:t>
+            </a:fld>
+            <a:endParaRPr lang="fr-BE"/>
+          </a:p>
+        </p:txBody>
+      </p:sp>
+      <p:sp>
+        <p:nvSpPr>
+          <p:cNvPr id="5" name="Espace réservé du numéro de diapositive 4">
+            <a:extLst>
+              <a:ext uri="{FF2B5EF4-FFF2-40B4-BE49-F238E27FC236}">
+                <a16:creationId xmlns:a16="http://schemas.microsoft.com/office/drawing/2014/main" id="{D31CDDC5-9576-A498-5176-BA532B26C27C}"/>
+              </a:ext>
+            </a:extLst>
+          </p:cNvPr>
+          <p:cNvSpPr>
+            <a:spLocks noGrp="1"/>
+          </p:cNvSpPr>
+          <p:nvPr>
+            <p:ph type="sldNum" sz="quarter" idx="12"/>
+          </p:nvPr>
+        </p:nvSpPr>
+        <p:spPr/>
+        <p:txBody>
+          <a:bodyPr/>
+          <a:lstStyle/>
+          <a:p>
+            <a:fld id="{02C092ED-0E97-497E-99D9-BB9DD7276F53}" type="slidenum">
+              <a:rPr lang="fr-BE" smtClean="0"/>
+              <a:t>56</a:t>
+            </a:fld>
+            <a:endParaRPr lang="fr-BE"/>
+          </a:p>
+        </p:txBody>
+      </p:sp>
+    </p:spTree>
+    <p:extLst>
+      <p:ext uri="{BB962C8B-B14F-4D97-AF65-F5344CB8AC3E}">
+        <p14:creationId xmlns:p14="http://schemas.microsoft.com/office/powerpoint/2010/main" val="3418025285"/>
+      </p:ext>
+    </p:extLst>
+  </p:cSld>
+  <p:clrMapOvr>
+    <a:masterClrMapping/>
+  </p:clrMapOvr>
+  <mc:AlternateContent xmlns:mc="http://schemas.openxmlformats.org/markup-compatibility/2006" xmlns:p14="http://schemas.microsoft.com/office/powerpoint/2010/main">
+    <mc:Choice Requires="p14">
+      <p:transition spd="slow">
+        <p14:reveal/>
+      </p:transition>
+    </mc:Choice>
+    <mc:Fallback xmlns="">
+      <p:transition spd="slow">
+        <p:fade/>
+      </p:transition>
+    </mc:Fallback>
+  </mc:AlternateContent>
+</p:sld>
+</file>
+
+<file path=ppt/slides/slide57.xml><?xml version="1.0" encoding="utf-8"?>
+<p:sld xmlns:a="http://schemas.openxmlformats.org/drawingml/2006/main" xmlns:r="http://schemas.openxmlformats.org/officeDocument/2006/relationships" xmlns:p="http://schemas.openxmlformats.org/presentationml/2006/main">
+  <p:cSld>
+    <p:spTree>
+      <p:nvGrpSpPr>
+        <p:cNvPr id="1" name="">
+          <a:extLst>
+            <a:ext uri="{FF2B5EF4-FFF2-40B4-BE49-F238E27FC236}">
+              <a16:creationId xmlns:a16="http://schemas.microsoft.com/office/drawing/2014/main" id="{34E50043-747C-7DA9-2F60-E608AF55E8C7}"/>
+            </a:ext>
+          </a:extLst>
+        </p:cNvPr>
+        <p:cNvGrpSpPr/>
+        <p:nvPr/>
+      </p:nvGrpSpPr>
+      <p:grpSpPr>
+        <a:xfrm>
+          <a:off x="0" y="0"/>
+          <a:ext cx="0" cy="0"/>
+          <a:chOff x="0" y="0"/>
+          <a:chExt cx="0" cy="0"/>
+        </a:xfrm>
+      </p:grpSpPr>
+      <p:sp>
+        <p:nvSpPr>
+          <p:cNvPr id="2" name="Titre 1">
+            <a:extLst>
+              <a:ext uri="{FF2B5EF4-FFF2-40B4-BE49-F238E27FC236}">
+                <a16:creationId xmlns:a16="http://schemas.microsoft.com/office/drawing/2014/main" id="{057EA503-553D-8568-1258-631E2342937A}"/>
+              </a:ext>
+            </a:extLst>
+          </p:cNvPr>
+          <p:cNvSpPr>
+            <a:spLocks noGrp="1"/>
+          </p:cNvSpPr>
+          <p:nvPr>
+            <p:ph type="title"/>
+          </p:nvPr>
+        </p:nvSpPr>
+        <p:spPr/>
+        <p:txBody>
+          <a:bodyPr>
+            <a:normAutofit/>
+          </a:bodyPr>
+          <a:lstStyle/>
+          <a:p>
+            <a:r>
+              <a:rPr lang="en-US" sz="4000" b="0">
+                <a:solidFill>
+                  <a:srgbClr val="996633"/>
+                </a:solidFill>
+                <a:latin typeface="Consolas" panose="020B0609020204030204" pitchFamily="49" charset="0"/>
+              </a:rPr>
+              <a:t>/public/js/internal/vuejs_counter.js</a:t>
+            </a:r>
+          </a:p>
+        </p:txBody>
+      </p:sp>
+      <p:sp>
+        <p:nvSpPr>
+          <p:cNvPr id="3" name="Espace réservé du contenu 2">
+            <a:extLst>
+              <a:ext uri="{FF2B5EF4-FFF2-40B4-BE49-F238E27FC236}">
+                <a16:creationId xmlns:a16="http://schemas.microsoft.com/office/drawing/2014/main" id="{7E441FC3-EAE6-3CB0-768F-CADFAB441F1D}"/>
+              </a:ext>
+            </a:extLst>
+          </p:cNvPr>
+          <p:cNvSpPr>
+            <a:spLocks noGrp="1"/>
+          </p:cNvSpPr>
+          <p:nvPr>
+            <p:ph idx="1"/>
+          </p:nvPr>
+        </p:nvSpPr>
+        <p:spPr/>
+        <p:txBody>
+          <a:bodyPr>
+            <a:normAutofit fontScale="92500" lnSpcReduction="20000"/>
+          </a:bodyPr>
+          <a:lstStyle/>
+          <a:p>
+            <a:r>
+              <a:rPr lang="fr-BE">
+                <a:solidFill>
+                  <a:srgbClr val="996633"/>
+                </a:solidFill>
+                <a:latin typeface="Consolas" panose="020B0609020204030204" pitchFamily="49" charset="0"/>
+              </a:rPr>
+              <a:t>template</a:t>
+            </a:r>
+            <a:r>
+              <a:rPr lang="fr-BE"/>
+              <a:t> </a:t>
+            </a:r>
+          </a:p>
+          <a:p>
+            <a:pPr lvl="1"/>
+            <a:r>
+              <a:rPr lang="fr-BE"/>
+              <a:t>bouton : évènement </a:t>
+            </a:r>
+            <a:r>
+              <a:rPr lang="fr-BE">
+                <a:solidFill>
+                  <a:srgbClr val="996633"/>
+                </a:solidFill>
+                <a:latin typeface="Consolas" panose="020B0609020204030204" pitchFamily="49" charset="0"/>
+              </a:rPr>
+              <a:t>click</a:t>
+            </a:r>
+            <a:r>
+              <a:rPr lang="fr-BE"/>
+              <a:t> vers méthode </a:t>
+            </a:r>
+            <a:r>
+              <a:rPr lang="fr-BE">
+                <a:solidFill>
+                  <a:srgbClr val="996633"/>
+                </a:solidFill>
+                <a:latin typeface="Consolas" panose="020B0609020204030204" pitchFamily="49" charset="0"/>
+              </a:rPr>
+              <a:t>fetchCounter</a:t>
+            </a:r>
+          </a:p>
+          <a:p>
+            <a:pPr lvl="1"/>
+            <a:r>
+              <a:rPr lang="fr-BE"/>
+              <a:t>var </a:t>
+            </a:r>
+            <a:r>
+              <a:rPr lang="fr-BE">
+                <a:solidFill>
+                  <a:srgbClr val="996633"/>
+                </a:solidFill>
+                <a:latin typeface="Consolas" panose="020B0609020204030204" pitchFamily="49" charset="0"/>
+              </a:rPr>
+              <a:t>compteur_vuejs</a:t>
+            </a:r>
+            <a:endParaRPr lang="fr-BE"/>
+          </a:p>
+          <a:p>
+            <a:r>
+              <a:rPr lang="fr-BE">
+                <a:solidFill>
+                  <a:srgbClr val="996633"/>
+                </a:solidFill>
+                <a:latin typeface="Consolas" panose="020B0609020204030204" pitchFamily="49" charset="0"/>
+              </a:rPr>
+              <a:t>data</a:t>
+            </a:r>
+          </a:p>
+          <a:p>
+            <a:pPr lvl="1"/>
+            <a:r>
+              <a:rPr lang="fr-BE"/>
+              <a:t>initialisation de </a:t>
+            </a:r>
+            <a:r>
+              <a:rPr lang="fr-BE">
+                <a:solidFill>
+                  <a:srgbClr val="996633"/>
+                </a:solidFill>
+                <a:latin typeface="Consolas" panose="020B0609020204030204" pitchFamily="49" charset="0"/>
+              </a:rPr>
+              <a:t>compteur_vuejs</a:t>
+            </a:r>
+          </a:p>
+          <a:p>
+            <a:r>
+              <a:rPr lang="fr-BE">
+                <a:solidFill>
+                  <a:srgbClr val="996633"/>
+                </a:solidFill>
+                <a:latin typeface="Consolas" panose="020B0609020204030204" pitchFamily="49" charset="0"/>
+              </a:rPr>
+              <a:t>methods</a:t>
+            </a:r>
+          </a:p>
+          <a:p>
+            <a:pPr lvl="1"/>
+            <a:r>
+              <a:rPr lang="fr-BE">
+                <a:solidFill>
+                  <a:srgbClr val="996633"/>
+                </a:solidFill>
+                <a:latin typeface="Consolas" panose="020B0609020204030204" pitchFamily="49" charset="0"/>
+              </a:rPr>
+              <a:t>fetchCounter</a:t>
+            </a:r>
+            <a:r>
+              <a:rPr lang="fr-BE"/>
+              <a:t>, cf description en section précédente (</a:t>
+            </a:r>
+            <a:r>
+              <a:rPr lang="fr-BE">
+                <a:solidFill>
+                  <a:srgbClr val="996633"/>
+                </a:solidFill>
+                <a:latin typeface="Consolas" panose="020B0609020204030204" pitchFamily="49" charset="0"/>
+              </a:rPr>
+              <a:t>counter.js</a:t>
+            </a:r>
+            <a:r>
+              <a:rPr lang="fr-BE"/>
+              <a:t>)</a:t>
+            </a:r>
+          </a:p>
+          <a:p>
+            <a:r>
+              <a:rPr lang="fr-BE">
+                <a:solidFill>
+                  <a:srgbClr val="996633"/>
+                </a:solidFill>
+                <a:latin typeface="Consolas" panose="020B0609020204030204" pitchFamily="49" charset="0"/>
+              </a:rPr>
+              <a:t>mounted</a:t>
+            </a:r>
+            <a:r>
+              <a:rPr lang="fr-BE"/>
+              <a:t> </a:t>
+            </a:r>
+          </a:p>
+          <a:p>
+            <a:pPr lvl="1"/>
+            <a:r>
+              <a:rPr lang="fr-BE"/>
+              <a:t>pour initialiser le compteur au chargement de la page </a:t>
+            </a:r>
+          </a:p>
+          <a:p>
+            <a:endParaRPr lang="fr-BE"/>
+          </a:p>
+        </p:txBody>
+      </p:sp>
+      <p:sp>
+        <p:nvSpPr>
+          <p:cNvPr id="4" name="Espace réservé de la date 3">
+            <a:extLst>
+              <a:ext uri="{FF2B5EF4-FFF2-40B4-BE49-F238E27FC236}">
+                <a16:creationId xmlns:a16="http://schemas.microsoft.com/office/drawing/2014/main" id="{0492E905-86EF-4781-28C2-9144A786274A}"/>
+              </a:ext>
+            </a:extLst>
+          </p:cNvPr>
+          <p:cNvSpPr>
+            <a:spLocks noGrp="1"/>
+          </p:cNvSpPr>
+          <p:nvPr>
+            <p:ph type="dt" sz="half" idx="10"/>
+          </p:nvPr>
+        </p:nvSpPr>
+        <p:spPr/>
+        <p:txBody>
+          <a:bodyPr/>
+          <a:lstStyle/>
+          <a:p>
+            <a:fld id="{A122A0FB-B2F5-4CDD-B3CD-9FB3D075AA52}" type="datetime1">
+              <a:rPr lang="fr-BE" smtClean="0"/>
+              <a:t>20-02-26</a:t>
+            </a:fld>
+            <a:endParaRPr lang="fr-BE"/>
+          </a:p>
+        </p:txBody>
+      </p:sp>
+      <p:sp>
+        <p:nvSpPr>
+          <p:cNvPr id="5" name="Espace réservé du numéro de diapositive 4">
+            <a:extLst>
+              <a:ext uri="{FF2B5EF4-FFF2-40B4-BE49-F238E27FC236}">
+                <a16:creationId xmlns:a16="http://schemas.microsoft.com/office/drawing/2014/main" id="{62BF7B26-DD60-0DBE-23CA-DD04777C71A7}"/>
+              </a:ext>
+            </a:extLst>
+          </p:cNvPr>
+          <p:cNvSpPr>
+            <a:spLocks noGrp="1"/>
+          </p:cNvSpPr>
+          <p:nvPr>
+            <p:ph type="sldNum" sz="quarter" idx="12"/>
+          </p:nvPr>
+        </p:nvSpPr>
+        <p:spPr/>
+        <p:txBody>
+          <a:bodyPr/>
+          <a:lstStyle/>
+          <a:p>
+            <a:fld id="{02C092ED-0E97-497E-99D9-BB9DD7276F53}" type="slidenum">
+              <a:rPr lang="fr-BE" smtClean="0"/>
+              <a:t>57</a:t>
+            </a:fld>
+            <a:endParaRPr lang="fr-BE"/>
+          </a:p>
+        </p:txBody>
+      </p:sp>
+    </p:spTree>
+    <p:extLst>
+      <p:ext uri="{BB962C8B-B14F-4D97-AF65-F5344CB8AC3E}">
+        <p14:creationId xmlns:p14="http://schemas.microsoft.com/office/powerpoint/2010/main" val="4144316152"/>
+      </p:ext>
+    </p:extLst>
+  </p:cSld>
+  <p:clrMapOvr>
+    <a:masterClrMapping/>
+  </p:clrMapOvr>
+  <mc:AlternateContent xmlns:mc="http://schemas.openxmlformats.org/markup-compatibility/2006">
+    <mc:Choice xmlns:p14="http://schemas.microsoft.com/office/powerpoint/2010/main" Requires="p14">
+      <p:transition spd="slow">
+        <p14:reveal/>
+      </p:transition>
+    </mc:Choice>
+    <mc:Fallback>
+      <p:transition spd="slow">
+        <p:fade/>
+      </p:transition>
+    </mc:Fallback>
+  </mc:AlternateContent>
+</p:sld>
+</file>
+
+<file path=ppt/slides/slide58.xml><?xml version="1.0" encoding="utf-8"?>
+<p:sld xmlns:a="http://schemas.openxmlformats.org/drawingml/2006/main" xmlns:r="http://schemas.openxmlformats.org/officeDocument/2006/relationships" xmlns:p="http://schemas.openxmlformats.org/presentationml/2006/main">
+  <p:cSld>
+    <p:spTree>
+      <p:nvGrpSpPr>
+        <p:cNvPr id="1" name="">
+          <a:extLst>
+            <a:ext uri="{FF2B5EF4-FFF2-40B4-BE49-F238E27FC236}">
+              <a16:creationId xmlns:a16="http://schemas.microsoft.com/office/drawing/2014/main" id="{86CA2058-D4B9-AD98-E1B8-9E982E603F76}"/>
+            </a:ext>
+          </a:extLst>
+        </p:cNvPr>
+        <p:cNvGrpSpPr/>
+        <p:nvPr/>
+      </p:nvGrpSpPr>
+      <p:grpSpPr>
+        <a:xfrm>
+          <a:off x="0" y="0"/>
+          <a:ext cx="0" cy="0"/>
+          <a:chOff x="0" y="0"/>
+          <a:chExt cx="0" cy="0"/>
+        </a:xfrm>
+      </p:grpSpPr>
+      <p:sp>
+        <p:nvSpPr>
+          <p:cNvPr id="2" name="Titre 1">
+            <a:extLst>
+              <a:ext uri="{FF2B5EF4-FFF2-40B4-BE49-F238E27FC236}">
+                <a16:creationId xmlns:a16="http://schemas.microsoft.com/office/drawing/2014/main" id="{0EE6E6F3-8EE8-4173-9CBF-F2F4AC6CAB02}"/>
+              </a:ext>
+            </a:extLst>
+          </p:cNvPr>
+          <p:cNvSpPr>
+            <a:spLocks noGrp="1"/>
+          </p:cNvSpPr>
+          <p:nvPr>
+            <p:ph type="title"/>
+          </p:nvPr>
+        </p:nvSpPr>
+        <p:spPr/>
+        <p:txBody>
+          <a:bodyPr/>
+          <a:lstStyle/>
+          <a:p>
+            <a:r>
+              <a:rPr lang="fr-BE"/>
+              <a:t>Exo : Ajouter des fonctionalités</a:t>
+            </a:r>
+          </a:p>
+        </p:txBody>
+      </p:sp>
+      <p:sp>
+        <p:nvSpPr>
+          <p:cNvPr id="3" name="Espace réservé du contenu 2">
+            <a:extLst>
+              <a:ext uri="{FF2B5EF4-FFF2-40B4-BE49-F238E27FC236}">
+                <a16:creationId xmlns:a16="http://schemas.microsoft.com/office/drawing/2014/main" id="{C0932E22-2CB8-F5DB-2826-685BC7173A66}"/>
+              </a:ext>
+            </a:extLst>
+          </p:cNvPr>
+          <p:cNvSpPr>
+            <a:spLocks noGrp="1"/>
+          </p:cNvSpPr>
+          <p:nvPr>
+            <p:ph idx="1"/>
+          </p:nvPr>
+        </p:nvSpPr>
+        <p:spPr/>
+        <p:txBody>
+          <a:bodyPr/>
+          <a:lstStyle/>
+          <a:p>
+            <a:r>
+              <a:rPr lang="fr-BE"/>
+              <a:t>Ajouter un bouton "decrement". </a:t>
+            </a:r>
+          </a:p>
+          <a:p>
+            <a:r>
+              <a:rPr lang="fr-BE"/>
+              <a:t>Ajouter un bouton "reset" qui initialise le compteur à 0.</a:t>
+            </a:r>
+          </a:p>
+          <a:p>
+            <a:r>
+              <a:rPr lang="fr-BE"/>
+              <a:t>Ajouter un bouton "reset to value" qui initialise le compteur à une valeur donnée en input field.</a:t>
+            </a:r>
+          </a:p>
+        </p:txBody>
+      </p:sp>
+      <p:sp>
+        <p:nvSpPr>
+          <p:cNvPr id="4" name="Espace réservé de la date 3">
+            <a:extLst>
+              <a:ext uri="{FF2B5EF4-FFF2-40B4-BE49-F238E27FC236}">
+                <a16:creationId xmlns:a16="http://schemas.microsoft.com/office/drawing/2014/main" id="{CE90EDDA-9DB2-F21E-E292-9B4F893853A0}"/>
+              </a:ext>
+            </a:extLst>
+          </p:cNvPr>
+          <p:cNvSpPr>
+            <a:spLocks noGrp="1"/>
+          </p:cNvSpPr>
+          <p:nvPr>
+            <p:ph type="dt" sz="half" idx="10"/>
+          </p:nvPr>
+        </p:nvSpPr>
+        <p:spPr/>
+        <p:txBody>
+          <a:bodyPr/>
+          <a:lstStyle/>
+          <a:p>
+            <a:fld id="{37F37411-EAF2-495B-A447-CD3DFBFB071E}" type="datetime1">
+              <a:rPr lang="fr-BE" smtClean="0"/>
+              <a:t>20-02-26</a:t>
+            </a:fld>
+            <a:endParaRPr lang="fr-BE"/>
+          </a:p>
+        </p:txBody>
+      </p:sp>
+      <p:sp>
+        <p:nvSpPr>
+          <p:cNvPr id="5" name="Espace réservé du numéro de diapositive 4">
+            <a:extLst>
+              <a:ext uri="{FF2B5EF4-FFF2-40B4-BE49-F238E27FC236}">
+                <a16:creationId xmlns:a16="http://schemas.microsoft.com/office/drawing/2014/main" id="{8EB8BD6B-FCF2-EEBE-FB04-036CA1D96F79}"/>
+              </a:ext>
+            </a:extLst>
+          </p:cNvPr>
+          <p:cNvSpPr>
+            <a:spLocks noGrp="1"/>
+          </p:cNvSpPr>
+          <p:nvPr>
+            <p:ph type="sldNum" sz="quarter" idx="12"/>
+          </p:nvPr>
+        </p:nvSpPr>
+        <p:spPr/>
+        <p:txBody>
+          <a:bodyPr/>
+          <a:lstStyle/>
+          <a:p>
+            <a:fld id="{02C092ED-0E97-497E-99D9-BB9DD7276F53}" type="slidenum">
+              <a:rPr lang="fr-BE" smtClean="0"/>
+              <a:t>58</a:t>
+            </a:fld>
+            <a:endParaRPr lang="fr-BE"/>
+          </a:p>
+        </p:txBody>
+      </p:sp>
+    </p:spTree>
+    <p:extLst>
+      <p:ext uri="{BB962C8B-B14F-4D97-AF65-F5344CB8AC3E}">
+        <p14:creationId xmlns:p14="http://schemas.microsoft.com/office/powerpoint/2010/main" val="2305890552"/>
+      </p:ext>
+    </p:extLst>
+  </p:cSld>
+  <p:clrMapOvr>
+    <a:masterClrMapping/>
+  </p:clrMapOvr>
+  <mc:AlternateContent xmlns:mc="http://schemas.openxmlformats.org/markup-compatibility/2006" xmlns:p14="http://schemas.microsoft.com/office/powerpoint/2010/main">
+    <mc:Choice Requires="p14">
+      <p:transition spd="slow">
+        <p14:reveal/>
+      </p:transition>
+    </mc:Choice>
+    <mc:Fallback xmlns="">
+      <p:transition spd="slow">
+        <p:fade/>
+      </p:transition>
+    </mc:Fallback>
+  </mc:AlternateContent>
+</p:sld>
+</file>
+
+<file path=ppt/slides/slide59.xml><?xml version="1.0" encoding="utf-8"?>
+<p:sld xmlns:a="http://schemas.openxmlformats.org/drawingml/2006/main" xmlns:r="http://schemas.openxmlformats.org/officeDocument/2006/relationships" xmlns:p="http://schemas.openxmlformats.org/presentationml/2006/main">
+  <p:cSld>
+    <p:spTree>
+      <p:nvGrpSpPr>
+        <p:cNvPr id="1" name=""/>
+        <p:cNvGrpSpPr/>
+        <p:nvPr/>
+      </p:nvGrpSpPr>
+      <p:grpSpPr>
+        <a:xfrm>
+          <a:off x="0" y="0"/>
+          <a:ext cx="0" cy="0"/>
+          <a:chOff x="0" y="0"/>
+          <a:chExt cx="0" cy="0"/>
+        </a:xfrm>
+      </p:grpSpPr>
+      <p:sp>
+        <p:nvSpPr>
+          <p:cNvPr id="2" name="Title 1"/>
+          <p:cNvSpPr>
+            <a:spLocks noGrp="1"/>
+          </p:cNvSpPr>
+          <p:nvPr>
+            <p:ph type="ctrTitle"/>
+          </p:nvPr>
+        </p:nvSpPr>
+        <p:spPr>
+          <a:xfrm>
+            <a:off x="2567354" y="1122363"/>
+            <a:ext cx="8100646" cy="2387600"/>
+          </a:xfrm>
+        </p:spPr>
+        <p:txBody>
+          <a:bodyPr>
+            <a:normAutofit fontScale="90000"/>
+          </a:bodyPr>
+          <a:lstStyle/>
+          <a:p>
+            <a:r>
+              <a:rPr lang="fr-BE" dirty="0"/>
+              <a:t>Bachelier en Informatique de Gestion</a:t>
+            </a:r>
+            <a:br>
+              <a:rPr lang="fr-BE" dirty="0"/>
+            </a:br>
+            <a:br>
+              <a:rPr lang="fr-BE" dirty="0"/>
+            </a:br>
+            <a:r>
+              <a:rPr lang="fr-BE" dirty="0"/>
+              <a:t>Projet de Développement Web</a:t>
+            </a:r>
+            <a:endParaRPr lang="fr-BE" noProof="0" dirty="0"/>
+          </a:p>
+        </p:txBody>
+      </p:sp>
+      <p:sp>
+        <p:nvSpPr>
+          <p:cNvPr id="5" name="Subtitle 4"/>
+          <p:cNvSpPr>
+            <a:spLocks noGrp="1"/>
+          </p:cNvSpPr>
+          <p:nvPr>
+            <p:ph type="subTitle" idx="1"/>
+          </p:nvPr>
+        </p:nvSpPr>
+        <p:spPr/>
+        <p:txBody>
+          <a:bodyPr>
+            <a:noAutofit/>
+          </a:bodyPr>
+          <a:lstStyle/>
+          <a:p>
+            <a:pPr algn="ctr"/>
+            <a:r>
+              <a:rPr lang="fr-FR" sz="11500" b="1" dirty="0">
+                <a:ln w="12700">
+                  <a:solidFill>
+                    <a:schemeClr val="tx2">
+                      <a:lumMod val="75000"/>
+                    </a:schemeClr>
+                  </a:solidFill>
+                  <a:prstDash val="solid"/>
+                </a:ln>
+                <a:pattFill prst="dkUpDiag">
+                  <a:fgClr>
+                    <a:schemeClr val="tx2"/>
+                  </a:fgClr>
+                  <a:bgClr>
+                    <a:schemeClr val="tx2">
+                      <a:lumMod val="20000"/>
+                      <a:lumOff val="80000"/>
+                    </a:schemeClr>
+                  </a:bgClr>
+                </a:pattFill>
+                <a:effectLst>
+                  <a:outerShdw dist="38100" dir="2640000" algn="bl" rotWithShape="0">
+                    <a:schemeClr val="tx2">
+                      <a:lumMod val="75000"/>
+                    </a:schemeClr>
+                  </a:outerShdw>
+                </a:effectLst>
+              </a:rPr>
+              <a:t>FIN</a:t>
+            </a:r>
+          </a:p>
+        </p:txBody>
+      </p:sp>
+      <p:pic>
+        <p:nvPicPr>
+          <p:cNvPr id="17" name="Picture 16"/>
+          <p:cNvPicPr>
+            <a:picLocks/>
+          </p:cNvPicPr>
+          <p:nvPr/>
+        </p:nvPicPr>
+        <p:blipFill>
+          <a:blip r:embed="rId3">
+            <a:extLst>
+              <a:ext uri="{28A0092B-C50C-407E-A947-70E740481C1C}">
+                <a14:useLocalDpi xmlns:a14="http://schemas.microsoft.com/office/drawing/2010/main" val="0"/>
+              </a:ext>
+            </a:extLst>
+          </a:blip>
+          <a:stretch>
+            <a:fillRect/>
+          </a:stretch>
+        </p:blipFill>
+        <p:spPr>
+          <a:xfrm>
+            <a:off x="435596" y="289351"/>
+            <a:ext cx="1674557" cy="1674557"/>
+          </a:xfrm>
+          <a:prstGeom prst="rect">
+            <a:avLst/>
+          </a:prstGeom>
+        </p:spPr>
+      </p:pic>
+    </p:spTree>
+    <p:extLst>
+      <p:ext uri="{BB962C8B-B14F-4D97-AF65-F5344CB8AC3E}">
+        <p14:creationId xmlns:p14="http://schemas.microsoft.com/office/powerpoint/2010/main" val="2359624850"/>
       </p:ext>
     </p:extLst>
   </p:cSld>
@@ -20340,7 +25323,7 @@
           <a:p>
             <a:fld id="{1E5DF2A6-70B6-40A7-989A-34759E4806B0}" type="datetime1">
               <a:rPr lang="fr-BE" smtClean="0"/>
-              <a:t>09-09-25</a:t>
+              <a:t>19-02-26</a:t>
             </a:fld>
             <a:endParaRPr lang="fr-BE"/>
           </a:p>
